--- a/Version Control Presentation.pptx
+++ b/Version Control Presentation.pptx
@@ -7706,25 +7706,6 @@
       </p:sp>
       <p:sp>
         <p:nvSpPr>
-          <p:cNvPr id="3" name="Content Placeholder 2"/>
-          <p:cNvSpPr>
-            <a:spLocks noGrp="1"/>
-          </p:cNvSpPr>
-          <p:nvPr>
-            <p:ph idx="1"/>
-          </p:nvPr>
-        </p:nvSpPr>
-        <p:spPr/>
-        <p:txBody>
-          <a:bodyPr/>
-          <a:lstStyle/>
-          <a:p>
-            <a:endParaRPr lang="en-US"/>
-          </a:p>
-        </p:txBody>
-      </p:sp>
-      <p:sp>
-        <p:nvSpPr>
           <p:cNvPr id="5" name="Title 1"/>
           <p:cNvSpPr txBox="1">
             <a:spLocks/>
@@ -7837,7 +7818,7 @@
         </p:nvSpPr>
         <p:spPr>
           <a:xfrm>
-            <a:off x="326332" y="3333427"/>
+            <a:off x="366088" y="3333427"/>
             <a:ext cx="2566994" cy="338345"/>
           </a:xfrm>
           <a:prstGeom prst="rect">

--- a/Version Control Presentation.pptx
+++ b/Version Control Presentation.pptx
@@ -17,8 +17,8 @@
     <p:sldId id="268" r:id="rId11"/>
     <p:sldId id="269" r:id="rId12"/>
     <p:sldId id="270" r:id="rId13"/>
-    <p:sldId id="272" r:id="rId14"/>
-    <p:sldId id="265" r:id="rId15"/>
+    <p:sldId id="265" r:id="rId14"/>
+    <p:sldId id="272" r:id="rId15"/>
   </p:sldIdLst>
   <p:sldSz cx="12192000" cy="6858000"/>
   <p:notesSz cx="6858000" cy="9144000"/>
@@ -117,6 +117,11 @@
       </a:defRPr>
     </a:lvl9pPr>
   </p:defaultTextStyle>
+  <p:extLst>
+    <p:ext uri="{EFAFB233-063F-42B5-8137-9DF3F51BA10A}">
+      <p15:sldGuideLst xmlns:p15="http://schemas.microsoft.com/office/powerpoint/2012/main"/>
+    </p:ext>
+  </p:extLst>
 </p:presentation>
 </file>
 
@@ -866,7 +871,7 @@
             <a:fld id="{B61BEF0D-F0BB-DE4B-95CE-6DB70DBA9567}" type="datetimeFigureOut">
               <a:rPr lang="en-US" dirty="0"/>
               <a:pPr/>
-              <a:t>7/26/2018</a:t>
+              <a:t>7/31/2018</a:t>
             </a:fld>
             <a:endParaRPr lang="en-US" dirty="0"/>
           </a:p>
@@ -1117,7 +1122,7 @@
             <a:fld id="{B61BEF0D-F0BB-DE4B-95CE-6DB70DBA9567}" type="datetimeFigureOut">
               <a:rPr lang="en-US" dirty="0"/>
               <a:pPr/>
-              <a:t>7/26/2018</a:t>
+              <a:t>7/31/2018</a:t>
             </a:fld>
             <a:endParaRPr lang="en-US" dirty="0"/>
           </a:p>
@@ -1431,7 +1436,7 @@
             <a:fld id="{B61BEF0D-F0BB-DE4B-95CE-6DB70DBA9567}" type="datetimeFigureOut">
               <a:rPr lang="en-US" dirty="0"/>
               <a:pPr/>
-              <a:t>7/26/2018</a:t>
+              <a:t>7/31/2018</a:t>
             </a:fld>
             <a:endParaRPr lang="en-US" dirty="0"/>
           </a:p>
@@ -1764,7 +1769,7 @@
             <a:fld id="{B61BEF0D-F0BB-DE4B-95CE-6DB70DBA9567}" type="datetimeFigureOut">
               <a:rPr lang="en-US" dirty="0"/>
               <a:pPr/>
-              <a:t>7/26/2018</a:t>
+              <a:t>7/31/2018</a:t>
             </a:fld>
             <a:endParaRPr lang="en-US" dirty="0"/>
           </a:p>
@@ -2078,7 +2083,7 @@
             <a:fld id="{B61BEF0D-F0BB-DE4B-95CE-6DB70DBA9567}" type="datetimeFigureOut">
               <a:rPr lang="en-US" dirty="0"/>
               <a:pPr/>
-              <a:t>7/26/2018</a:t>
+              <a:t>7/31/2018</a:t>
             </a:fld>
             <a:endParaRPr lang="en-US" dirty="0"/>
           </a:p>
@@ -2471,7 +2476,7 @@
             <a:fld id="{B61BEF0D-F0BB-DE4B-95CE-6DB70DBA9567}" type="datetimeFigureOut">
               <a:rPr lang="en-US" dirty="0"/>
               <a:pPr/>
-              <a:t>7/26/2018</a:t>
+              <a:t>7/31/2018</a:t>
             </a:fld>
             <a:endParaRPr lang="en-US" dirty="0"/>
           </a:p>
@@ -2640,7 +2645,7 @@
           <a:p>
             <a:fld id="{55C6B4A9-1611-4792-9094-5F34BCA07E0B}" type="datetimeFigureOut">
               <a:rPr lang="en-US" dirty="0"/>
-              <a:t>7/26/2018</a:t>
+              <a:t>7/31/2018</a:t>
             </a:fld>
             <a:endParaRPr lang="en-US" dirty="0"/>
           </a:p>
@@ -2819,7 +2824,7 @@
             <a:fld id="{B61BEF0D-F0BB-DE4B-95CE-6DB70DBA9567}" type="datetimeFigureOut">
               <a:rPr lang="en-US" dirty="0"/>
               <a:pPr/>
-              <a:t>7/26/2018</a:t>
+              <a:t>7/31/2018</a:t>
             </a:fld>
             <a:endParaRPr lang="en-US" dirty="0"/>
           </a:p>
@@ -2988,7 +2993,7 @@
           <a:p>
             <a:fld id="{42A54C80-263E-416B-A8E0-580EDEADCBDC}" type="datetimeFigureOut">
               <a:rPr lang="en-US" dirty="0"/>
-              <a:t>7/26/2018</a:t>
+              <a:t>7/31/2018</a:t>
             </a:fld>
             <a:endParaRPr lang="en-US" dirty="0"/>
           </a:p>
@@ -3234,7 +3239,7 @@
             <a:fld id="{B61BEF0D-F0BB-DE4B-95CE-6DB70DBA9567}" type="datetimeFigureOut">
               <a:rPr lang="en-US" dirty="0"/>
               <a:pPr/>
-              <a:t>7/26/2018</a:t>
+              <a:t>7/31/2018</a:t>
             </a:fld>
             <a:endParaRPr lang="en-US" dirty="0"/>
           </a:p>
@@ -3465,7 +3470,7 @@
           <a:p>
             <a:fld id="{42A54C80-263E-416B-A8E0-580EDEADCBDC}" type="datetimeFigureOut">
               <a:rPr lang="en-US" dirty="0"/>
-              <a:t>7/26/2018</a:t>
+              <a:t>7/31/2018</a:t>
             </a:fld>
             <a:endParaRPr lang="en-US" dirty="0"/>
           </a:p>
@@ -3838,7 +3843,7 @@
             <a:fld id="{B61BEF0D-F0BB-DE4B-95CE-6DB70DBA9567}" type="datetimeFigureOut">
               <a:rPr lang="en-US" dirty="0"/>
               <a:pPr/>
-              <a:t>7/26/2018</a:t>
+              <a:t>7/31/2018</a:t>
             </a:fld>
             <a:endParaRPr lang="en-US" dirty="0"/>
           </a:p>
@@ -3961,7 +3966,7 @@
             <a:fld id="{B61BEF0D-F0BB-DE4B-95CE-6DB70DBA9567}" type="datetimeFigureOut">
               <a:rPr lang="en-US" dirty="0"/>
               <a:pPr/>
-              <a:t>7/26/2018</a:t>
+              <a:t>7/31/2018</a:t>
             </a:fld>
             <a:endParaRPr lang="en-US" dirty="0"/>
           </a:p>
@@ -4056,7 +4061,7 @@
             <a:fld id="{B61BEF0D-F0BB-DE4B-95CE-6DB70DBA9567}" type="datetimeFigureOut">
               <a:rPr lang="en-US" dirty="0"/>
               <a:pPr/>
-              <a:t>7/26/2018</a:t>
+              <a:t>7/31/2018</a:t>
             </a:fld>
             <a:endParaRPr lang="en-US" dirty="0"/>
           </a:p>
@@ -4310,7 +4315,7 @@
           <a:p>
             <a:fld id="{42A54C80-263E-416B-A8E0-580EDEADCBDC}" type="datetimeFigureOut">
               <a:rPr lang="en-US" dirty="0"/>
-              <a:t>7/26/2018</a:t>
+              <a:t>7/31/2018</a:t>
             </a:fld>
             <a:endParaRPr lang="en-US" dirty="0"/>
           </a:p>
@@ -4615,7 +4620,7 @@
             <a:fld id="{B61BEF0D-F0BB-DE4B-95CE-6DB70DBA9567}" type="datetimeFigureOut">
               <a:rPr lang="en-US" dirty="0"/>
               <a:pPr/>
-              <a:t>7/26/2018</a:t>
+              <a:t>7/31/2018</a:t>
             </a:fld>
             <a:endParaRPr lang="en-US" dirty="0"/>
           </a:p>
@@ -5316,7 +5321,7 @@
             <a:fld id="{B61BEF0D-F0BB-DE4B-95CE-6DB70DBA9567}" type="datetimeFigureOut">
               <a:rPr lang="en-US" dirty="0"/>
               <a:pPr/>
-              <a:t>7/26/2018</a:t>
+              <a:t>7/31/2018</a:t>
             </a:fld>
             <a:endParaRPr lang="en-US" dirty="0"/>
           </a:p>
@@ -5872,24 +5877,83 @@
             <p:ph type="subTitle" idx="1"/>
           </p:nvPr>
         </p:nvSpPr>
-        <p:spPr/>
-        <p:txBody>
-          <a:bodyPr/>
+        <p:spPr>
+          <a:xfrm>
+            <a:off x="1507067" y="4050833"/>
+            <a:ext cx="7766936" cy="2572036"/>
+          </a:xfrm>
+        </p:spPr>
+        <p:txBody>
+          <a:bodyPr>
+            <a:normAutofit/>
+          </a:bodyPr>
           <a:lstStyle/>
           <a:p>
             <a:r>
-              <a:rPr lang="en-US" dirty="0" smtClean="0"/>
+              <a:rPr lang="en-US" b="1" dirty="0" smtClean="0"/>
               <a:t>What They </a:t>
             </a:r>
             <a:r>
-              <a:rPr lang="en-US" dirty="0"/>
+              <a:rPr lang="en-US" b="1" dirty="0"/>
               <a:t>A</a:t>
             </a:r>
             <a:r>
-              <a:rPr lang="en-US" dirty="0" smtClean="0"/>
-              <a:t>re and How to Use Them</a:t>
-            </a:r>
+              <a:rPr lang="en-US" b="1" dirty="0" smtClean="0"/>
+              <a:t>re and How to Use </a:t>
+            </a:r>
+            <a:r>
+              <a:rPr lang="en-US" b="1" dirty="0" smtClean="0"/>
+              <a:t>Them</a:t>
+            </a:r>
+          </a:p>
+          <a:p>
             <a:endParaRPr lang="en-US" dirty="0"/>
+          </a:p>
+          <a:p>
+            <a:endParaRPr lang="en-US" dirty="0" smtClean="0"/>
+          </a:p>
+          <a:p>
+            <a:r>
+              <a:rPr lang="en-US" dirty="0" smtClean="0">
+                <a:solidFill>
+                  <a:schemeClr val="tx1"/>
+                </a:solidFill>
+              </a:rPr>
+              <a:t>Elisheva Strauss</a:t>
+            </a:r>
+          </a:p>
+          <a:p>
+            <a:r>
+              <a:rPr lang="en-US" dirty="0" smtClean="0">
+                <a:solidFill>
+                  <a:schemeClr val="tx1"/>
+                </a:solidFill>
+              </a:rPr>
+              <a:t>7/31/2018</a:t>
+            </a:r>
+          </a:p>
+          <a:p>
+            <a:r>
+              <a:rPr lang="en-US" dirty="0" err="1" smtClean="0">
+                <a:solidFill>
+                  <a:schemeClr val="tx1"/>
+                </a:solidFill>
+              </a:rPr>
+              <a:t>Maalot</a:t>
+            </a:r>
+            <a:r>
+              <a:rPr lang="en-US" dirty="0" smtClean="0">
+                <a:solidFill>
+                  <a:schemeClr val="tx1"/>
+                </a:solidFill>
+              </a:rPr>
+              <a:t> Capstone Senior Thesis Presentation</a:t>
+            </a:r>
+            <a:endParaRPr lang="en-US" dirty="0">
+              <a:solidFill>
+                <a:schemeClr val="tx1"/>
+              </a:solidFill>
+            </a:endParaRPr>
           </a:p>
         </p:txBody>
       </p:sp>
@@ -7693,474 +7757,6 @@
           <a:lstStyle/>
           <a:p>
             <a:r>
-              <a:rPr lang="en-US" dirty="0"/>
-              <a:t>Some Common Commands Using </a:t>
-            </a:r>
-            <a:r>
-              <a:rPr lang="en-US" dirty="0" err="1"/>
-              <a:t>Git</a:t>
-            </a:r>
-            <a:endParaRPr lang="en-US" dirty="0"/>
-          </a:p>
-        </p:txBody>
-      </p:sp>
-      <p:sp>
-        <p:nvSpPr>
-          <p:cNvPr id="5" name="Title 1"/>
-          <p:cNvSpPr txBox="1">
-            <a:spLocks/>
-          </p:cNvSpPr>
-          <p:nvPr/>
-        </p:nvSpPr>
-        <p:spPr>
-          <a:xfrm>
-            <a:off x="677334" y="1440216"/>
-            <a:ext cx="8596668" cy="1320800"/>
-          </a:xfrm>
-          <a:prstGeom prst="rect">
-            <a:avLst/>
-          </a:prstGeom>
-        </p:spPr>
-        <p:txBody>
-          <a:bodyPr vert="horz" lIns="91440" tIns="45720" rIns="91440" bIns="45720" rtlCol="0" anchor="t">
-            <a:normAutofit/>
-          </a:bodyPr>
-          <a:lstStyle>
-            <a:lvl1pPr algn="l" defTabSz="457200" rtl="0" eaLnBrk="1" latinLnBrk="0" hangingPunct="1">
-              <a:spcBef>
-                <a:spcPct val="0"/>
-              </a:spcBef>
-              <a:buNone/>
-              <a:defRPr sz="3600" kern="1200">
-                <a:solidFill>
-                  <a:schemeClr val="accent1"/>
-                </a:solidFill>
-                <a:latin typeface="+mj-lt"/>
-                <a:ea typeface="+mj-ea"/>
-                <a:cs typeface="+mj-cs"/>
-              </a:defRPr>
-            </a:lvl1pPr>
-            <a:lvl2pPr eaLnBrk="1" hangingPunct="1">
-              <a:defRPr>
-                <a:solidFill>
-                  <a:schemeClr val="tx2"/>
-                </a:solidFill>
-              </a:defRPr>
-            </a:lvl2pPr>
-            <a:lvl3pPr eaLnBrk="1" hangingPunct="1">
-              <a:defRPr>
-                <a:solidFill>
-                  <a:schemeClr val="tx2"/>
-                </a:solidFill>
-              </a:defRPr>
-            </a:lvl3pPr>
-            <a:lvl4pPr eaLnBrk="1" hangingPunct="1">
-              <a:defRPr>
-                <a:solidFill>
-                  <a:schemeClr val="tx2"/>
-                </a:solidFill>
-              </a:defRPr>
-            </a:lvl4pPr>
-            <a:lvl5pPr eaLnBrk="1" hangingPunct="1">
-              <a:defRPr>
-                <a:solidFill>
-                  <a:schemeClr val="tx2"/>
-                </a:solidFill>
-              </a:defRPr>
-            </a:lvl5pPr>
-            <a:lvl6pPr eaLnBrk="1" hangingPunct="1">
-              <a:defRPr>
-                <a:solidFill>
-                  <a:schemeClr val="tx2"/>
-                </a:solidFill>
-              </a:defRPr>
-            </a:lvl6pPr>
-            <a:lvl7pPr eaLnBrk="1" hangingPunct="1">
-              <a:defRPr>
-                <a:solidFill>
-                  <a:schemeClr val="tx2"/>
-                </a:solidFill>
-              </a:defRPr>
-            </a:lvl7pPr>
-            <a:lvl8pPr eaLnBrk="1" hangingPunct="1">
-              <a:defRPr>
-                <a:solidFill>
-                  <a:schemeClr val="tx2"/>
-                </a:solidFill>
-              </a:defRPr>
-            </a:lvl8pPr>
-            <a:lvl9pPr eaLnBrk="1" hangingPunct="1">
-              <a:defRPr>
-                <a:solidFill>
-                  <a:schemeClr val="tx2"/>
-                </a:solidFill>
-              </a:defRPr>
-            </a:lvl9pPr>
-          </a:lstStyle>
-          <a:p>
-            <a:r>
-              <a:rPr lang="en-US" dirty="0" err="1" smtClean="0"/>
-              <a:t>git</a:t>
-            </a:r>
-            <a:r>
-              <a:rPr lang="en-US" dirty="0" smtClean="0"/>
-              <a:t> push</a:t>
-            </a:r>
-            <a:endParaRPr lang="en-US" dirty="0"/>
-          </a:p>
-        </p:txBody>
-      </p:sp>
-      <p:sp>
-        <p:nvSpPr>
-          <p:cNvPr id="6" name="Rectangle 5"/>
-          <p:cNvSpPr/>
-          <p:nvPr/>
-        </p:nvSpPr>
-        <p:spPr>
-          <a:xfrm>
-            <a:off x="366088" y="3333427"/>
-            <a:ext cx="2566994" cy="338345"/>
-          </a:xfrm>
-          <a:prstGeom prst="rect">
-            <a:avLst/>
-          </a:prstGeom>
-          <a:noFill/>
-          <a:ln>
-            <a:solidFill>
-              <a:srgbClr val="FFC000"/>
-            </a:solidFill>
-          </a:ln>
-        </p:spPr>
-        <p:style>
-          <a:lnRef idx="2">
-            <a:schemeClr val="accent6"/>
-          </a:lnRef>
-          <a:fillRef idx="1">
-            <a:schemeClr val="lt1"/>
-          </a:fillRef>
-          <a:effectRef idx="0">
-            <a:schemeClr val="accent6"/>
-          </a:effectRef>
-          <a:fontRef idx="minor">
-            <a:schemeClr val="dk1"/>
-          </a:fontRef>
-        </p:style>
-        <p:txBody>
-          <a:bodyPr rtlCol="0" anchor="ctr"/>
-          <a:lstStyle/>
-          <a:p>
-            <a:pPr algn="ctr"/>
-            <a:endParaRPr lang="en-US"/>
-          </a:p>
-        </p:txBody>
-      </p:sp>
-      <p:sp>
-        <p:nvSpPr>
-          <p:cNvPr id="7" name="Rectangle 6"/>
-          <p:cNvSpPr/>
-          <p:nvPr/>
-        </p:nvSpPr>
-        <p:spPr>
-          <a:xfrm>
-            <a:off x="3006804" y="3333427"/>
-            <a:ext cx="2820789" cy="338345"/>
-          </a:xfrm>
-          <a:prstGeom prst="rect">
-            <a:avLst/>
-          </a:prstGeom>
-          <a:noFill/>
-          <a:ln>
-            <a:solidFill>
-              <a:srgbClr val="FFC000"/>
-            </a:solidFill>
-          </a:ln>
-        </p:spPr>
-        <p:style>
-          <a:lnRef idx="2">
-            <a:schemeClr val="accent6"/>
-          </a:lnRef>
-          <a:fillRef idx="1">
-            <a:schemeClr val="lt1"/>
-          </a:fillRef>
-          <a:effectRef idx="0">
-            <a:schemeClr val="accent6"/>
-          </a:effectRef>
-          <a:fontRef idx="minor">
-            <a:schemeClr val="dk1"/>
-          </a:fontRef>
-        </p:style>
-        <p:txBody>
-          <a:bodyPr rtlCol="0" anchor="ctr"/>
-          <a:lstStyle/>
-          <a:p>
-            <a:pPr algn="ctr"/>
-            <a:endParaRPr lang="en-US"/>
-          </a:p>
-        </p:txBody>
-      </p:sp>
-      <p:sp>
-        <p:nvSpPr>
-          <p:cNvPr id="8" name="Rectangle 7"/>
-          <p:cNvSpPr/>
-          <p:nvPr/>
-        </p:nvSpPr>
-        <p:spPr>
-          <a:xfrm>
-            <a:off x="367276" y="3704215"/>
-            <a:ext cx="5050885" cy="338344"/>
-          </a:xfrm>
-          <a:prstGeom prst="rect">
-            <a:avLst/>
-          </a:prstGeom>
-          <a:noFill/>
-          <a:ln>
-            <a:solidFill>
-              <a:srgbClr val="FFC000"/>
-            </a:solidFill>
-          </a:ln>
-        </p:spPr>
-        <p:style>
-          <a:lnRef idx="2">
-            <a:schemeClr val="accent6"/>
-          </a:lnRef>
-          <a:fillRef idx="1">
-            <a:schemeClr val="lt1"/>
-          </a:fillRef>
-          <a:effectRef idx="0">
-            <a:schemeClr val="accent6"/>
-          </a:effectRef>
-          <a:fontRef idx="minor">
-            <a:schemeClr val="dk1"/>
-          </a:fontRef>
-        </p:style>
-        <p:txBody>
-          <a:bodyPr rtlCol="0" anchor="ctr"/>
-          <a:lstStyle/>
-          <a:p>
-            <a:pPr algn="ctr"/>
-            <a:endParaRPr lang="en-US"/>
-          </a:p>
-        </p:txBody>
-      </p:sp>
-    </p:spTree>
-    <p:extLst>
-      <p:ext uri="{BB962C8B-B14F-4D97-AF65-F5344CB8AC3E}">
-        <p14:creationId xmlns:p14="http://schemas.microsoft.com/office/powerpoint/2010/main" val="2169557305"/>
-      </p:ext>
-    </p:extLst>
-  </p:cSld>
-  <p:clrMapOvr>
-    <a:masterClrMapping/>
-  </p:clrMapOvr>
-  <p:transition spd="slow">
-    <p:wipe/>
-  </p:transition>
-  <p:timing>
-    <p:tnLst>
-      <p:par>
-        <p:cTn id="1" dur="indefinite" restart="never" nodeType="tmRoot">
-          <p:childTnLst>
-            <p:seq concurrent="1" nextAc="seek">
-              <p:cTn id="2" dur="indefinite" nodeType="mainSeq">
-                <p:childTnLst>
-                  <p:par>
-                    <p:cTn id="3" fill="hold">
-                      <p:stCondLst>
-                        <p:cond delay="indefinite"/>
-                      </p:stCondLst>
-                      <p:childTnLst>
-                        <p:par>
-                          <p:cTn id="4" fill="hold">
-                            <p:stCondLst>
-                              <p:cond delay="0"/>
-                            </p:stCondLst>
-                            <p:childTnLst>
-                              <p:par>
-                                <p:cTn id="5" presetID="1" presetClass="entr" presetSubtype="0" fill="hold" grpId="0" nodeType="clickEffect">
-                                  <p:stCondLst>
-                                    <p:cond delay="0"/>
-                                  </p:stCondLst>
-                                  <p:childTnLst>
-                                    <p:set>
-                                      <p:cBhvr>
-                                        <p:cTn id="6" dur="1" fill="hold">
-                                          <p:stCondLst>
-                                            <p:cond delay="0"/>
-                                          </p:stCondLst>
-                                        </p:cTn>
-                                        <p:tgtEl>
-                                          <p:spTgt spid="6"/>
-                                        </p:tgtEl>
-                                        <p:attrNameLst>
-                                          <p:attrName>style.visibility</p:attrName>
-                                        </p:attrNameLst>
-                                      </p:cBhvr>
-                                      <p:to>
-                                        <p:strVal val="visible"/>
-                                      </p:to>
-                                    </p:set>
-                                  </p:childTnLst>
-                                </p:cTn>
-                              </p:par>
-                            </p:childTnLst>
-                          </p:cTn>
-                        </p:par>
-                      </p:childTnLst>
-                    </p:cTn>
-                  </p:par>
-                  <p:par>
-                    <p:cTn id="7" fill="hold">
-                      <p:stCondLst>
-                        <p:cond delay="indefinite"/>
-                      </p:stCondLst>
-                      <p:childTnLst>
-                        <p:par>
-                          <p:cTn id="8" fill="hold">
-                            <p:stCondLst>
-                              <p:cond delay="0"/>
-                            </p:stCondLst>
-                            <p:childTnLst>
-                              <p:par>
-                                <p:cTn id="9" presetID="1" presetClass="entr" presetSubtype="0" fill="hold" grpId="0" nodeType="clickEffect">
-                                  <p:stCondLst>
-                                    <p:cond delay="0"/>
-                                  </p:stCondLst>
-                                  <p:childTnLst>
-                                    <p:set>
-                                      <p:cBhvr>
-                                        <p:cTn id="10" dur="1" fill="hold">
-                                          <p:stCondLst>
-                                            <p:cond delay="0"/>
-                                          </p:stCondLst>
-                                        </p:cTn>
-                                        <p:tgtEl>
-                                          <p:spTgt spid="7"/>
-                                        </p:tgtEl>
-                                        <p:attrNameLst>
-                                          <p:attrName>style.visibility</p:attrName>
-                                        </p:attrNameLst>
-                                      </p:cBhvr>
-                                      <p:to>
-                                        <p:strVal val="visible"/>
-                                      </p:to>
-                                    </p:set>
-                                  </p:childTnLst>
-                                </p:cTn>
-                              </p:par>
-                            </p:childTnLst>
-                          </p:cTn>
-                        </p:par>
-                      </p:childTnLst>
-                    </p:cTn>
-                  </p:par>
-                  <p:par>
-                    <p:cTn id="11" fill="hold">
-                      <p:stCondLst>
-                        <p:cond delay="indefinite"/>
-                      </p:stCondLst>
-                      <p:childTnLst>
-                        <p:par>
-                          <p:cTn id="12" fill="hold">
-                            <p:stCondLst>
-                              <p:cond delay="0"/>
-                            </p:stCondLst>
-                            <p:childTnLst>
-                              <p:par>
-                                <p:cTn id="13" presetID="1" presetClass="entr" presetSubtype="0" fill="hold" grpId="0" nodeType="clickEffect">
-                                  <p:stCondLst>
-                                    <p:cond delay="0"/>
-                                  </p:stCondLst>
-                                  <p:childTnLst>
-                                    <p:set>
-                                      <p:cBhvr>
-                                        <p:cTn id="14" dur="1" fill="hold">
-                                          <p:stCondLst>
-                                            <p:cond delay="0"/>
-                                          </p:stCondLst>
-                                        </p:cTn>
-                                        <p:tgtEl>
-                                          <p:spTgt spid="8"/>
-                                        </p:tgtEl>
-                                        <p:attrNameLst>
-                                          <p:attrName>style.visibility</p:attrName>
-                                        </p:attrNameLst>
-                                      </p:cBhvr>
-                                      <p:to>
-                                        <p:strVal val="visible"/>
-                                      </p:to>
-                                    </p:set>
-                                  </p:childTnLst>
-                                </p:cTn>
-                              </p:par>
-                            </p:childTnLst>
-                          </p:cTn>
-                        </p:par>
-                      </p:childTnLst>
-                    </p:cTn>
-                  </p:par>
-                </p:childTnLst>
-              </p:cTn>
-              <p:prevCondLst>
-                <p:cond evt="onPrev" delay="0">
-                  <p:tgtEl>
-                    <p:sldTgt/>
-                  </p:tgtEl>
-                </p:cond>
-              </p:prevCondLst>
-              <p:nextCondLst>
-                <p:cond evt="onNext" delay="0">
-                  <p:tgtEl>
-                    <p:sldTgt/>
-                  </p:tgtEl>
-                </p:cond>
-              </p:nextCondLst>
-            </p:seq>
-          </p:childTnLst>
-        </p:cTn>
-      </p:par>
-    </p:tnLst>
-    <p:bldLst>
-      <p:bldP spid="6" grpId="0" animBg="1"/>
-      <p:bldP spid="7" grpId="0" animBg="1"/>
-      <p:bldP spid="8" grpId="0" animBg="1"/>
-    </p:bldLst>
-  </p:timing>
-</p:sld>
-</file>
-
-<file path=ppt/slides/slide14.xml><?xml version="1.0" encoding="utf-8"?>
-<p:sld xmlns:a="http://schemas.openxmlformats.org/drawingml/2006/main" xmlns:r="http://schemas.openxmlformats.org/officeDocument/2006/relationships" xmlns:p="http://schemas.openxmlformats.org/presentationml/2006/main">
-  <p:cSld>
-    <p:spTree>
-      <p:nvGrpSpPr>
-        <p:cNvPr id="1" name=""/>
-        <p:cNvGrpSpPr/>
-        <p:nvPr/>
-      </p:nvGrpSpPr>
-      <p:grpSpPr>
-        <a:xfrm>
-          <a:off x="0" y="0"/>
-          <a:ext cx="0" cy="0"/>
-          <a:chOff x="0" y="0"/>
-          <a:chExt cx="0" cy="0"/>
-        </a:xfrm>
-      </p:grpSpPr>
-      <p:sp>
-        <p:nvSpPr>
-          <p:cNvPr id="2" name="Title 1"/>
-          <p:cNvSpPr>
-            <a:spLocks noGrp="1"/>
-          </p:cNvSpPr>
-          <p:nvPr>
-            <p:ph type="title"/>
-          </p:nvPr>
-        </p:nvSpPr>
-        <p:spPr/>
-        <p:txBody>
-          <a:bodyPr/>
-          <a:lstStyle/>
-          <a:p>
-            <a:r>
               <a:rPr lang="en-US" dirty="0" smtClean="0"/>
               <a:t>Version Control Systems Allow</a:t>
             </a:r>
@@ -8567,6 +8163,89 @@
       <p:bldP spid="3" grpId="0" uiExpand="1" build="p"/>
     </p:bldLst>
   </p:timing>
+</p:sld>
+</file>
+
+<file path=ppt/slides/slide14.xml><?xml version="1.0" encoding="utf-8"?>
+<p:sld xmlns:a="http://schemas.openxmlformats.org/drawingml/2006/main" xmlns:r="http://schemas.openxmlformats.org/officeDocument/2006/relationships" xmlns:p="http://schemas.openxmlformats.org/presentationml/2006/main">
+  <p:cSld>
+    <p:spTree>
+      <p:nvGrpSpPr>
+        <p:cNvPr id="1" name=""/>
+        <p:cNvGrpSpPr/>
+        <p:nvPr/>
+      </p:nvGrpSpPr>
+      <p:grpSpPr>
+        <a:xfrm>
+          <a:off x="0" y="0"/>
+          <a:ext cx="0" cy="0"/>
+          <a:chOff x="0" y="0"/>
+          <a:chExt cx="0" cy="0"/>
+        </a:xfrm>
+      </p:grpSpPr>
+      <p:sp>
+        <p:nvSpPr>
+          <p:cNvPr id="2" name="Title 1"/>
+          <p:cNvSpPr>
+            <a:spLocks noGrp="1"/>
+          </p:cNvSpPr>
+          <p:nvPr>
+            <p:ph type="title"/>
+          </p:nvPr>
+        </p:nvSpPr>
+        <p:spPr/>
+        <p:txBody>
+          <a:bodyPr/>
+          <a:lstStyle/>
+          <a:p>
+            <a:pPr algn="ctr"/>
+            <a:r>
+              <a:rPr lang="en-US" dirty="0" smtClean="0"/>
+              <a:t>Thank you for listening!</a:t>
+            </a:r>
+            <a:br>
+              <a:rPr lang="en-US" dirty="0" smtClean="0"/>
+            </a:br>
+            <a:r>
+              <a:rPr lang="en-US" dirty="0" smtClean="0"/>
+              <a:t>Any Questions?</a:t>
+            </a:r>
+            <a:endParaRPr lang="en-US" dirty="0"/>
+          </a:p>
+        </p:txBody>
+      </p:sp>
+      <p:sp>
+        <p:nvSpPr>
+          <p:cNvPr id="3" name="Content Placeholder 2"/>
+          <p:cNvSpPr>
+            <a:spLocks noGrp="1"/>
+          </p:cNvSpPr>
+          <p:nvPr>
+            <p:ph idx="1"/>
+          </p:nvPr>
+        </p:nvSpPr>
+        <p:spPr/>
+        <p:txBody>
+          <a:bodyPr/>
+          <a:lstStyle/>
+          <a:p>
+            <a:endParaRPr lang="en-US"/>
+          </a:p>
+        </p:txBody>
+      </p:sp>
+    </p:spTree>
+    <p:extLst>
+      <p:ext uri="{BB962C8B-B14F-4D97-AF65-F5344CB8AC3E}">
+        <p14:creationId xmlns:p14="http://schemas.microsoft.com/office/powerpoint/2010/main" val="2910038759"/>
+      </p:ext>
+    </p:extLst>
+  </p:cSld>
+  <p:clrMapOvr>
+    <a:masterClrMapping/>
+  </p:clrMapOvr>
+  <p:transition spd="slow">
+    <p:wipe/>
+  </p:transition>
 </p:sld>
 </file>
 

--- a/Version Control Presentation.pptx
+++ b/Version Control Presentation.pptx
@@ -726,7 +726,7 @@
           </a:lstStyle>
           <a:p>
             <a:r>
-              <a:rPr lang="en-US" smtClean="0"/>
+              <a:rPr lang="en-US"/>
               <a:t>Click to edit Master title style</a:t>
             </a:r>
             <a:endParaRPr lang="en-US" dirty="0"/>
@@ -846,7 +846,7 @@
           </a:lstStyle>
           <a:p>
             <a:r>
-              <a:rPr lang="en-US" smtClean="0"/>
+              <a:rPr lang="en-US"/>
               <a:t>Click to edit Master subtitle style</a:t>
             </a:r>
             <a:endParaRPr lang="en-US" dirty="0"/>
@@ -871,7 +871,7 @@
             <a:fld id="{B61BEF0D-F0BB-DE4B-95CE-6DB70DBA9567}" type="datetimeFigureOut">
               <a:rPr lang="en-US" dirty="0"/>
               <a:pPr/>
-              <a:t>7/31/2018</a:t>
+              <a:t>8/1/2018</a:t>
             </a:fld>
             <a:endParaRPr lang="en-US" dirty="0"/>
           </a:p>
@@ -975,7 +975,7 @@
           </a:lstStyle>
           <a:p>
             <a:r>
-              <a:rPr lang="en-US" smtClean="0"/>
+              <a:rPr lang="en-US"/>
               <a:t>Click to edit Master title style</a:t>
             </a:r>
             <a:endParaRPr lang="en-US" dirty="0"/>
@@ -1098,7 +1098,7 @@
           <a:p>
             <a:pPr lvl="0"/>
             <a:r>
-              <a:rPr lang="en-US" smtClean="0"/>
+              <a:rPr lang="en-US"/>
               <a:t>Edit Master text styles</a:t>
             </a:r>
           </a:p>
@@ -1122,7 +1122,7 @@
             <a:fld id="{B61BEF0D-F0BB-DE4B-95CE-6DB70DBA9567}" type="datetimeFigureOut">
               <a:rPr lang="en-US" dirty="0"/>
               <a:pPr/>
-              <a:t>7/31/2018</a:t>
+              <a:t>8/1/2018</a:t>
             </a:fld>
             <a:endParaRPr lang="en-US" dirty="0"/>
           </a:p>
@@ -1226,7 +1226,7 @@
           </a:lstStyle>
           <a:p>
             <a:r>
-              <a:rPr lang="en-US" smtClean="0"/>
+              <a:rPr lang="en-US"/>
               <a:t>Click to edit Master title style</a:t>
             </a:r>
             <a:endParaRPr lang="en-US" dirty="0"/>
@@ -1290,7 +1290,7 @@
           <a:p>
             <a:pPr lvl="0"/>
             <a:r>
-              <a:rPr lang="en-US" smtClean="0"/>
+              <a:rPr lang="en-US"/>
               <a:t>Edit Master text styles</a:t>
             </a:r>
           </a:p>
@@ -1412,7 +1412,7 @@
           <a:p>
             <a:pPr lvl="0"/>
             <a:r>
-              <a:rPr lang="en-US" smtClean="0"/>
+              <a:rPr lang="en-US"/>
               <a:t>Edit Master text styles</a:t>
             </a:r>
           </a:p>
@@ -1436,7 +1436,7 @@
             <a:fld id="{B61BEF0D-F0BB-DE4B-95CE-6DB70DBA9567}" type="datetimeFigureOut">
               <a:rPr lang="en-US" dirty="0"/>
               <a:pPr/>
-              <a:t>7/31/2018</a:t>
+              <a:t>8/1/2018</a:t>
             </a:fld>
             <a:endParaRPr lang="en-US" dirty="0"/>
           </a:p>
@@ -1622,7 +1622,7 @@
           </a:lstStyle>
           <a:p>
             <a:r>
-              <a:rPr lang="en-US" smtClean="0"/>
+              <a:rPr lang="en-US"/>
               <a:t>Click to edit Master title style</a:t>
             </a:r>
             <a:endParaRPr lang="en-US" dirty="0"/>
@@ -1745,7 +1745,7 @@
           <a:p>
             <a:pPr lvl="0"/>
             <a:r>
-              <a:rPr lang="en-US" smtClean="0"/>
+              <a:rPr lang="en-US"/>
               <a:t>Edit Master text styles</a:t>
             </a:r>
           </a:p>
@@ -1769,7 +1769,7 @@
             <a:fld id="{B61BEF0D-F0BB-DE4B-95CE-6DB70DBA9567}" type="datetimeFigureOut">
               <a:rPr lang="en-US" dirty="0"/>
               <a:pPr/>
-              <a:t>7/31/2018</a:t>
+              <a:t>8/1/2018</a:t>
             </a:fld>
             <a:endParaRPr lang="en-US" dirty="0"/>
           </a:p>
@@ -1873,7 +1873,7 @@
           </a:lstStyle>
           <a:p>
             <a:r>
-              <a:rPr lang="en-US" smtClean="0"/>
+              <a:rPr lang="en-US"/>
               <a:t>Click to edit Master title style</a:t>
             </a:r>
             <a:endParaRPr lang="en-US" dirty="0"/>
@@ -1937,7 +1937,7 @@
           <a:p>
             <a:pPr lvl="0"/>
             <a:r>
-              <a:rPr lang="en-US" smtClean="0"/>
+              <a:rPr lang="en-US"/>
               <a:t>Edit Master text styles</a:t>
             </a:r>
           </a:p>
@@ -2059,7 +2059,7 @@
           <a:p>
             <a:pPr lvl="0"/>
             <a:r>
-              <a:rPr lang="en-US" smtClean="0"/>
+              <a:rPr lang="en-US"/>
               <a:t>Edit Master text styles</a:t>
             </a:r>
           </a:p>
@@ -2083,7 +2083,7 @@
             <a:fld id="{B61BEF0D-F0BB-DE4B-95CE-6DB70DBA9567}" type="datetimeFigureOut">
               <a:rPr lang="en-US" dirty="0"/>
               <a:pPr/>
-              <a:t>7/31/2018</a:t>
+              <a:t>8/1/2018</a:t>
             </a:fld>
             <a:endParaRPr lang="en-US" dirty="0"/>
           </a:p>
@@ -2269,7 +2269,7 @@
           </a:lstStyle>
           <a:p>
             <a:r>
-              <a:rPr lang="en-US" smtClean="0"/>
+              <a:rPr lang="en-US"/>
               <a:t>Click to edit Master title style</a:t>
             </a:r>
             <a:endParaRPr lang="en-US" dirty="0"/>
@@ -2330,7 +2330,7 @@
           <a:p>
             <a:pPr lvl="0"/>
             <a:r>
-              <a:rPr lang="en-US" smtClean="0"/>
+              <a:rPr lang="en-US"/>
               <a:t>Edit Master text styles</a:t>
             </a:r>
           </a:p>
@@ -2452,7 +2452,7 @@
           <a:p>
             <a:pPr lvl="0"/>
             <a:r>
-              <a:rPr lang="en-US" smtClean="0"/>
+              <a:rPr lang="en-US"/>
               <a:t>Edit Master text styles</a:t>
             </a:r>
           </a:p>
@@ -2476,7 +2476,7 @@
             <a:fld id="{B61BEF0D-F0BB-DE4B-95CE-6DB70DBA9567}" type="datetimeFigureOut">
               <a:rPr lang="en-US" dirty="0"/>
               <a:pPr/>
-              <a:t>7/31/2018</a:t>
+              <a:t>8/1/2018</a:t>
             </a:fld>
             <a:endParaRPr lang="en-US" dirty="0"/>
           </a:p>
@@ -2569,7 +2569,7 @@
           <a:lstStyle/>
           <a:p>
             <a:r>
-              <a:rPr lang="en-US" smtClean="0"/>
+              <a:rPr lang="en-US"/>
               <a:t>Click to edit Master title style</a:t>
             </a:r>
             <a:endParaRPr lang="en-US" dirty="0"/>
@@ -2593,35 +2593,35 @@
           <a:p>
             <a:pPr lvl="0"/>
             <a:r>
-              <a:rPr lang="en-US" smtClean="0"/>
+              <a:rPr lang="en-US"/>
               <a:t>Edit Master text styles</a:t>
             </a:r>
           </a:p>
           <a:p>
             <a:pPr lvl="1"/>
             <a:r>
-              <a:rPr lang="en-US" smtClean="0"/>
+              <a:rPr lang="en-US"/>
               <a:t>Second level</a:t>
             </a:r>
           </a:p>
           <a:p>
             <a:pPr lvl="2"/>
             <a:r>
-              <a:rPr lang="en-US" smtClean="0"/>
+              <a:rPr lang="en-US"/>
               <a:t>Third level</a:t>
             </a:r>
           </a:p>
           <a:p>
             <a:pPr lvl="3"/>
             <a:r>
-              <a:rPr lang="en-US" smtClean="0"/>
+              <a:rPr lang="en-US"/>
               <a:t>Fourth level</a:t>
             </a:r>
           </a:p>
           <a:p>
             <a:pPr lvl="4"/>
             <a:r>
-              <a:rPr lang="en-US" smtClean="0"/>
+              <a:rPr lang="en-US"/>
               <a:t>Fifth level</a:t>
             </a:r>
             <a:endParaRPr lang="en-US" dirty="0"/>
@@ -2645,7 +2645,7 @@
           <a:p>
             <a:fld id="{55C6B4A9-1611-4792-9094-5F34BCA07E0B}" type="datetimeFigureOut">
               <a:rPr lang="en-US" dirty="0"/>
-              <a:t>7/31/2018</a:t>
+              <a:t>8/1/2018</a:t>
             </a:fld>
             <a:endParaRPr lang="en-US" dirty="0"/>
           </a:p>
@@ -2742,7 +2742,7 @@
           <a:lstStyle/>
           <a:p>
             <a:r>
-              <a:rPr lang="en-US" smtClean="0"/>
+              <a:rPr lang="en-US"/>
               <a:t>Click to edit Master title style</a:t>
             </a:r>
             <a:endParaRPr lang="en-US" dirty="0"/>
@@ -2771,35 +2771,35 @@
           <a:p>
             <a:pPr lvl="0"/>
             <a:r>
-              <a:rPr lang="en-US" smtClean="0"/>
+              <a:rPr lang="en-US"/>
               <a:t>Edit Master text styles</a:t>
             </a:r>
           </a:p>
           <a:p>
             <a:pPr lvl="1"/>
             <a:r>
-              <a:rPr lang="en-US" smtClean="0"/>
+              <a:rPr lang="en-US"/>
               <a:t>Second level</a:t>
             </a:r>
           </a:p>
           <a:p>
             <a:pPr lvl="2"/>
             <a:r>
-              <a:rPr lang="en-US" smtClean="0"/>
+              <a:rPr lang="en-US"/>
               <a:t>Third level</a:t>
             </a:r>
           </a:p>
           <a:p>
             <a:pPr lvl="3"/>
             <a:r>
-              <a:rPr lang="en-US" smtClean="0"/>
+              <a:rPr lang="en-US"/>
               <a:t>Fourth level</a:t>
             </a:r>
           </a:p>
           <a:p>
             <a:pPr lvl="4"/>
             <a:r>
-              <a:rPr lang="en-US" smtClean="0"/>
+              <a:rPr lang="en-US"/>
               <a:t>Fifth level</a:t>
             </a:r>
             <a:endParaRPr lang="en-US" dirty="0"/>
@@ -2824,7 +2824,7 @@
             <a:fld id="{B61BEF0D-F0BB-DE4B-95CE-6DB70DBA9567}" type="datetimeFigureOut">
               <a:rPr lang="en-US" dirty="0"/>
               <a:pPr/>
-              <a:t>7/31/2018</a:t>
+              <a:t>8/1/2018</a:t>
             </a:fld>
             <a:endParaRPr lang="en-US" dirty="0"/>
           </a:p>
@@ -2917,7 +2917,7 @@
           <a:lstStyle/>
           <a:p>
             <a:r>
-              <a:rPr lang="en-US" smtClean="0"/>
+              <a:rPr lang="en-US"/>
               <a:t>Click to edit Master title style</a:t>
             </a:r>
             <a:endParaRPr lang="en-US" dirty="0"/>
@@ -2941,35 +2941,35 @@
           <a:p>
             <a:pPr lvl="0"/>
             <a:r>
-              <a:rPr lang="en-US" smtClean="0"/>
+              <a:rPr lang="en-US"/>
               <a:t>Edit Master text styles</a:t>
             </a:r>
           </a:p>
           <a:p>
             <a:pPr lvl="1"/>
             <a:r>
-              <a:rPr lang="en-US" smtClean="0"/>
+              <a:rPr lang="en-US"/>
               <a:t>Second level</a:t>
             </a:r>
           </a:p>
           <a:p>
             <a:pPr lvl="2"/>
             <a:r>
-              <a:rPr lang="en-US" smtClean="0"/>
+              <a:rPr lang="en-US"/>
               <a:t>Third level</a:t>
             </a:r>
           </a:p>
           <a:p>
             <a:pPr lvl="3"/>
             <a:r>
-              <a:rPr lang="en-US" smtClean="0"/>
+              <a:rPr lang="en-US"/>
               <a:t>Fourth level</a:t>
             </a:r>
           </a:p>
           <a:p>
             <a:pPr lvl="4"/>
             <a:r>
-              <a:rPr lang="en-US" smtClean="0"/>
+              <a:rPr lang="en-US"/>
               <a:t>Fifth level</a:t>
             </a:r>
             <a:endParaRPr lang="en-US" dirty="0"/>
@@ -2993,7 +2993,7 @@
           <a:p>
             <a:fld id="{42A54C80-263E-416B-A8E0-580EDEADCBDC}" type="datetimeFigureOut">
               <a:rPr lang="en-US" dirty="0"/>
-              <a:t>7/31/2018</a:t>
+              <a:t>8/1/2018</a:t>
             </a:fld>
             <a:endParaRPr lang="en-US" dirty="0"/>
           </a:p>
@@ -3094,7 +3094,7 @@
           </a:lstStyle>
           <a:p>
             <a:r>
-              <a:rPr lang="en-US" smtClean="0"/>
+              <a:rPr lang="en-US"/>
               <a:t>Click to edit Master title style</a:t>
             </a:r>
             <a:endParaRPr lang="en-US" dirty="0"/>
@@ -3215,7 +3215,7 @@
           <a:p>
             <a:pPr lvl="0"/>
             <a:r>
-              <a:rPr lang="en-US" smtClean="0"/>
+              <a:rPr lang="en-US"/>
               <a:t>Edit Master text styles</a:t>
             </a:r>
           </a:p>
@@ -3239,7 +3239,7 @@
             <a:fld id="{B61BEF0D-F0BB-DE4B-95CE-6DB70DBA9567}" type="datetimeFigureOut">
               <a:rPr lang="en-US" dirty="0"/>
               <a:pPr/>
-              <a:t>7/31/2018</a:t>
+              <a:t>8/1/2018</a:t>
             </a:fld>
             <a:endParaRPr lang="en-US" dirty="0"/>
           </a:p>
@@ -3332,7 +3332,7 @@
           <a:lstStyle/>
           <a:p>
             <a:r>
-              <a:rPr lang="en-US" smtClean="0"/>
+              <a:rPr lang="en-US"/>
               <a:t>Click to edit Master title style</a:t>
             </a:r>
             <a:endParaRPr lang="en-US" dirty="0"/>
@@ -3361,35 +3361,35 @@
           <a:p>
             <a:pPr lvl="0"/>
             <a:r>
-              <a:rPr lang="en-US" smtClean="0"/>
+              <a:rPr lang="en-US"/>
               <a:t>Edit Master text styles</a:t>
             </a:r>
           </a:p>
           <a:p>
             <a:pPr lvl="1"/>
             <a:r>
-              <a:rPr lang="en-US" smtClean="0"/>
+              <a:rPr lang="en-US"/>
               <a:t>Second level</a:t>
             </a:r>
           </a:p>
           <a:p>
             <a:pPr lvl="2"/>
             <a:r>
-              <a:rPr lang="en-US" smtClean="0"/>
+              <a:rPr lang="en-US"/>
               <a:t>Third level</a:t>
             </a:r>
           </a:p>
           <a:p>
             <a:pPr lvl="3"/>
             <a:r>
-              <a:rPr lang="en-US" smtClean="0"/>
+              <a:rPr lang="en-US"/>
               <a:t>Fourth level</a:t>
             </a:r>
           </a:p>
           <a:p>
             <a:pPr lvl="4"/>
             <a:r>
-              <a:rPr lang="en-US" smtClean="0"/>
+              <a:rPr lang="en-US"/>
               <a:t>Fifth level</a:t>
             </a:r>
             <a:endParaRPr lang="en-US" dirty="0"/>
@@ -3418,35 +3418,35 @@
           <a:p>
             <a:pPr lvl="0"/>
             <a:r>
-              <a:rPr lang="en-US" smtClean="0"/>
+              <a:rPr lang="en-US"/>
               <a:t>Edit Master text styles</a:t>
             </a:r>
           </a:p>
           <a:p>
             <a:pPr lvl="1"/>
             <a:r>
-              <a:rPr lang="en-US" smtClean="0"/>
+              <a:rPr lang="en-US"/>
               <a:t>Second level</a:t>
             </a:r>
           </a:p>
           <a:p>
             <a:pPr lvl="2"/>
             <a:r>
-              <a:rPr lang="en-US" smtClean="0"/>
+              <a:rPr lang="en-US"/>
               <a:t>Third level</a:t>
             </a:r>
           </a:p>
           <a:p>
             <a:pPr lvl="3"/>
             <a:r>
-              <a:rPr lang="en-US" smtClean="0"/>
+              <a:rPr lang="en-US"/>
               <a:t>Fourth level</a:t>
             </a:r>
           </a:p>
           <a:p>
             <a:pPr lvl="4"/>
             <a:r>
-              <a:rPr lang="en-US" smtClean="0"/>
+              <a:rPr lang="en-US"/>
               <a:t>Fifth level</a:t>
             </a:r>
             <a:endParaRPr lang="en-US" dirty="0"/>
@@ -3470,7 +3470,7 @@
           <a:p>
             <a:fld id="{42A54C80-263E-416B-A8E0-580EDEADCBDC}" type="datetimeFigureOut">
               <a:rPr lang="en-US" dirty="0"/>
-              <a:t>7/31/2018</a:t>
+              <a:t>8/1/2018</a:t>
             </a:fld>
             <a:endParaRPr lang="en-US" dirty="0"/>
           </a:p>
@@ -3566,7 +3566,7 @@
           </a:lstStyle>
           <a:p>
             <a:r>
-              <a:rPr lang="en-US" smtClean="0"/>
+              <a:rPr lang="en-US"/>
               <a:t>Click to edit Master title style</a:t>
             </a:r>
             <a:endParaRPr lang="en-US" dirty="0"/>
@@ -3634,7 +3634,7 @@
           <a:p>
             <a:pPr lvl="0"/>
             <a:r>
-              <a:rPr lang="en-US" smtClean="0"/>
+              <a:rPr lang="en-US"/>
               <a:t>Edit Master text styles</a:t>
             </a:r>
           </a:p>
@@ -3664,35 +3664,35 @@
           <a:p>
             <a:pPr lvl="0"/>
             <a:r>
-              <a:rPr lang="en-US" smtClean="0"/>
+              <a:rPr lang="en-US"/>
               <a:t>Edit Master text styles</a:t>
             </a:r>
           </a:p>
           <a:p>
             <a:pPr lvl="1"/>
             <a:r>
-              <a:rPr lang="en-US" smtClean="0"/>
+              <a:rPr lang="en-US"/>
               <a:t>Second level</a:t>
             </a:r>
           </a:p>
           <a:p>
             <a:pPr lvl="2"/>
             <a:r>
-              <a:rPr lang="en-US" smtClean="0"/>
+              <a:rPr lang="en-US"/>
               <a:t>Third level</a:t>
             </a:r>
           </a:p>
           <a:p>
             <a:pPr lvl="3"/>
             <a:r>
-              <a:rPr lang="en-US" smtClean="0"/>
+              <a:rPr lang="en-US"/>
               <a:t>Fourth level</a:t>
             </a:r>
           </a:p>
           <a:p>
             <a:pPr lvl="4"/>
             <a:r>
-              <a:rPr lang="en-US" smtClean="0"/>
+              <a:rPr lang="en-US"/>
               <a:t>Fifth level</a:t>
             </a:r>
             <a:endParaRPr lang="en-US" dirty="0"/>
@@ -3760,7 +3760,7 @@
           <a:p>
             <a:pPr lvl="0"/>
             <a:r>
-              <a:rPr lang="en-US" smtClean="0"/>
+              <a:rPr lang="en-US"/>
               <a:t>Edit Master text styles</a:t>
             </a:r>
           </a:p>
@@ -3790,35 +3790,35 @@
           <a:p>
             <a:pPr lvl="0"/>
             <a:r>
-              <a:rPr lang="en-US" smtClean="0"/>
+              <a:rPr lang="en-US"/>
               <a:t>Edit Master text styles</a:t>
             </a:r>
           </a:p>
           <a:p>
             <a:pPr lvl="1"/>
             <a:r>
-              <a:rPr lang="en-US" smtClean="0"/>
+              <a:rPr lang="en-US"/>
               <a:t>Second level</a:t>
             </a:r>
           </a:p>
           <a:p>
             <a:pPr lvl="2"/>
             <a:r>
-              <a:rPr lang="en-US" smtClean="0"/>
+              <a:rPr lang="en-US"/>
               <a:t>Third level</a:t>
             </a:r>
           </a:p>
           <a:p>
             <a:pPr lvl="3"/>
             <a:r>
-              <a:rPr lang="en-US" smtClean="0"/>
+              <a:rPr lang="en-US"/>
               <a:t>Fourth level</a:t>
             </a:r>
           </a:p>
           <a:p>
             <a:pPr lvl="4"/>
             <a:r>
-              <a:rPr lang="en-US" smtClean="0"/>
+              <a:rPr lang="en-US"/>
               <a:t>Fifth level</a:t>
             </a:r>
             <a:endParaRPr lang="en-US" dirty="0"/>
@@ -3843,7 +3843,7 @@
             <a:fld id="{B61BEF0D-F0BB-DE4B-95CE-6DB70DBA9567}" type="datetimeFigureOut">
               <a:rPr lang="en-US" dirty="0"/>
               <a:pPr/>
-              <a:t>7/31/2018</a:t>
+              <a:t>8/1/2018</a:t>
             </a:fld>
             <a:endParaRPr lang="en-US" dirty="0"/>
           </a:p>
@@ -3941,7 +3941,7 @@
           <a:lstStyle/>
           <a:p>
             <a:r>
-              <a:rPr lang="en-US" smtClean="0"/>
+              <a:rPr lang="en-US"/>
               <a:t>Click to edit Master title style</a:t>
             </a:r>
             <a:endParaRPr lang="en-US" dirty="0"/>
@@ -3966,7 +3966,7 @@
             <a:fld id="{B61BEF0D-F0BB-DE4B-95CE-6DB70DBA9567}" type="datetimeFigureOut">
               <a:rPr lang="en-US" dirty="0"/>
               <a:pPr/>
-              <a:t>7/31/2018</a:t>
+              <a:t>8/1/2018</a:t>
             </a:fld>
             <a:endParaRPr lang="en-US" dirty="0"/>
           </a:p>
@@ -4061,7 +4061,7 @@
             <a:fld id="{B61BEF0D-F0BB-DE4B-95CE-6DB70DBA9567}" type="datetimeFigureOut">
               <a:rPr lang="en-US" dirty="0"/>
               <a:pPr/>
-              <a:t>7/31/2018</a:t>
+              <a:t>8/1/2018</a:t>
             </a:fld>
             <a:endParaRPr lang="en-US" dirty="0"/>
           </a:p>
@@ -4165,7 +4165,7 @@
           </a:lstStyle>
           <a:p>
             <a:r>
-              <a:rPr lang="en-US" smtClean="0"/>
+              <a:rPr lang="en-US"/>
               <a:t>Click to edit Master title style</a:t>
             </a:r>
             <a:endParaRPr lang="en-US" dirty="0"/>
@@ -4196,35 +4196,35 @@
           <a:p>
             <a:pPr lvl="0"/>
             <a:r>
-              <a:rPr lang="en-US" smtClean="0"/>
+              <a:rPr lang="en-US"/>
               <a:t>Edit Master text styles</a:t>
             </a:r>
           </a:p>
           <a:p>
             <a:pPr lvl="1"/>
             <a:r>
-              <a:rPr lang="en-US" smtClean="0"/>
+              <a:rPr lang="en-US"/>
               <a:t>Second level</a:t>
             </a:r>
           </a:p>
           <a:p>
             <a:pPr lvl="2"/>
             <a:r>
-              <a:rPr lang="en-US" smtClean="0"/>
+              <a:rPr lang="en-US"/>
               <a:t>Third level</a:t>
             </a:r>
           </a:p>
           <a:p>
             <a:pPr lvl="3"/>
             <a:r>
-              <a:rPr lang="en-US" smtClean="0"/>
+              <a:rPr lang="en-US"/>
               <a:t>Fourth level</a:t>
             </a:r>
           </a:p>
           <a:p>
             <a:pPr lvl="4"/>
             <a:r>
-              <a:rPr lang="en-US" smtClean="0"/>
+              <a:rPr lang="en-US"/>
               <a:t>Fifth level</a:t>
             </a:r>
             <a:endParaRPr lang="en-US" dirty="0"/>
@@ -4292,7 +4292,7 @@
           <a:p>
             <a:pPr lvl="0"/>
             <a:r>
-              <a:rPr lang="en-US" smtClean="0"/>
+              <a:rPr lang="en-US"/>
               <a:t>Edit Master text styles</a:t>
             </a:r>
           </a:p>
@@ -4315,7 +4315,7 @@
           <a:p>
             <a:fld id="{42A54C80-263E-416B-A8E0-580EDEADCBDC}" type="datetimeFigureOut">
               <a:rPr lang="en-US" dirty="0"/>
-              <a:t>7/31/2018</a:t>
+              <a:t>8/1/2018</a:t>
             </a:fld>
             <a:endParaRPr lang="en-US" dirty="0"/>
           </a:p>
@@ -4418,7 +4418,7 @@
           </a:lstStyle>
           <a:p>
             <a:r>
-              <a:rPr lang="en-US" smtClean="0"/>
+              <a:rPr lang="en-US"/>
               <a:t>Click to edit Master title style</a:t>
             </a:r>
             <a:endParaRPr lang="en-US" dirty="0"/>
@@ -4485,7 +4485,7 @@
           </a:lstStyle>
           <a:p>
             <a:r>
-              <a:rPr lang="en-US" smtClean="0"/>
+              <a:rPr lang="en-US"/>
               <a:t>Click icon to add picture</a:t>
             </a:r>
             <a:endParaRPr lang="en-US" dirty="0"/>
@@ -4553,7 +4553,7 @@
           <a:p>
             <a:pPr lvl="0"/>
             <a:r>
-              <a:rPr lang="en-US" smtClean="0"/>
+              <a:rPr lang="en-US"/>
               <a:t>Edit Master text styles</a:t>
             </a:r>
           </a:p>
@@ -4620,7 +4620,7 @@
             <a:fld id="{B61BEF0D-F0BB-DE4B-95CE-6DB70DBA9567}" type="datetimeFigureOut">
               <a:rPr lang="en-US" dirty="0"/>
               <a:pPr/>
-              <a:t>7/31/2018</a:t>
+              <a:t>8/1/2018</a:t>
             </a:fld>
             <a:endParaRPr lang="en-US" dirty="0"/>
           </a:p>
@@ -5216,7 +5216,7 @@
           <a:lstStyle/>
           <a:p>
             <a:r>
-              <a:rPr lang="en-US" smtClean="0"/>
+              <a:rPr lang="en-US"/>
               <a:t>Click to edit Master title style</a:t>
             </a:r>
             <a:endParaRPr lang="en-US" dirty="0"/>
@@ -5250,35 +5250,35 @@
           <a:p>
             <a:pPr lvl="0"/>
             <a:r>
-              <a:rPr lang="en-US" smtClean="0"/>
+              <a:rPr lang="en-US"/>
               <a:t>Edit Master text styles</a:t>
             </a:r>
           </a:p>
           <a:p>
             <a:pPr lvl="1"/>
             <a:r>
-              <a:rPr lang="en-US" smtClean="0"/>
+              <a:rPr lang="en-US"/>
               <a:t>Second level</a:t>
             </a:r>
           </a:p>
           <a:p>
             <a:pPr lvl="2"/>
             <a:r>
-              <a:rPr lang="en-US" smtClean="0"/>
+              <a:rPr lang="en-US"/>
               <a:t>Third level</a:t>
             </a:r>
           </a:p>
           <a:p>
             <a:pPr lvl="3"/>
             <a:r>
-              <a:rPr lang="en-US" smtClean="0"/>
+              <a:rPr lang="en-US"/>
               <a:t>Fourth level</a:t>
             </a:r>
           </a:p>
           <a:p>
             <a:pPr lvl="4"/>
             <a:r>
-              <a:rPr lang="en-US" smtClean="0"/>
+              <a:rPr lang="en-US"/>
               <a:t>Fifth level</a:t>
             </a:r>
             <a:endParaRPr lang="en-US" dirty="0"/>
@@ -5321,7 +5321,7 @@
             <a:fld id="{B61BEF0D-F0BB-DE4B-95CE-6DB70DBA9567}" type="datetimeFigureOut">
               <a:rPr lang="en-US" dirty="0"/>
               <a:pPr/>
-              <a:t>7/31/2018</a:t>
+              <a:t>8/1/2018</a:t>
             </a:fld>
             <a:endParaRPr lang="en-US" dirty="0"/>
           </a:p>
@@ -5860,10 +5860,9 @@
           <a:lstStyle/>
           <a:p>
             <a:r>
-              <a:rPr lang="en-US" dirty="0" smtClean="0"/>
+              <a:rPr lang="en-US" dirty="0"/>
               <a:t>Version Control Systems</a:t>
             </a:r>
-            <a:endParaRPr lang="en-US" dirty="0"/>
           </a:p>
         </p:txBody>
       </p:sp>
@@ -5890,31 +5889,19 @@
           <a:lstStyle/>
           <a:p>
             <a:r>
-              <a:rPr lang="en-US" b="1" dirty="0" smtClean="0"/>
-              <a:t>What They </a:t>
-            </a:r>
-            <a:r>
               <a:rPr lang="en-US" b="1" dirty="0"/>
-              <a:t>A</a:t>
-            </a:r>
-            <a:r>
-              <a:rPr lang="en-US" b="1" dirty="0" smtClean="0"/>
-              <a:t>re and How to Use </a:t>
-            </a:r>
-            <a:r>
-              <a:rPr lang="en-US" b="1" dirty="0" smtClean="0"/>
-              <a:t>Them</a:t>
+              <a:t>What They Are and How to Use Them</a:t>
             </a:r>
           </a:p>
           <a:p>
             <a:endParaRPr lang="en-US" dirty="0"/>
           </a:p>
           <a:p>
-            <a:endParaRPr lang="en-US" dirty="0" smtClean="0"/>
-          </a:p>
-          <a:p>
-            <a:r>
-              <a:rPr lang="en-US" dirty="0" smtClean="0">
+            <a:endParaRPr lang="en-US" dirty="0"/>
+          </a:p>
+          <a:p>
+            <a:r>
+              <a:rPr lang="en-US" dirty="0">
                 <a:solidFill>
                   <a:schemeClr val="tx1"/>
                 </a:solidFill>
@@ -5924,7 +5911,7 @@
           </a:p>
           <a:p>
             <a:r>
-              <a:rPr lang="en-US" dirty="0" smtClean="0">
+              <a:rPr lang="en-US" dirty="0">
                 <a:solidFill>
                   <a:schemeClr val="tx1"/>
                 </a:solidFill>
@@ -5934,7 +5921,7 @@
           </a:p>
           <a:p>
             <a:r>
-              <a:rPr lang="en-US" dirty="0" err="1" smtClean="0">
+              <a:rPr lang="en-US" dirty="0" err="1">
                 <a:solidFill>
                   <a:schemeClr val="tx1"/>
                 </a:solidFill>
@@ -5942,18 +5929,13 @@
               <a:t>Maalot</a:t>
             </a:r>
             <a:r>
-              <a:rPr lang="en-US" dirty="0" smtClean="0">
+              <a:rPr lang="en-US" dirty="0">
                 <a:solidFill>
                   <a:schemeClr val="tx1"/>
                 </a:solidFill>
               </a:rPr>
               <a:t> Capstone Senior Thesis Presentation</a:t>
             </a:r>
-            <a:endParaRPr lang="en-US" dirty="0">
-              <a:solidFill>
-                <a:schemeClr val="tx1"/>
-              </a:solidFill>
-            </a:endParaRPr>
           </a:p>
         </p:txBody>
       </p:sp>
@@ -5970,13 +5952,6 @@
   <p:transition spd="slow">
     <p:wipe/>
   </p:transition>
-  <p:timing>
-    <p:tnLst>
-      <p:par>
-        <p:cTn id="1" dur="indefinite" restart="never" nodeType="tmRoot"/>
-      </p:par>
-    </p:tnLst>
-  </p:timing>
 </p:sld>
 </file>
 
@@ -6017,7 +5992,7 @@
               <a:t>Some Common Commands Using </a:t>
             </a:r>
             <a:r>
-              <a:rPr lang="en-US" dirty="0" err="1" smtClean="0"/>
+              <a:rPr lang="en-US" dirty="0" err="1"/>
               <a:t>Git</a:t>
             </a:r>
             <a:endParaRPr lang="en-US" dirty="0"/>
@@ -6206,14 +6181,13 @@
           </a:lstStyle>
           <a:p>
             <a:r>
-              <a:rPr lang="en-US" dirty="0" err="1" smtClean="0"/>
+              <a:rPr lang="en-US" dirty="0" err="1"/>
               <a:t>git</a:t>
             </a:r>
             <a:r>
-              <a:rPr lang="en-US" dirty="0" smtClean="0"/>
+              <a:rPr lang="en-US" dirty="0"/>
               <a:t> add</a:t>
             </a:r>
-            <a:endParaRPr lang="en-US" dirty="0"/>
           </a:p>
         </p:txBody>
       </p:sp>
@@ -6584,14 +6558,13 @@
           </a:lstStyle>
           <a:p>
             <a:r>
-              <a:rPr lang="en-US" dirty="0" err="1" smtClean="0"/>
+              <a:rPr lang="en-US" dirty="0" err="1"/>
               <a:t>git</a:t>
             </a:r>
             <a:r>
-              <a:rPr lang="en-US" dirty="0" smtClean="0"/>
+              <a:rPr lang="en-US" dirty="0"/>
               <a:t> commit</a:t>
             </a:r>
-            <a:endParaRPr lang="en-US" dirty="0"/>
           </a:p>
         </p:txBody>
       </p:sp>
@@ -7395,14 +7368,13 @@
           </a:lstStyle>
           <a:p>
             <a:r>
-              <a:rPr lang="en-US" dirty="0" err="1" smtClean="0"/>
+              <a:rPr lang="en-US" dirty="0" err="1"/>
               <a:t>git</a:t>
             </a:r>
             <a:r>
-              <a:rPr lang="en-US" dirty="0" smtClean="0"/>
+              <a:rPr lang="en-US" dirty="0"/>
               <a:t> commit</a:t>
             </a:r>
-            <a:endParaRPr lang="en-US" dirty="0"/>
           </a:p>
         </p:txBody>
       </p:sp>
@@ -7757,10 +7729,9 @@
           <a:lstStyle/>
           <a:p>
             <a:r>
-              <a:rPr lang="en-US" dirty="0" smtClean="0"/>
+              <a:rPr lang="en-US" dirty="0"/>
               <a:t>Version Control Systems Allow</a:t>
             </a:r>
-            <a:endParaRPr lang="en-US" dirty="0"/>
           </a:p>
         </p:txBody>
       </p:sp>
@@ -7780,28 +7751,28 @@
           <a:lstStyle/>
           <a:p>
             <a:r>
-              <a:rPr lang="en-US" dirty="0" smtClean="0"/>
+              <a:rPr lang="en-US" dirty="0"/>
               <a:t>Easy maintenance of code</a:t>
             </a:r>
           </a:p>
           <a:p>
             <a:pPr lvl="1"/>
             <a:r>
-              <a:rPr lang="en-US" dirty="0" smtClean="0"/>
+              <a:rPr lang="en-US" dirty="0"/>
               <a:t>Undoing</a:t>
             </a:r>
           </a:p>
           <a:p>
             <a:pPr lvl="1"/>
             <a:r>
-              <a:rPr lang="en-US" dirty="0" smtClean="0"/>
+              <a:rPr lang="en-US" dirty="0"/>
               <a:t>Branching</a:t>
             </a:r>
           </a:p>
           <a:p>
             <a:pPr lvl="1"/>
             <a:r>
-              <a:rPr lang="en-US" dirty="0" smtClean="0"/>
+              <a:rPr lang="en-US" dirty="0"/>
               <a:t>Merging</a:t>
             </a:r>
           </a:p>
@@ -7816,10 +7787,9 @@
           </a:p>
           <a:p>
             <a:r>
-              <a:rPr lang="en-US" dirty="0" smtClean="0"/>
+              <a:rPr lang="en-US" dirty="0"/>
               <a:t>Version Control Systems lead to organized, bug free code</a:t>
             </a:r>
-            <a:endParaRPr lang="en-US" dirty="0"/>
           </a:p>
         </p:txBody>
       </p:sp>
@@ -8193,43 +8163,30 @@
             <p:ph type="title"/>
           </p:nvPr>
         </p:nvSpPr>
-        <p:spPr/>
-        <p:txBody>
-          <a:bodyPr/>
+        <p:spPr>
+          <a:xfrm>
+            <a:off x="677334" y="1108372"/>
+            <a:ext cx="8596668" cy="4641274"/>
+          </a:xfrm>
+        </p:spPr>
+        <p:txBody>
+          <a:bodyPr>
+            <a:noAutofit/>
+          </a:bodyPr>
           <a:lstStyle/>
           <a:p>
             <a:pPr algn="ctr"/>
             <a:r>
-              <a:rPr lang="en-US" dirty="0" smtClean="0"/>
+              <a:rPr lang="en-US" sz="9600" dirty="0"/>
               <a:t>Thank you for listening!</a:t>
             </a:r>
             <a:br>
-              <a:rPr lang="en-US" dirty="0" smtClean="0"/>
+              <a:rPr lang="en-US" sz="9600" dirty="0"/>
             </a:br>
             <a:r>
-              <a:rPr lang="en-US" dirty="0" smtClean="0"/>
+              <a:rPr lang="en-US" sz="9600" dirty="0"/>
               <a:t>Any Questions?</a:t>
             </a:r>
-            <a:endParaRPr lang="en-US" dirty="0"/>
-          </a:p>
-        </p:txBody>
-      </p:sp>
-      <p:sp>
-        <p:nvSpPr>
-          <p:cNvPr id="3" name="Content Placeholder 2"/>
-          <p:cNvSpPr>
-            <a:spLocks noGrp="1"/>
-          </p:cNvSpPr>
-          <p:nvPr>
-            <p:ph idx="1"/>
-          </p:nvPr>
-        </p:nvSpPr>
-        <p:spPr/>
-        <p:txBody>
-          <a:bodyPr/>
-          <a:lstStyle/>
-          <a:p>
-            <a:endParaRPr lang="en-US"/>
           </a:p>
         </p:txBody>
       </p:sp>
@@ -8283,18 +8240,17 @@
           <a:p>
             <a:pPr algn="ctr"/>
             <a:r>
-              <a:rPr lang="en-US" dirty="0" smtClean="0"/>
+              <a:rPr lang="en-US" dirty="0"/>
               <a:t>The </a:t>
             </a:r>
             <a:r>
-              <a:rPr lang="en-US" dirty="0" err="1" smtClean="0"/>
+              <a:rPr lang="en-US" dirty="0" err="1"/>
               <a:t>Maalot</a:t>
             </a:r>
             <a:r>
-              <a:rPr lang="en-US" dirty="0" smtClean="0"/>
+              <a:rPr lang="en-US" dirty="0"/>
               <a:t> Coders</a:t>
             </a:r>
-            <a:endParaRPr lang="en-US" dirty="0"/>
           </a:p>
         </p:txBody>
       </p:sp>
@@ -8350,10 +8306,9 @@
           <a:lstStyle/>
           <a:p>
             <a:r>
-              <a:rPr lang="en-US" dirty="0" smtClean="0"/>
+              <a:rPr lang="en-US" dirty="0"/>
               <a:t>File A</a:t>
             </a:r>
-            <a:endParaRPr lang="en-US" dirty="0"/>
           </a:p>
         </p:txBody>
       </p:sp>
@@ -8380,7 +8335,7 @@
           <a:lstStyle/>
           <a:p>
             <a:r>
-              <a:rPr lang="en-US" dirty="0" smtClean="0"/>
+              <a:rPr lang="en-US" dirty="0"/>
               <a:t>String student = “Unknown”;</a:t>
             </a:r>
           </a:p>
@@ -8479,10 +8434,9 @@
           <a:lstStyle/>
           <a:p>
             <a:r>
-              <a:rPr lang="en-US" dirty="0" smtClean="0"/>
+              <a:rPr lang="en-US" dirty="0"/>
               <a:t>File A</a:t>
             </a:r>
-            <a:endParaRPr lang="en-US" dirty="0"/>
           </a:p>
         </p:txBody>
       </p:sp>
@@ -8509,10 +8463,9 @@
           <a:lstStyle/>
           <a:p>
             <a:r>
-              <a:rPr lang="en-US" dirty="0" smtClean="0"/>
+              <a:rPr lang="en-US" dirty="0"/>
               <a:t>John makes changes</a:t>
             </a:r>
-            <a:endParaRPr lang="en-US" dirty="0"/>
           </a:p>
         </p:txBody>
       </p:sp>
@@ -8539,7 +8492,7 @@
           <a:lstStyle/>
           <a:p>
             <a:r>
-              <a:rPr lang="en-US" dirty="0" smtClean="0"/>
+              <a:rPr lang="en-US" dirty="0"/>
               <a:t>String student = “Unknown”</a:t>
             </a:r>
           </a:p>
@@ -8550,21 +8503,8 @@
                   <a:srgbClr val="FF0000"/>
                 </a:solidFill>
               </a:rPr>
-              <a:t>s</a:t>
-            </a:r>
-            <a:r>
-              <a:rPr lang="en-US" dirty="0" smtClean="0">
-                <a:solidFill>
-                  <a:srgbClr val="FF0000"/>
-                </a:solidFill>
-              </a:rPr>
-              <a:t>tudent = “John”</a:t>
-            </a:r>
-            <a:endParaRPr lang="en-US" dirty="0">
-              <a:solidFill>
-                <a:srgbClr val="FF0000"/>
-              </a:solidFill>
-            </a:endParaRPr>
+              <a:t>student = “John”</a:t>
+            </a:r>
           </a:p>
         </p:txBody>
       </p:sp>
@@ -8985,18 +8925,17 @@
           <a:lstStyle/>
           <a:p>
             <a:r>
-              <a:rPr lang="en-US" dirty="0" smtClean="0"/>
+              <a:rPr lang="en-US" dirty="0"/>
               <a:t>The </a:t>
             </a:r>
             <a:r>
-              <a:rPr lang="en-US" dirty="0" err="1" smtClean="0"/>
+              <a:rPr lang="en-US" dirty="0" err="1"/>
               <a:t>Maalot</a:t>
             </a:r>
             <a:r>
-              <a:rPr lang="en-US" dirty="0" smtClean="0"/>
+              <a:rPr lang="en-US" dirty="0"/>
               <a:t> Coders (continued)</a:t>
             </a:r>
-            <a:endParaRPr lang="en-US" dirty="0"/>
           </a:p>
         </p:txBody>
       </p:sp>
@@ -9016,7 +8955,7 @@
           <a:lstStyle/>
           <a:p>
             <a:r>
-              <a:rPr lang="en-US" dirty="0" smtClean="0"/>
+              <a:rPr lang="en-US" dirty="0"/>
               <a:t>Code conflicts</a:t>
             </a:r>
           </a:p>
@@ -9024,16 +8963,16 @@
             <a:endParaRPr lang="en-US" dirty="0"/>
           </a:p>
           <a:p>
-            <a:endParaRPr lang="en-US" dirty="0" smtClean="0"/>
-          </a:p>
-          <a:p>
             <a:endParaRPr lang="en-US" dirty="0"/>
           </a:p>
           <a:p>
-            <a:endParaRPr lang="en-US" dirty="0" smtClean="0"/>
-          </a:p>
-          <a:p>
-            <a:endParaRPr lang="en-US" dirty="0" smtClean="0"/>
+            <a:endParaRPr lang="en-US" dirty="0"/>
+          </a:p>
+          <a:p>
+            <a:endParaRPr lang="en-US" dirty="0"/>
+          </a:p>
+          <a:p>
+            <a:endParaRPr lang="en-US" dirty="0"/>
           </a:p>
           <a:p>
             <a:endParaRPr lang="en-US" dirty="0"/>
@@ -9093,10 +9032,9 @@
           <a:lstStyle/>
           <a:p>
             <a:r>
-              <a:rPr lang="en-US" dirty="0" smtClean="0"/>
+              <a:rPr lang="en-US" dirty="0"/>
               <a:t>File A</a:t>
             </a:r>
-            <a:endParaRPr lang="en-US" dirty="0"/>
           </a:p>
         </p:txBody>
       </p:sp>
@@ -9193,10 +9131,9 @@
           <a:lstStyle/>
           <a:p>
             <a:r>
-              <a:rPr lang="en-US" dirty="0" smtClean="0"/>
+              <a:rPr lang="en-US" dirty="0"/>
               <a:t>File A</a:t>
             </a:r>
-            <a:endParaRPr lang="en-US" dirty="0"/>
           </a:p>
         </p:txBody>
       </p:sp>
@@ -9224,10 +9161,9 @@
           <a:p>
             <a:pPr algn="ctr"/>
             <a:r>
-              <a:rPr lang="en-US" dirty="0" smtClean="0"/>
+              <a:rPr lang="en-US" dirty="0"/>
               <a:t>Charlie wants to make a change</a:t>
             </a:r>
-            <a:endParaRPr lang="en-US" dirty="0"/>
           </a:p>
         </p:txBody>
       </p:sp>
@@ -9254,7 +9190,7 @@
           <a:lstStyle/>
           <a:p>
             <a:r>
-              <a:rPr lang="en-US" dirty="0" smtClean="0"/>
+              <a:rPr lang="en-US" dirty="0"/>
               <a:t>String student = “Unknown”;</a:t>
             </a:r>
           </a:p>
@@ -9283,7 +9219,7 @@
           <a:lstStyle/>
           <a:p>
             <a:r>
-              <a:rPr lang="en-US" strike="sngStrike" dirty="0" smtClean="0">
+              <a:rPr lang="en-US" strike="sngStrike" dirty="0">
                 <a:solidFill>
                   <a:srgbClr val="FF0000"/>
                 </a:solidFill>
@@ -9316,7 +9252,7 @@
           <a:lstStyle/>
           <a:p>
             <a:r>
-              <a:rPr lang="en-US" strike="sngStrike" dirty="0" smtClean="0"/>
+              <a:rPr lang="en-US" strike="sngStrike" dirty="0"/>
               <a:t>String student = “Unknown”;</a:t>
             </a:r>
           </a:p>
@@ -9327,21 +9263,8 @@
                   <a:srgbClr val="FF0000"/>
                 </a:solidFill>
               </a:rPr>
-              <a:t>s</a:t>
-            </a:r>
-            <a:r>
-              <a:rPr lang="en-US" dirty="0" smtClean="0">
-                <a:solidFill>
-                  <a:srgbClr val="FF0000"/>
-                </a:solidFill>
-              </a:rPr>
-              <a:t>tudent = “John”;</a:t>
-            </a:r>
-            <a:endParaRPr lang="en-US" dirty="0">
-              <a:solidFill>
-                <a:srgbClr val="FF0000"/>
-              </a:solidFill>
-            </a:endParaRPr>
+              <a:t>student = “John”;</a:t>
+            </a:r>
           </a:p>
         </p:txBody>
       </p:sp>
@@ -9369,10 +9292,9 @@
           <a:p>
             <a:pPr algn="ctr"/>
             <a:r>
-              <a:rPr lang="en-US" u="sng" dirty="0" smtClean="0"/>
+              <a:rPr lang="en-US" u="sng" dirty="0"/>
               <a:t>John’s Changes</a:t>
             </a:r>
-            <a:endParaRPr lang="en-US" u="sng" dirty="0"/>
           </a:p>
         </p:txBody>
       </p:sp>
@@ -9923,10 +9845,9 @@
           <a:lstStyle/>
           <a:p>
             <a:r>
-              <a:rPr lang="en-US" dirty="0" smtClean="0"/>
+              <a:rPr lang="en-US" dirty="0"/>
               <a:t>Causes a bug</a:t>
             </a:r>
-            <a:endParaRPr lang="en-US" dirty="0"/>
           </a:p>
           <a:p>
             <a:endParaRPr lang="en-US" dirty="0"/>
@@ -9986,10 +9907,9 @@
           <a:lstStyle/>
           <a:p>
             <a:r>
-              <a:rPr lang="en-US" dirty="0" smtClean="0"/>
+              <a:rPr lang="en-US" dirty="0"/>
               <a:t>File A</a:t>
             </a:r>
-            <a:endParaRPr lang="en-US" dirty="0"/>
           </a:p>
         </p:txBody>
       </p:sp>
@@ -10016,21 +9936,17 @@
           <a:lstStyle/>
           <a:p>
             <a:r>
-              <a:rPr lang="en-US" dirty="0" smtClean="0"/>
+              <a:rPr lang="en-US" dirty="0"/>
               <a:t>String student = “Unknown”;</a:t>
             </a:r>
           </a:p>
           <a:p>
             <a:r>
               <a:rPr lang="en-US" dirty="0"/>
-              <a:t>s</a:t>
-            </a:r>
-            <a:r>
-              <a:rPr lang="en-US" dirty="0" smtClean="0"/>
-              <a:t>tudent = </a:t>
-            </a:r>
-            <a:r>
-              <a:rPr lang="en-US" dirty="0" smtClean="0">
+              <a:t>student = </a:t>
+            </a:r>
+            <a:r>
+              <a:rPr lang="en-US" dirty="0">
                 <a:solidFill>
                   <a:srgbClr val="FF0000"/>
                 </a:solidFill>
@@ -10038,18 +9954,18 @@
               <a:t>“John”</a:t>
             </a:r>
             <a:r>
-              <a:rPr lang="en-US" dirty="0" smtClean="0"/>
+              <a:rPr lang="en-US" dirty="0"/>
               <a:t> </a:t>
             </a:r>
             <a:r>
-              <a:rPr lang="en-US" i="1" dirty="0" smtClean="0">
+              <a:rPr lang="en-US" i="1" dirty="0">
                 <a:solidFill>
                   <a:srgbClr val="FF0000"/>
                 </a:solidFill>
               </a:rPr>
               <a:t>xyz</a:t>
             </a:r>
-            <a:endParaRPr lang="en-US" i="1" strike="sngStrike" dirty="0" smtClean="0">
+            <a:endParaRPr lang="en-US" i="1" strike="sngStrike" dirty="0">
               <a:solidFill>
                 <a:srgbClr val="FF0000"/>
               </a:solidFill>
@@ -10337,10 +10253,9 @@
           <a:lstStyle/>
           <a:p>
             <a:r>
-              <a:rPr lang="en-US" dirty="0" smtClean="0"/>
+              <a:rPr lang="en-US" dirty="0"/>
               <a:t>Not Needed Anymore</a:t>
             </a:r>
-            <a:endParaRPr lang="en-US" dirty="0"/>
           </a:p>
         </p:txBody>
       </p:sp>
@@ -10475,10 +10390,9 @@
           <a:lstStyle/>
           <a:p>
             <a:r>
-              <a:rPr lang="en-US" dirty="0" smtClean="0"/>
+              <a:rPr lang="en-US" dirty="0"/>
               <a:t>Version Control Systems Solve These Problems and More</a:t>
             </a:r>
-            <a:endParaRPr lang="en-US" dirty="0"/>
           </a:p>
         </p:txBody>
       </p:sp>
@@ -10498,46 +10412,46 @@
           <a:lstStyle/>
           <a:p>
             <a:r>
-              <a:rPr lang="en-US" dirty="0" smtClean="0"/>
+              <a:rPr lang="en-US" dirty="0"/>
               <a:t>Keep track of all changes</a:t>
             </a:r>
           </a:p>
           <a:p>
             <a:pPr lvl="1"/>
             <a:r>
-              <a:rPr lang="en-US" dirty="0" smtClean="0"/>
+              <a:rPr lang="en-US" dirty="0"/>
               <a:t>Who made them</a:t>
             </a:r>
           </a:p>
           <a:p>
             <a:pPr lvl="1"/>
             <a:r>
-              <a:rPr lang="en-US" dirty="0" smtClean="0"/>
+              <a:rPr lang="en-US" dirty="0"/>
               <a:t>When</a:t>
             </a:r>
           </a:p>
           <a:p>
             <a:pPr lvl="1"/>
             <a:r>
-              <a:rPr lang="en-US" dirty="0" smtClean="0"/>
+              <a:rPr lang="en-US" dirty="0"/>
               <a:t>What each change does</a:t>
             </a:r>
           </a:p>
           <a:p>
             <a:r>
-              <a:rPr lang="en-US" dirty="0" smtClean="0"/>
+              <a:rPr lang="en-US" dirty="0"/>
               <a:t>Reveal conflicts in the code</a:t>
             </a:r>
           </a:p>
           <a:p>
             <a:r>
-              <a:rPr lang="en-US" dirty="0" smtClean="0"/>
+              <a:rPr lang="en-US" dirty="0"/>
               <a:t>Allow the developers to go back in history</a:t>
             </a:r>
           </a:p>
           <a:p>
             <a:r>
-              <a:rPr lang="en-US" dirty="0" smtClean="0"/>
+              <a:rPr lang="en-US" dirty="0"/>
               <a:t>Supports merging of developer’s code to the main branch (trunk/master)</a:t>
             </a:r>
           </a:p>
@@ -10917,10 +10831,9 @@
           <a:lstStyle/>
           <a:p>
             <a:r>
-              <a:rPr lang="en-US" dirty="0" smtClean="0"/>
+              <a:rPr lang="en-US" dirty="0"/>
               <a:t>Common Terminology</a:t>
             </a:r>
-            <a:endParaRPr lang="en-US" dirty="0"/>
           </a:p>
         </p:txBody>
       </p:sp>
@@ -10942,96 +10855,87 @@
           <a:lstStyle/>
           <a:p>
             <a:r>
-              <a:rPr lang="en-US" dirty="0" smtClean="0"/>
+              <a:rPr lang="en-US" dirty="0"/>
               <a:t>Repository</a:t>
             </a:r>
           </a:p>
           <a:p>
             <a:pPr lvl="1"/>
             <a:r>
-              <a:rPr lang="en-US" dirty="0" smtClean="0"/>
+              <a:rPr lang="en-US" dirty="0"/>
               <a:t>A group of files that is under version control</a:t>
             </a:r>
           </a:p>
           <a:p>
             <a:r>
-              <a:rPr lang="en-US" dirty="0" smtClean="0"/>
+              <a:rPr lang="en-US" dirty="0"/>
               <a:t>Trunk</a:t>
             </a:r>
           </a:p>
           <a:p>
             <a:pPr lvl="1"/>
             <a:r>
-              <a:rPr lang="en-US" dirty="0" smtClean="0"/>
+              <a:rPr lang="en-US" dirty="0"/>
               <a:t>The main version of the code (called master in </a:t>
             </a:r>
             <a:r>
-              <a:rPr lang="en-US" dirty="0" err="1" smtClean="0"/>
+              <a:rPr lang="en-US" dirty="0" err="1"/>
               <a:t>git</a:t>
             </a:r>
             <a:r>
-              <a:rPr lang="en-US" dirty="0" smtClean="0"/>
+              <a:rPr lang="en-US" dirty="0"/>
               <a:t>)</a:t>
             </a:r>
           </a:p>
           <a:p>
             <a:r>
-              <a:rPr lang="en-US" dirty="0" smtClean="0"/>
+              <a:rPr lang="en-US" dirty="0"/>
               <a:t>Branch</a:t>
             </a:r>
           </a:p>
           <a:p>
             <a:pPr lvl="1"/>
             <a:r>
-              <a:rPr lang="en-US" dirty="0" smtClean="0"/>
+              <a:rPr lang="en-US" dirty="0"/>
               <a:t>Divide from the trunk to attempt something new. Does not affect the trunk/master</a:t>
             </a:r>
           </a:p>
           <a:p>
             <a:r>
-              <a:rPr lang="en-US" dirty="0" smtClean="0"/>
-              <a:t>Working </a:t>
-            </a:r>
-            <a:r>
               <a:rPr lang="en-US" dirty="0"/>
-              <a:t>Directory</a:t>
+              <a:t>Working Directory</a:t>
             </a:r>
           </a:p>
           <a:p>
             <a:pPr lvl="1"/>
             <a:r>
               <a:rPr lang="en-US" dirty="0"/>
-              <a:t>Code that is being changed </a:t>
-            </a:r>
-            <a:r>
-              <a:rPr lang="en-US" dirty="0" smtClean="0"/>
-              <a:t>currently. Changes based on the branch.</a:t>
-            </a:r>
-            <a:endParaRPr lang="en-US" dirty="0"/>
-          </a:p>
-          <a:p>
-            <a:r>
-              <a:rPr lang="en-US" dirty="0" smtClean="0"/>
+              <a:t>Code that is being changed currently. Changes based on the branch.</a:t>
+            </a:r>
+          </a:p>
+          <a:p>
+            <a:r>
+              <a:rPr lang="en-US" dirty="0"/>
               <a:t>Commit</a:t>
             </a:r>
           </a:p>
           <a:p>
             <a:pPr lvl="1"/>
             <a:r>
-              <a:rPr lang="en-US" dirty="0" smtClean="0"/>
+              <a:rPr lang="en-US" dirty="0"/>
               <a:t>Save changes to a branch</a:t>
             </a:r>
           </a:p>
           <a:p>
             <a:r>
-              <a:rPr lang="en-US" dirty="0" smtClean="0"/>
+              <a:rPr lang="en-US" dirty="0"/>
               <a:t>Merge</a:t>
             </a:r>
           </a:p>
           <a:p>
             <a:pPr lvl="1"/>
             <a:r>
-              <a:rPr lang="en-US" dirty="0" smtClean="0"/>
+              <a:rPr lang="en-US" dirty="0"/>
               <a:t>Combine branches</a:t>
             </a:r>
           </a:p>
@@ -12069,14 +11973,13 @@
           </a:lstStyle>
           <a:p>
             <a:r>
-              <a:rPr lang="en-US" dirty="0" err="1" smtClean="0"/>
+              <a:rPr lang="en-US" dirty="0" err="1"/>
               <a:t>git</a:t>
             </a:r>
             <a:r>
-              <a:rPr lang="en-US" dirty="0" smtClean="0"/>
+              <a:rPr lang="en-US" dirty="0"/>
               <a:t> diff</a:t>
             </a:r>
-            <a:endParaRPr lang="en-US" dirty="0"/>
           </a:p>
         </p:txBody>
       </p:sp>

--- a/Version Control Presentation.pptx
+++ b/Version Control Presentation.pptx
@@ -6,19 +6,24 @@
   </p:sldMasterIdLst>
   <p:sldIdLst>
     <p:sldId id="256" r:id="rId2"/>
-    <p:sldId id="259" r:id="rId3"/>
-    <p:sldId id="260" r:id="rId4"/>
-    <p:sldId id="261" r:id="rId5"/>
-    <p:sldId id="262" r:id="rId6"/>
-    <p:sldId id="257" r:id="rId7"/>
-    <p:sldId id="258" r:id="rId8"/>
-    <p:sldId id="266" r:id="rId9"/>
-    <p:sldId id="271" r:id="rId10"/>
-    <p:sldId id="268" r:id="rId11"/>
-    <p:sldId id="269" r:id="rId12"/>
-    <p:sldId id="270" r:id="rId13"/>
-    <p:sldId id="265" r:id="rId14"/>
-    <p:sldId id="272" r:id="rId15"/>
+    <p:sldId id="273" r:id="rId3"/>
+    <p:sldId id="259" r:id="rId4"/>
+    <p:sldId id="260" r:id="rId5"/>
+    <p:sldId id="261" r:id="rId6"/>
+    <p:sldId id="262" r:id="rId7"/>
+    <p:sldId id="257" r:id="rId8"/>
+    <p:sldId id="258" r:id="rId9"/>
+    <p:sldId id="275" r:id="rId10"/>
+    <p:sldId id="266" r:id="rId11"/>
+    <p:sldId id="271" r:id="rId12"/>
+    <p:sldId id="268" r:id="rId13"/>
+    <p:sldId id="269" r:id="rId14"/>
+    <p:sldId id="270" r:id="rId15"/>
+    <p:sldId id="274" r:id="rId16"/>
+    <p:sldId id="276" r:id="rId17"/>
+    <p:sldId id="277" r:id="rId18"/>
+    <p:sldId id="265" r:id="rId19"/>
+    <p:sldId id="272" r:id="rId20"/>
   </p:sldIdLst>
   <p:sldSz cx="12192000" cy="6858000"/>
   <p:notesSz cx="6858000" cy="9144000"/>
@@ -871,7 +876,7 @@
             <a:fld id="{B61BEF0D-F0BB-DE4B-95CE-6DB70DBA9567}" type="datetimeFigureOut">
               <a:rPr lang="en-US" dirty="0"/>
               <a:pPr/>
-              <a:t>8/1/2018</a:t>
+              <a:t>8/5/2018</a:t>
             </a:fld>
             <a:endParaRPr lang="en-US" dirty="0"/>
           </a:p>
@@ -1122,7 +1127,7 @@
             <a:fld id="{B61BEF0D-F0BB-DE4B-95CE-6DB70DBA9567}" type="datetimeFigureOut">
               <a:rPr lang="en-US" dirty="0"/>
               <a:pPr/>
-              <a:t>8/1/2018</a:t>
+              <a:t>8/5/2018</a:t>
             </a:fld>
             <a:endParaRPr lang="en-US" dirty="0"/>
           </a:p>
@@ -1436,7 +1441,7 @@
             <a:fld id="{B61BEF0D-F0BB-DE4B-95CE-6DB70DBA9567}" type="datetimeFigureOut">
               <a:rPr lang="en-US" dirty="0"/>
               <a:pPr/>
-              <a:t>8/1/2018</a:t>
+              <a:t>8/5/2018</a:t>
             </a:fld>
             <a:endParaRPr lang="en-US" dirty="0"/>
           </a:p>
@@ -1769,7 +1774,7 @@
             <a:fld id="{B61BEF0D-F0BB-DE4B-95CE-6DB70DBA9567}" type="datetimeFigureOut">
               <a:rPr lang="en-US" dirty="0"/>
               <a:pPr/>
-              <a:t>8/1/2018</a:t>
+              <a:t>8/5/2018</a:t>
             </a:fld>
             <a:endParaRPr lang="en-US" dirty="0"/>
           </a:p>
@@ -2083,7 +2088,7 @@
             <a:fld id="{B61BEF0D-F0BB-DE4B-95CE-6DB70DBA9567}" type="datetimeFigureOut">
               <a:rPr lang="en-US" dirty="0"/>
               <a:pPr/>
-              <a:t>8/1/2018</a:t>
+              <a:t>8/5/2018</a:t>
             </a:fld>
             <a:endParaRPr lang="en-US" dirty="0"/>
           </a:p>
@@ -2476,7 +2481,7 @@
             <a:fld id="{B61BEF0D-F0BB-DE4B-95CE-6DB70DBA9567}" type="datetimeFigureOut">
               <a:rPr lang="en-US" dirty="0"/>
               <a:pPr/>
-              <a:t>8/1/2018</a:t>
+              <a:t>8/5/2018</a:t>
             </a:fld>
             <a:endParaRPr lang="en-US" dirty="0"/>
           </a:p>
@@ -2645,7 +2650,7 @@
           <a:p>
             <a:fld id="{55C6B4A9-1611-4792-9094-5F34BCA07E0B}" type="datetimeFigureOut">
               <a:rPr lang="en-US" dirty="0"/>
-              <a:t>8/1/2018</a:t>
+              <a:t>8/5/2018</a:t>
             </a:fld>
             <a:endParaRPr lang="en-US" dirty="0"/>
           </a:p>
@@ -2824,7 +2829,7 @@
             <a:fld id="{B61BEF0D-F0BB-DE4B-95CE-6DB70DBA9567}" type="datetimeFigureOut">
               <a:rPr lang="en-US" dirty="0"/>
               <a:pPr/>
-              <a:t>8/1/2018</a:t>
+              <a:t>8/5/2018</a:t>
             </a:fld>
             <a:endParaRPr lang="en-US" dirty="0"/>
           </a:p>
@@ -2993,7 +2998,7 @@
           <a:p>
             <a:fld id="{42A54C80-263E-416B-A8E0-580EDEADCBDC}" type="datetimeFigureOut">
               <a:rPr lang="en-US" dirty="0"/>
-              <a:t>8/1/2018</a:t>
+              <a:t>8/5/2018</a:t>
             </a:fld>
             <a:endParaRPr lang="en-US" dirty="0"/>
           </a:p>
@@ -3239,7 +3244,7 @@
             <a:fld id="{B61BEF0D-F0BB-DE4B-95CE-6DB70DBA9567}" type="datetimeFigureOut">
               <a:rPr lang="en-US" dirty="0"/>
               <a:pPr/>
-              <a:t>8/1/2018</a:t>
+              <a:t>8/5/2018</a:t>
             </a:fld>
             <a:endParaRPr lang="en-US" dirty="0"/>
           </a:p>
@@ -3470,7 +3475,7 @@
           <a:p>
             <a:fld id="{42A54C80-263E-416B-A8E0-580EDEADCBDC}" type="datetimeFigureOut">
               <a:rPr lang="en-US" dirty="0"/>
-              <a:t>8/1/2018</a:t>
+              <a:t>8/5/2018</a:t>
             </a:fld>
             <a:endParaRPr lang="en-US" dirty="0"/>
           </a:p>
@@ -3843,7 +3848,7 @@
             <a:fld id="{B61BEF0D-F0BB-DE4B-95CE-6DB70DBA9567}" type="datetimeFigureOut">
               <a:rPr lang="en-US" dirty="0"/>
               <a:pPr/>
-              <a:t>8/1/2018</a:t>
+              <a:t>8/5/2018</a:t>
             </a:fld>
             <a:endParaRPr lang="en-US" dirty="0"/>
           </a:p>
@@ -3966,7 +3971,7 @@
             <a:fld id="{B61BEF0D-F0BB-DE4B-95CE-6DB70DBA9567}" type="datetimeFigureOut">
               <a:rPr lang="en-US" dirty="0"/>
               <a:pPr/>
-              <a:t>8/1/2018</a:t>
+              <a:t>8/5/2018</a:t>
             </a:fld>
             <a:endParaRPr lang="en-US" dirty="0"/>
           </a:p>
@@ -4061,7 +4066,7 @@
             <a:fld id="{B61BEF0D-F0BB-DE4B-95CE-6DB70DBA9567}" type="datetimeFigureOut">
               <a:rPr lang="en-US" dirty="0"/>
               <a:pPr/>
-              <a:t>8/1/2018</a:t>
+              <a:t>8/5/2018</a:t>
             </a:fld>
             <a:endParaRPr lang="en-US" dirty="0"/>
           </a:p>
@@ -4315,7 +4320,7 @@
           <a:p>
             <a:fld id="{42A54C80-263E-416B-A8E0-580EDEADCBDC}" type="datetimeFigureOut">
               <a:rPr lang="en-US" dirty="0"/>
-              <a:t>8/1/2018</a:t>
+              <a:t>8/5/2018</a:t>
             </a:fld>
             <a:endParaRPr lang="en-US" dirty="0"/>
           </a:p>
@@ -4620,7 +4625,7 @@
             <a:fld id="{B61BEF0D-F0BB-DE4B-95CE-6DB70DBA9567}" type="datetimeFigureOut">
               <a:rPr lang="en-US" dirty="0"/>
               <a:pPr/>
-              <a:t>8/1/2018</a:t>
+              <a:t>8/5/2018</a:t>
             </a:fld>
             <a:endParaRPr lang="en-US" dirty="0"/>
           </a:p>
@@ -5321,7 +5326,7 @@
             <a:fld id="{B61BEF0D-F0BB-DE4B-95CE-6DB70DBA9567}" type="datetimeFigureOut">
               <a:rPr lang="en-US" dirty="0"/>
               <a:pPr/>
-              <a:t>8/1/2018</a:t>
+              <a:t>8/5/2018</a:t>
             </a:fld>
             <a:endParaRPr lang="en-US" dirty="0"/>
           </a:p>
@@ -5952,10 +5957,1209 @@
   <p:transition spd="slow">
     <p:wipe/>
   </p:transition>
+  <p:timing>
+    <p:tnLst>
+      <p:par>
+        <p:cTn id="1" dur="indefinite" restart="never" nodeType="tmRoot"/>
+      </p:par>
+    </p:tnLst>
+  </p:timing>
 </p:sld>
 </file>
 
 <file path=ppt/slides/slide10.xml><?xml version="1.0" encoding="utf-8"?>
+<p:sld xmlns:a="http://schemas.openxmlformats.org/drawingml/2006/main" xmlns:r="http://schemas.openxmlformats.org/officeDocument/2006/relationships" xmlns:p="http://schemas.openxmlformats.org/presentationml/2006/main">
+  <p:cSld>
+    <p:spTree>
+      <p:nvGrpSpPr>
+        <p:cNvPr id="1" name=""/>
+        <p:cNvGrpSpPr/>
+        <p:nvPr/>
+      </p:nvGrpSpPr>
+      <p:grpSpPr>
+        <a:xfrm>
+          <a:off x="0" y="0"/>
+          <a:ext cx="0" cy="0"/>
+          <a:chOff x="0" y="0"/>
+          <a:chExt cx="0" cy="0"/>
+        </a:xfrm>
+      </p:grpSpPr>
+      <p:pic>
+        <p:nvPicPr>
+          <p:cNvPr id="7" name="Picture 6"/>
+          <p:cNvPicPr>
+            <a:picLocks noChangeAspect="1"/>
+          </p:cNvPicPr>
+          <p:nvPr/>
+        </p:nvPicPr>
+        <p:blipFill rotWithShape="1">
+          <a:blip r:embed="rId2"/>
+          <a:srcRect r="40068" b="74129"/>
+          <a:stretch/>
+        </p:blipFill>
+        <p:spPr>
+          <a:xfrm>
+            <a:off x="410294" y="2461261"/>
+            <a:ext cx="10505970" cy="1472938"/>
+          </a:xfrm>
+          <a:prstGeom prst="rect">
+            <a:avLst/>
+          </a:prstGeom>
+        </p:spPr>
+      </p:pic>
+      <p:sp>
+        <p:nvSpPr>
+          <p:cNvPr id="2" name="Title 1"/>
+          <p:cNvSpPr>
+            <a:spLocks noGrp="1"/>
+          </p:cNvSpPr>
+          <p:nvPr>
+            <p:ph type="title"/>
+          </p:nvPr>
+        </p:nvSpPr>
+        <p:spPr/>
+        <p:txBody>
+          <a:bodyPr/>
+          <a:lstStyle/>
+          <a:p>
+            <a:r>
+              <a:rPr lang="en-US" dirty="0"/>
+              <a:t>Some Common Commands Using </a:t>
+            </a:r>
+            <a:r>
+              <a:rPr lang="en-US" dirty="0" err="1"/>
+              <a:t>Git</a:t>
+            </a:r>
+            <a:endParaRPr lang="en-US" dirty="0"/>
+          </a:p>
+        </p:txBody>
+      </p:sp>
+      <p:sp>
+        <p:nvSpPr>
+          <p:cNvPr id="5" name="Rectangle 4"/>
+          <p:cNvSpPr/>
+          <p:nvPr/>
+        </p:nvSpPr>
+        <p:spPr>
+          <a:xfrm>
+            <a:off x="410294" y="3475615"/>
+            <a:ext cx="8004836" cy="379529"/>
+          </a:xfrm>
+          <a:prstGeom prst="rect">
+            <a:avLst/>
+          </a:prstGeom>
+          <a:noFill/>
+          <a:ln>
+            <a:solidFill>
+              <a:srgbClr val="FFC000"/>
+            </a:solidFill>
+          </a:ln>
+        </p:spPr>
+        <p:style>
+          <a:lnRef idx="2">
+            <a:schemeClr val="accent6"/>
+          </a:lnRef>
+          <a:fillRef idx="1">
+            <a:schemeClr val="lt1"/>
+          </a:fillRef>
+          <a:effectRef idx="0">
+            <a:schemeClr val="accent6"/>
+          </a:effectRef>
+          <a:fontRef idx="minor">
+            <a:schemeClr val="dk1"/>
+          </a:fontRef>
+        </p:style>
+        <p:txBody>
+          <a:bodyPr rtlCol="0" anchor="ctr"/>
+          <a:lstStyle/>
+          <a:p>
+            <a:pPr algn="ctr"/>
+            <a:endParaRPr lang="en-US"/>
+          </a:p>
+        </p:txBody>
+      </p:sp>
+      <p:sp>
+        <p:nvSpPr>
+          <p:cNvPr id="6" name="Rectangle 5"/>
+          <p:cNvSpPr/>
+          <p:nvPr/>
+        </p:nvSpPr>
+        <p:spPr>
+          <a:xfrm>
+            <a:off x="8574966" y="3475615"/>
+            <a:ext cx="1589450" cy="392781"/>
+          </a:xfrm>
+          <a:prstGeom prst="rect">
+            <a:avLst/>
+          </a:prstGeom>
+          <a:noFill/>
+          <a:ln>
+            <a:solidFill>
+              <a:srgbClr val="FFC000"/>
+            </a:solidFill>
+          </a:ln>
+        </p:spPr>
+        <p:style>
+          <a:lnRef idx="2">
+            <a:schemeClr val="accent6"/>
+          </a:lnRef>
+          <a:fillRef idx="1">
+            <a:schemeClr val="lt1"/>
+          </a:fillRef>
+          <a:effectRef idx="0">
+            <a:schemeClr val="accent6"/>
+          </a:effectRef>
+          <a:fontRef idx="minor">
+            <a:schemeClr val="dk1"/>
+          </a:fontRef>
+        </p:style>
+        <p:txBody>
+          <a:bodyPr rtlCol="0" anchor="ctr"/>
+          <a:lstStyle/>
+          <a:p>
+            <a:pPr algn="ctr"/>
+            <a:endParaRPr lang="en-US"/>
+          </a:p>
+        </p:txBody>
+      </p:sp>
+    </p:spTree>
+    <p:extLst>
+      <p:ext uri="{BB962C8B-B14F-4D97-AF65-F5344CB8AC3E}">
+        <p14:creationId xmlns:p14="http://schemas.microsoft.com/office/powerpoint/2010/main" val="1067232751"/>
+      </p:ext>
+    </p:extLst>
+  </p:cSld>
+  <p:clrMapOvr>
+    <a:masterClrMapping/>
+  </p:clrMapOvr>
+  <p:transition spd="slow">
+    <p:wipe/>
+  </p:transition>
+  <p:timing>
+    <p:tnLst>
+      <p:par>
+        <p:cTn id="1" dur="indefinite" restart="never" nodeType="tmRoot">
+          <p:childTnLst>
+            <p:seq concurrent="1" nextAc="seek">
+              <p:cTn id="2" dur="indefinite" nodeType="mainSeq">
+                <p:childTnLst>
+                  <p:par>
+                    <p:cTn id="3" fill="hold">
+                      <p:stCondLst>
+                        <p:cond delay="indefinite"/>
+                      </p:stCondLst>
+                      <p:childTnLst>
+                        <p:par>
+                          <p:cTn id="4" fill="hold">
+                            <p:stCondLst>
+                              <p:cond delay="0"/>
+                            </p:stCondLst>
+                            <p:childTnLst>
+                              <p:par>
+                                <p:cTn id="5" presetID="1" presetClass="entr" presetSubtype="0" fill="hold" nodeType="clickEffect">
+                                  <p:stCondLst>
+                                    <p:cond delay="0"/>
+                                  </p:stCondLst>
+                                  <p:childTnLst>
+                                    <p:set>
+                                      <p:cBhvr>
+                                        <p:cTn id="6" dur="1" fill="hold">
+                                          <p:stCondLst>
+                                            <p:cond delay="0"/>
+                                          </p:stCondLst>
+                                        </p:cTn>
+                                        <p:tgtEl>
+                                          <p:spTgt spid="7"/>
+                                        </p:tgtEl>
+                                        <p:attrNameLst>
+                                          <p:attrName>style.visibility</p:attrName>
+                                        </p:attrNameLst>
+                                      </p:cBhvr>
+                                      <p:to>
+                                        <p:strVal val="visible"/>
+                                      </p:to>
+                                    </p:set>
+                                  </p:childTnLst>
+                                </p:cTn>
+                              </p:par>
+                            </p:childTnLst>
+                          </p:cTn>
+                        </p:par>
+                      </p:childTnLst>
+                    </p:cTn>
+                  </p:par>
+                  <p:par>
+                    <p:cTn id="7" fill="hold">
+                      <p:stCondLst>
+                        <p:cond delay="indefinite"/>
+                      </p:stCondLst>
+                      <p:childTnLst>
+                        <p:par>
+                          <p:cTn id="8" fill="hold">
+                            <p:stCondLst>
+                              <p:cond delay="0"/>
+                            </p:stCondLst>
+                            <p:childTnLst>
+                              <p:par>
+                                <p:cTn id="9" presetID="1" presetClass="entr" presetSubtype="0" fill="hold" grpId="0" nodeType="clickEffect">
+                                  <p:stCondLst>
+                                    <p:cond delay="0"/>
+                                  </p:stCondLst>
+                                  <p:childTnLst>
+                                    <p:set>
+                                      <p:cBhvr>
+                                        <p:cTn id="10" dur="1" fill="hold">
+                                          <p:stCondLst>
+                                            <p:cond delay="0"/>
+                                          </p:stCondLst>
+                                        </p:cTn>
+                                        <p:tgtEl>
+                                          <p:spTgt spid="5"/>
+                                        </p:tgtEl>
+                                        <p:attrNameLst>
+                                          <p:attrName>style.visibility</p:attrName>
+                                        </p:attrNameLst>
+                                      </p:cBhvr>
+                                      <p:to>
+                                        <p:strVal val="visible"/>
+                                      </p:to>
+                                    </p:set>
+                                  </p:childTnLst>
+                                </p:cTn>
+                              </p:par>
+                            </p:childTnLst>
+                          </p:cTn>
+                        </p:par>
+                      </p:childTnLst>
+                    </p:cTn>
+                  </p:par>
+                  <p:par>
+                    <p:cTn id="11" fill="hold">
+                      <p:stCondLst>
+                        <p:cond delay="indefinite"/>
+                      </p:stCondLst>
+                      <p:childTnLst>
+                        <p:par>
+                          <p:cTn id="12" fill="hold">
+                            <p:stCondLst>
+                              <p:cond delay="0"/>
+                            </p:stCondLst>
+                            <p:childTnLst>
+                              <p:par>
+                                <p:cTn id="13" presetID="1" presetClass="entr" presetSubtype="0" fill="hold" grpId="0" nodeType="clickEffect">
+                                  <p:stCondLst>
+                                    <p:cond delay="0"/>
+                                  </p:stCondLst>
+                                  <p:childTnLst>
+                                    <p:set>
+                                      <p:cBhvr>
+                                        <p:cTn id="14" dur="1" fill="hold">
+                                          <p:stCondLst>
+                                            <p:cond delay="0"/>
+                                          </p:stCondLst>
+                                        </p:cTn>
+                                        <p:tgtEl>
+                                          <p:spTgt spid="6"/>
+                                        </p:tgtEl>
+                                        <p:attrNameLst>
+                                          <p:attrName>style.visibility</p:attrName>
+                                        </p:attrNameLst>
+                                      </p:cBhvr>
+                                      <p:to>
+                                        <p:strVal val="visible"/>
+                                      </p:to>
+                                    </p:set>
+                                  </p:childTnLst>
+                                </p:cTn>
+                              </p:par>
+                            </p:childTnLst>
+                          </p:cTn>
+                        </p:par>
+                      </p:childTnLst>
+                    </p:cTn>
+                  </p:par>
+                </p:childTnLst>
+              </p:cTn>
+              <p:prevCondLst>
+                <p:cond evt="onPrev" delay="0">
+                  <p:tgtEl>
+                    <p:sldTgt/>
+                  </p:tgtEl>
+                </p:cond>
+              </p:prevCondLst>
+              <p:nextCondLst>
+                <p:cond evt="onNext" delay="0">
+                  <p:tgtEl>
+                    <p:sldTgt/>
+                  </p:tgtEl>
+                </p:cond>
+              </p:nextCondLst>
+            </p:seq>
+          </p:childTnLst>
+        </p:cTn>
+      </p:par>
+    </p:tnLst>
+    <p:bldLst>
+      <p:bldP spid="5" grpId="0" animBg="1"/>
+      <p:bldP spid="6" grpId="0" animBg="1"/>
+    </p:bldLst>
+  </p:timing>
+</p:sld>
+</file>
+
+<file path=ppt/slides/slide11.xml><?xml version="1.0" encoding="utf-8"?>
+<p:sld xmlns:a="http://schemas.openxmlformats.org/drawingml/2006/main" xmlns:r="http://schemas.openxmlformats.org/officeDocument/2006/relationships" xmlns:p="http://schemas.openxmlformats.org/presentationml/2006/main">
+  <p:cSld>
+    <p:spTree>
+      <p:nvGrpSpPr>
+        <p:cNvPr id="1" name=""/>
+        <p:cNvGrpSpPr/>
+        <p:nvPr/>
+      </p:nvGrpSpPr>
+      <p:grpSpPr>
+        <a:xfrm>
+          <a:off x="0" y="0"/>
+          <a:ext cx="0" cy="0"/>
+          <a:chOff x="0" y="0"/>
+          <a:chExt cx="0" cy="0"/>
+        </a:xfrm>
+      </p:grpSpPr>
+      <p:pic>
+        <p:nvPicPr>
+          <p:cNvPr id="9" name="Picture 8"/>
+          <p:cNvPicPr>
+            <a:picLocks noChangeAspect="1"/>
+          </p:cNvPicPr>
+          <p:nvPr/>
+        </p:nvPicPr>
+        <p:blipFill>
+          <a:blip r:embed="rId2"/>
+          <a:stretch>
+            <a:fillRect/>
+          </a:stretch>
+        </p:blipFill>
+        <p:spPr>
+          <a:xfrm>
+            <a:off x="536437" y="2286003"/>
+            <a:ext cx="11119126" cy="3611220"/>
+          </a:xfrm>
+          <a:prstGeom prst="rect">
+            <a:avLst/>
+          </a:prstGeom>
+        </p:spPr>
+      </p:pic>
+      <p:sp>
+        <p:nvSpPr>
+          <p:cNvPr id="2" name="Title 1"/>
+          <p:cNvSpPr>
+            <a:spLocks noGrp="1"/>
+          </p:cNvSpPr>
+          <p:nvPr>
+            <p:ph type="title"/>
+          </p:nvPr>
+        </p:nvSpPr>
+        <p:spPr/>
+        <p:txBody>
+          <a:bodyPr/>
+          <a:lstStyle/>
+          <a:p>
+            <a:r>
+              <a:rPr lang="en-US" dirty="0"/>
+              <a:t>Some Common Commands Using </a:t>
+            </a:r>
+            <a:r>
+              <a:rPr lang="en-US" dirty="0" err="1"/>
+              <a:t>Git</a:t>
+            </a:r>
+            <a:endParaRPr lang="en-US" dirty="0"/>
+          </a:p>
+        </p:txBody>
+      </p:sp>
+      <p:sp>
+        <p:nvSpPr>
+          <p:cNvPr id="5" name="Title 1"/>
+          <p:cNvSpPr txBox="1">
+            <a:spLocks/>
+          </p:cNvSpPr>
+          <p:nvPr/>
+        </p:nvSpPr>
+        <p:spPr>
+          <a:xfrm>
+            <a:off x="677334" y="1440216"/>
+            <a:ext cx="8596668" cy="1320800"/>
+          </a:xfrm>
+          <a:prstGeom prst="rect">
+            <a:avLst/>
+          </a:prstGeom>
+        </p:spPr>
+        <p:txBody>
+          <a:bodyPr vert="horz" lIns="91440" tIns="45720" rIns="91440" bIns="45720" rtlCol="0" anchor="t">
+            <a:normAutofit/>
+          </a:bodyPr>
+          <a:lstStyle>
+            <a:lvl1pPr algn="l" defTabSz="457200" rtl="0" eaLnBrk="1" latinLnBrk="0" hangingPunct="1">
+              <a:spcBef>
+                <a:spcPct val="0"/>
+              </a:spcBef>
+              <a:buNone/>
+              <a:defRPr sz="3600" kern="1200">
+                <a:solidFill>
+                  <a:schemeClr val="accent1"/>
+                </a:solidFill>
+                <a:latin typeface="+mj-lt"/>
+                <a:ea typeface="+mj-ea"/>
+                <a:cs typeface="+mj-cs"/>
+              </a:defRPr>
+            </a:lvl1pPr>
+            <a:lvl2pPr eaLnBrk="1" hangingPunct="1">
+              <a:defRPr>
+                <a:solidFill>
+                  <a:schemeClr val="tx2"/>
+                </a:solidFill>
+              </a:defRPr>
+            </a:lvl2pPr>
+            <a:lvl3pPr eaLnBrk="1" hangingPunct="1">
+              <a:defRPr>
+                <a:solidFill>
+                  <a:schemeClr val="tx2"/>
+                </a:solidFill>
+              </a:defRPr>
+            </a:lvl3pPr>
+            <a:lvl4pPr eaLnBrk="1" hangingPunct="1">
+              <a:defRPr>
+                <a:solidFill>
+                  <a:schemeClr val="tx2"/>
+                </a:solidFill>
+              </a:defRPr>
+            </a:lvl4pPr>
+            <a:lvl5pPr eaLnBrk="1" hangingPunct="1">
+              <a:defRPr>
+                <a:solidFill>
+                  <a:schemeClr val="tx2"/>
+                </a:solidFill>
+              </a:defRPr>
+            </a:lvl5pPr>
+            <a:lvl6pPr eaLnBrk="1" hangingPunct="1">
+              <a:defRPr>
+                <a:solidFill>
+                  <a:schemeClr val="tx2"/>
+                </a:solidFill>
+              </a:defRPr>
+            </a:lvl6pPr>
+            <a:lvl7pPr eaLnBrk="1" hangingPunct="1">
+              <a:defRPr>
+                <a:solidFill>
+                  <a:schemeClr val="tx2"/>
+                </a:solidFill>
+              </a:defRPr>
+            </a:lvl7pPr>
+            <a:lvl8pPr eaLnBrk="1" hangingPunct="1">
+              <a:defRPr>
+                <a:solidFill>
+                  <a:schemeClr val="tx2"/>
+                </a:solidFill>
+              </a:defRPr>
+            </a:lvl8pPr>
+            <a:lvl9pPr eaLnBrk="1" hangingPunct="1">
+              <a:defRPr>
+                <a:solidFill>
+                  <a:schemeClr val="tx2"/>
+                </a:solidFill>
+              </a:defRPr>
+            </a:lvl9pPr>
+          </a:lstStyle>
+          <a:p>
+            <a:r>
+              <a:rPr lang="en-US" dirty="0" err="1"/>
+              <a:t>git</a:t>
+            </a:r>
+            <a:r>
+              <a:rPr lang="en-US" dirty="0"/>
+              <a:t> diff</a:t>
+            </a:r>
+          </a:p>
+        </p:txBody>
+      </p:sp>
+      <p:sp>
+        <p:nvSpPr>
+          <p:cNvPr id="6" name="Rectangle 5"/>
+          <p:cNvSpPr/>
+          <p:nvPr/>
+        </p:nvSpPr>
+        <p:spPr>
+          <a:xfrm>
+            <a:off x="5693462" y="2955235"/>
+            <a:ext cx="1012138" cy="231428"/>
+          </a:xfrm>
+          <a:prstGeom prst="rect">
+            <a:avLst/>
+          </a:prstGeom>
+          <a:noFill/>
+          <a:ln>
+            <a:solidFill>
+              <a:srgbClr val="FFC000"/>
+            </a:solidFill>
+          </a:ln>
+        </p:spPr>
+        <p:style>
+          <a:lnRef idx="2">
+            <a:schemeClr val="accent6"/>
+          </a:lnRef>
+          <a:fillRef idx="1">
+            <a:schemeClr val="lt1"/>
+          </a:fillRef>
+          <a:effectRef idx="0">
+            <a:schemeClr val="accent6"/>
+          </a:effectRef>
+          <a:fontRef idx="minor">
+            <a:schemeClr val="dk1"/>
+          </a:fontRef>
+        </p:style>
+        <p:txBody>
+          <a:bodyPr rtlCol="0" anchor="ctr"/>
+          <a:lstStyle/>
+          <a:p>
+            <a:pPr algn="ctr"/>
+            <a:endParaRPr lang="en-US"/>
+          </a:p>
+        </p:txBody>
+      </p:sp>
+      <p:sp>
+        <p:nvSpPr>
+          <p:cNvPr id="7" name="Rectangle 6"/>
+          <p:cNvSpPr/>
+          <p:nvPr/>
+        </p:nvSpPr>
+        <p:spPr>
+          <a:xfrm>
+            <a:off x="1815547" y="3186662"/>
+            <a:ext cx="1934817" cy="182285"/>
+          </a:xfrm>
+          <a:prstGeom prst="rect">
+            <a:avLst/>
+          </a:prstGeom>
+          <a:noFill/>
+          <a:ln>
+            <a:solidFill>
+              <a:srgbClr val="FFC000"/>
+            </a:solidFill>
+          </a:ln>
+        </p:spPr>
+        <p:style>
+          <a:lnRef idx="2">
+            <a:schemeClr val="accent6"/>
+          </a:lnRef>
+          <a:fillRef idx="1">
+            <a:schemeClr val="lt1"/>
+          </a:fillRef>
+          <a:effectRef idx="0">
+            <a:schemeClr val="accent6"/>
+          </a:effectRef>
+          <a:fontRef idx="minor">
+            <a:schemeClr val="dk1"/>
+          </a:fontRef>
+        </p:style>
+        <p:txBody>
+          <a:bodyPr rtlCol="0" anchor="ctr"/>
+          <a:lstStyle/>
+          <a:p>
+            <a:pPr algn="ctr"/>
+            <a:endParaRPr lang="en-US"/>
+          </a:p>
+        </p:txBody>
+      </p:sp>
+      <p:sp>
+        <p:nvSpPr>
+          <p:cNvPr id="8" name="Rectangle 7"/>
+          <p:cNvSpPr/>
+          <p:nvPr/>
+        </p:nvSpPr>
+        <p:spPr>
+          <a:xfrm>
+            <a:off x="589446" y="4061091"/>
+            <a:ext cx="2087493" cy="271697"/>
+          </a:xfrm>
+          <a:prstGeom prst="rect">
+            <a:avLst/>
+          </a:prstGeom>
+          <a:noFill/>
+          <a:ln>
+            <a:solidFill>
+              <a:srgbClr val="FFC000"/>
+            </a:solidFill>
+          </a:ln>
+        </p:spPr>
+        <p:style>
+          <a:lnRef idx="2">
+            <a:schemeClr val="accent6"/>
+          </a:lnRef>
+          <a:fillRef idx="1">
+            <a:schemeClr val="lt1"/>
+          </a:fillRef>
+          <a:effectRef idx="0">
+            <a:schemeClr val="accent6"/>
+          </a:effectRef>
+          <a:fontRef idx="minor">
+            <a:schemeClr val="dk1"/>
+          </a:fontRef>
+        </p:style>
+        <p:txBody>
+          <a:bodyPr rtlCol="0" anchor="ctr"/>
+          <a:lstStyle/>
+          <a:p>
+            <a:pPr algn="ctr"/>
+            <a:endParaRPr lang="en-US"/>
+          </a:p>
+        </p:txBody>
+      </p:sp>
+      <p:sp>
+        <p:nvSpPr>
+          <p:cNvPr id="10" name="Rectangle 9"/>
+          <p:cNvSpPr/>
+          <p:nvPr/>
+        </p:nvSpPr>
+        <p:spPr>
+          <a:xfrm>
+            <a:off x="589446" y="4373100"/>
+            <a:ext cx="4035563" cy="1073543"/>
+          </a:xfrm>
+          <a:prstGeom prst="rect">
+            <a:avLst/>
+          </a:prstGeom>
+          <a:noFill/>
+          <a:ln>
+            <a:solidFill>
+              <a:srgbClr val="FFC000"/>
+            </a:solidFill>
+          </a:ln>
+        </p:spPr>
+        <p:style>
+          <a:lnRef idx="2">
+            <a:schemeClr val="accent6"/>
+          </a:lnRef>
+          <a:fillRef idx="1">
+            <a:schemeClr val="lt1"/>
+          </a:fillRef>
+          <a:effectRef idx="0">
+            <a:schemeClr val="accent6"/>
+          </a:effectRef>
+          <a:fontRef idx="minor">
+            <a:schemeClr val="dk1"/>
+          </a:fontRef>
+        </p:style>
+        <p:txBody>
+          <a:bodyPr rtlCol="0" anchor="ctr"/>
+          <a:lstStyle/>
+          <a:p>
+            <a:pPr algn="ctr"/>
+            <a:endParaRPr lang="en-US"/>
+          </a:p>
+        </p:txBody>
+      </p:sp>
+      <p:sp>
+        <p:nvSpPr>
+          <p:cNvPr id="11" name="Rectangle 10"/>
+          <p:cNvSpPr/>
+          <p:nvPr/>
+        </p:nvSpPr>
+        <p:spPr>
+          <a:xfrm>
+            <a:off x="576194" y="5008626"/>
+            <a:ext cx="2962137" cy="196453"/>
+          </a:xfrm>
+          <a:prstGeom prst="rect">
+            <a:avLst/>
+          </a:prstGeom>
+          <a:noFill/>
+          <a:ln>
+            <a:solidFill>
+              <a:srgbClr val="FFC000"/>
+            </a:solidFill>
+          </a:ln>
+        </p:spPr>
+        <p:style>
+          <a:lnRef idx="2">
+            <a:schemeClr val="accent6"/>
+          </a:lnRef>
+          <a:fillRef idx="1">
+            <a:schemeClr val="lt1"/>
+          </a:fillRef>
+          <a:effectRef idx="0">
+            <a:schemeClr val="accent6"/>
+          </a:effectRef>
+          <a:fontRef idx="minor">
+            <a:schemeClr val="dk1"/>
+          </a:fontRef>
+        </p:style>
+        <p:txBody>
+          <a:bodyPr rtlCol="0" anchor="ctr"/>
+          <a:lstStyle/>
+          <a:p>
+            <a:pPr algn="ctr"/>
+            <a:endParaRPr lang="en-US"/>
+          </a:p>
+        </p:txBody>
+      </p:sp>
+      <p:sp>
+        <p:nvSpPr>
+          <p:cNvPr id="12" name="Rectangle 11"/>
+          <p:cNvSpPr/>
+          <p:nvPr/>
+        </p:nvSpPr>
+        <p:spPr>
+          <a:xfrm>
+            <a:off x="3758645" y="3176246"/>
+            <a:ext cx="1934817" cy="182285"/>
+          </a:xfrm>
+          <a:prstGeom prst="rect">
+            <a:avLst/>
+          </a:prstGeom>
+          <a:noFill/>
+          <a:ln>
+            <a:solidFill>
+              <a:srgbClr val="FFC000"/>
+            </a:solidFill>
+          </a:ln>
+        </p:spPr>
+        <p:style>
+          <a:lnRef idx="2">
+            <a:schemeClr val="accent6"/>
+          </a:lnRef>
+          <a:fillRef idx="1">
+            <a:schemeClr val="lt1"/>
+          </a:fillRef>
+          <a:effectRef idx="0">
+            <a:schemeClr val="accent6"/>
+          </a:effectRef>
+          <a:fontRef idx="minor">
+            <a:schemeClr val="dk1"/>
+          </a:fontRef>
+        </p:style>
+        <p:txBody>
+          <a:bodyPr rtlCol="0" anchor="ctr"/>
+          <a:lstStyle/>
+          <a:p>
+            <a:pPr algn="ctr"/>
+            <a:endParaRPr lang="en-US"/>
+          </a:p>
+        </p:txBody>
+      </p:sp>
+    </p:spTree>
+    <p:extLst>
+      <p:ext uri="{BB962C8B-B14F-4D97-AF65-F5344CB8AC3E}">
+        <p14:creationId xmlns:p14="http://schemas.microsoft.com/office/powerpoint/2010/main" val="1368951064"/>
+      </p:ext>
+    </p:extLst>
+  </p:cSld>
+  <p:clrMapOvr>
+    <a:masterClrMapping/>
+  </p:clrMapOvr>
+  <p:transition spd="slow">
+    <p:wipe/>
+  </p:transition>
+  <p:timing>
+    <p:tnLst>
+      <p:par>
+        <p:cTn id="1" dur="indefinite" restart="never" nodeType="tmRoot">
+          <p:childTnLst>
+            <p:seq concurrent="1" nextAc="seek">
+              <p:cTn id="2" dur="indefinite" nodeType="mainSeq">
+                <p:childTnLst>
+                  <p:par>
+                    <p:cTn id="3" fill="hold">
+                      <p:stCondLst>
+                        <p:cond delay="indefinite"/>
+                      </p:stCondLst>
+                      <p:childTnLst>
+                        <p:par>
+                          <p:cTn id="4" fill="hold">
+                            <p:stCondLst>
+                              <p:cond delay="0"/>
+                            </p:stCondLst>
+                            <p:childTnLst>
+                              <p:par>
+                                <p:cTn id="5" presetID="1" presetClass="entr" presetSubtype="0" fill="hold" grpId="0" nodeType="clickEffect">
+                                  <p:stCondLst>
+                                    <p:cond delay="0"/>
+                                  </p:stCondLst>
+                                  <p:childTnLst>
+                                    <p:set>
+                                      <p:cBhvr>
+                                        <p:cTn id="6" dur="1" fill="hold">
+                                          <p:stCondLst>
+                                            <p:cond delay="0"/>
+                                          </p:stCondLst>
+                                        </p:cTn>
+                                        <p:tgtEl>
+                                          <p:spTgt spid="5"/>
+                                        </p:tgtEl>
+                                        <p:attrNameLst>
+                                          <p:attrName>style.visibility</p:attrName>
+                                        </p:attrNameLst>
+                                      </p:cBhvr>
+                                      <p:to>
+                                        <p:strVal val="visible"/>
+                                      </p:to>
+                                    </p:set>
+                                  </p:childTnLst>
+                                </p:cTn>
+                              </p:par>
+                            </p:childTnLst>
+                          </p:cTn>
+                        </p:par>
+                      </p:childTnLst>
+                    </p:cTn>
+                  </p:par>
+                  <p:par>
+                    <p:cTn id="7" fill="hold">
+                      <p:stCondLst>
+                        <p:cond delay="indefinite"/>
+                      </p:stCondLst>
+                      <p:childTnLst>
+                        <p:par>
+                          <p:cTn id="8" fill="hold">
+                            <p:stCondLst>
+                              <p:cond delay="0"/>
+                            </p:stCondLst>
+                            <p:childTnLst>
+                              <p:par>
+                                <p:cTn id="9" presetID="1" presetClass="entr" presetSubtype="0" fill="hold" nodeType="clickEffect">
+                                  <p:stCondLst>
+                                    <p:cond delay="0"/>
+                                  </p:stCondLst>
+                                  <p:childTnLst>
+                                    <p:set>
+                                      <p:cBhvr>
+                                        <p:cTn id="10" dur="1" fill="hold">
+                                          <p:stCondLst>
+                                            <p:cond delay="0"/>
+                                          </p:stCondLst>
+                                        </p:cTn>
+                                        <p:tgtEl>
+                                          <p:spTgt spid="9"/>
+                                        </p:tgtEl>
+                                        <p:attrNameLst>
+                                          <p:attrName>style.visibility</p:attrName>
+                                        </p:attrNameLst>
+                                      </p:cBhvr>
+                                      <p:to>
+                                        <p:strVal val="visible"/>
+                                      </p:to>
+                                    </p:set>
+                                  </p:childTnLst>
+                                </p:cTn>
+                              </p:par>
+                            </p:childTnLst>
+                          </p:cTn>
+                        </p:par>
+                      </p:childTnLst>
+                    </p:cTn>
+                  </p:par>
+                  <p:par>
+                    <p:cTn id="11" fill="hold">
+                      <p:stCondLst>
+                        <p:cond delay="indefinite"/>
+                      </p:stCondLst>
+                      <p:childTnLst>
+                        <p:par>
+                          <p:cTn id="12" fill="hold">
+                            <p:stCondLst>
+                              <p:cond delay="0"/>
+                            </p:stCondLst>
+                            <p:childTnLst>
+                              <p:par>
+                                <p:cTn id="13" presetID="1" presetClass="entr" presetSubtype="0" fill="hold" grpId="0" nodeType="clickEffect">
+                                  <p:stCondLst>
+                                    <p:cond delay="0"/>
+                                  </p:stCondLst>
+                                  <p:childTnLst>
+                                    <p:set>
+                                      <p:cBhvr>
+                                        <p:cTn id="14" dur="1" fill="hold">
+                                          <p:stCondLst>
+                                            <p:cond delay="0"/>
+                                          </p:stCondLst>
+                                        </p:cTn>
+                                        <p:tgtEl>
+                                          <p:spTgt spid="6"/>
+                                        </p:tgtEl>
+                                        <p:attrNameLst>
+                                          <p:attrName>style.visibility</p:attrName>
+                                        </p:attrNameLst>
+                                      </p:cBhvr>
+                                      <p:to>
+                                        <p:strVal val="visible"/>
+                                      </p:to>
+                                    </p:set>
+                                  </p:childTnLst>
+                                </p:cTn>
+                              </p:par>
+                            </p:childTnLst>
+                          </p:cTn>
+                        </p:par>
+                      </p:childTnLst>
+                    </p:cTn>
+                  </p:par>
+                  <p:par>
+                    <p:cTn id="15" fill="hold">
+                      <p:stCondLst>
+                        <p:cond delay="indefinite"/>
+                      </p:stCondLst>
+                      <p:childTnLst>
+                        <p:par>
+                          <p:cTn id="16" fill="hold">
+                            <p:stCondLst>
+                              <p:cond delay="0"/>
+                            </p:stCondLst>
+                            <p:childTnLst>
+                              <p:par>
+                                <p:cTn id="17" presetID="1" presetClass="entr" presetSubtype="0" fill="hold" grpId="0" nodeType="clickEffect">
+                                  <p:stCondLst>
+                                    <p:cond delay="0"/>
+                                  </p:stCondLst>
+                                  <p:childTnLst>
+                                    <p:set>
+                                      <p:cBhvr>
+                                        <p:cTn id="18" dur="1" fill="hold">
+                                          <p:stCondLst>
+                                            <p:cond delay="0"/>
+                                          </p:stCondLst>
+                                        </p:cTn>
+                                        <p:tgtEl>
+                                          <p:spTgt spid="7"/>
+                                        </p:tgtEl>
+                                        <p:attrNameLst>
+                                          <p:attrName>style.visibility</p:attrName>
+                                        </p:attrNameLst>
+                                      </p:cBhvr>
+                                      <p:to>
+                                        <p:strVal val="visible"/>
+                                      </p:to>
+                                    </p:set>
+                                  </p:childTnLst>
+                                </p:cTn>
+                              </p:par>
+                            </p:childTnLst>
+                          </p:cTn>
+                        </p:par>
+                      </p:childTnLst>
+                    </p:cTn>
+                  </p:par>
+                  <p:par>
+                    <p:cTn id="19" fill="hold">
+                      <p:stCondLst>
+                        <p:cond delay="indefinite"/>
+                      </p:stCondLst>
+                      <p:childTnLst>
+                        <p:par>
+                          <p:cTn id="20" fill="hold">
+                            <p:stCondLst>
+                              <p:cond delay="0"/>
+                            </p:stCondLst>
+                            <p:childTnLst>
+                              <p:par>
+                                <p:cTn id="21" presetID="1" presetClass="entr" presetSubtype="0" fill="hold" grpId="0" nodeType="clickEffect">
+                                  <p:stCondLst>
+                                    <p:cond delay="0"/>
+                                  </p:stCondLst>
+                                  <p:childTnLst>
+                                    <p:set>
+                                      <p:cBhvr>
+                                        <p:cTn id="22" dur="1" fill="hold">
+                                          <p:stCondLst>
+                                            <p:cond delay="0"/>
+                                          </p:stCondLst>
+                                        </p:cTn>
+                                        <p:tgtEl>
+                                          <p:spTgt spid="12"/>
+                                        </p:tgtEl>
+                                        <p:attrNameLst>
+                                          <p:attrName>style.visibility</p:attrName>
+                                        </p:attrNameLst>
+                                      </p:cBhvr>
+                                      <p:to>
+                                        <p:strVal val="visible"/>
+                                      </p:to>
+                                    </p:set>
+                                  </p:childTnLst>
+                                </p:cTn>
+                              </p:par>
+                            </p:childTnLst>
+                          </p:cTn>
+                        </p:par>
+                      </p:childTnLst>
+                    </p:cTn>
+                  </p:par>
+                  <p:par>
+                    <p:cTn id="23" fill="hold">
+                      <p:stCondLst>
+                        <p:cond delay="indefinite"/>
+                      </p:stCondLst>
+                      <p:childTnLst>
+                        <p:par>
+                          <p:cTn id="24" fill="hold">
+                            <p:stCondLst>
+                              <p:cond delay="0"/>
+                            </p:stCondLst>
+                            <p:childTnLst>
+                              <p:par>
+                                <p:cTn id="25" presetID="1" presetClass="entr" presetSubtype="0" fill="hold" grpId="0" nodeType="clickEffect">
+                                  <p:stCondLst>
+                                    <p:cond delay="0"/>
+                                  </p:stCondLst>
+                                  <p:childTnLst>
+                                    <p:set>
+                                      <p:cBhvr>
+                                        <p:cTn id="26" dur="1" fill="hold">
+                                          <p:stCondLst>
+                                            <p:cond delay="0"/>
+                                          </p:stCondLst>
+                                        </p:cTn>
+                                        <p:tgtEl>
+                                          <p:spTgt spid="8"/>
+                                        </p:tgtEl>
+                                        <p:attrNameLst>
+                                          <p:attrName>style.visibility</p:attrName>
+                                        </p:attrNameLst>
+                                      </p:cBhvr>
+                                      <p:to>
+                                        <p:strVal val="visible"/>
+                                      </p:to>
+                                    </p:set>
+                                  </p:childTnLst>
+                                </p:cTn>
+                              </p:par>
+                            </p:childTnLst>
+                          </p:cTn>
+                        </p:par>
+                      </p:childTnLst>
+                    </p:cTn>
+                  </p:par>
+                  <p:par>
+                    <p:cTn id="27" fill="hold">
+                      <p:stCondLst>
+                        <p:cond delay="indefinite"/>
+                      </p:stCondLst>
+                      <p:childTnLst>
+                        <p:par>
+                          <p:cTn id="28" fill="hold">
+                            <p:stCondLst>
+                              <p:cond delay="0"/>
+                            </p:stCondLst>
+                            <p:childTnLst>
+                              <p:par>
+                                <p:cTn id="29" presetID="1" presetClass="entr" presetSubtype="0" fill="hold" grpId="0" nodeType="clickEffect">
+                                  <p:stCondLst>
+                                    <p:cond delay="0"/>
+                                  </p:stCondLst>
+                                  <p:childTnLst>
+                                    <p:set>
+                                      <p:cBhvr>
+                                        <p:cTn id="30" dur="1" fill="hold">
+                                          <p:stCondLst>
+                                            <p:cond delay="0"/>
+                                          </p:stCondLst>
+                                        </p:cTn>
+                                        <p:tgtEl>
+                                          <p:spTgt spid="10"/>
+                                        </p:tgtEl>
+                                        <p:attrNameLst>
+                                          <p:attrName>style.visibility</p:attrName>
+                                        </p:attrNameLst>
+                                      </p:cBhvr>
+                                      <p:to>
+                                        <p:strVal val="visible"/>
+                                      </p:to>
+                                    </p:set>
+                                  </p:childTnLst>
+                                </p:cTn>
+                              </p:par>
+                            </p:childTnLst>
+                          </p:cTn>
+                        </p:par>
+                      </p:childTnLst>
+                    </p:cTn>
+                  </p:par>
+                  <p:par>
+                    <p:cTn id="31" fill="hold">
+                      <p:stCondLst>
+                        <p:cond delay="indefinite"/>
+                      </p:stCondLst>
+                      <p:childTnLst>
+                        <p:par>
+                          <p:cTn id="32" fill="hold">
+                            <p:stCondLst>
+                              <p:cond delay="0"/>
+                            </p:stCondLst>
+                            <p:childTnLst>
+                              <p:par>
+                                <p:cTn id="33" presetID="1" presetClass="entr" presetSubtype="0" fill="hold" grpId="0" nodeType="clickEffect">
+                                  <p:stCondLst>
+                                    <p:cond delay="0"/>
+                                  </p:stCondLst>
+                                  <p:childTnLst>
+                                    <p:set>
+                                      <p:cBhvr>
+                                        <p:cTn id="34" dur="1" fill="hold">
+                                          <p:stCondLst>
+                                            <p:cond delay="0"/>
+                                          </p:stCondLst>
+                                        </p:cTn>
+                                        <p:tgtEl>
+                                          <p:spTgt spid="11"/>
+                                        </p:tgtEl>
+                                        <p:attrNameLst>
+                                          <p:attrName>style.visibility</p:attrName>
+                                        </p:attrNameLst>
+                                      </p:cBhvr>
+                                      <p:to>
+                                        <p:strVal val="visible"/>
+                                      </p:to>
+                                    </p:set>
+                                  </p:childTnLst>
+                                </p:cTn>
+                              </p:par>
+                            </p:childTnLst>
+                          </p:cTn>
+                        </p:par>
+                      </p:childTnLst>
+                    </p:cTn>
+                  </p:par>
+                </p:childTnLst>
+              </p:cTn>
+              <p:prevCondLst>
+                <p:cond evt="onPrev" delay="0">
+                  <p:tgtEl>
+                    <p:sldTgt/>
+                  </p:tgtEl>
+                </p:cond>
+              </p:prevCondLst>
+              <p:nextCondLst>
+                <p:cond evt="onNext" delay="0">
+                  <p:tgtEl>
+                    <p:sldTgt/>
+                  </p:tgtEl>
+                </p:cond>
+              </p:nextCondLst>
+            </p:seq>
+          </p:childTnLst>
+        </p:cTn>
+      </p:par>
+    </p:tnLst>
+    <p:bldLst>
+      <p:bldP spid="5" grpId="0"/>
+      <p:bldP spid="6" grpId="0" animBg="1"/>
+      <p:bldP spid="7" grpId="0" animBg="1"/>
+      <p:bldP spid="8" grpId="0" animBg="1"/>
+      <p:bldP spid="10" grpId="0" animBg="1"/>
+      <p:bldP spid="11" grpId="0" animBg="1"/>
+      <p:bldP spid="12" grpId="0" animBg="1"/>
+    </p:bldLst>
+  </p:timing>
+</p:sld>
+</file>
+
+<file path=ppt/slides/slide12.xml><?xml version="1.0" encoding="utf-8"?>
 <p:sld xmlns:a="http://schemas.openxmlformats.org/drawingml/2006/main" xmlns:r="http://schemas.openxmlformats.org/officeDocument/2006/relationships" xmlns:p="http://schemas.openxmlformats.org/presentationml/2006/main">
   <p:cSld>
     <p:spTree>
@@ -6376,7 +7580,7 @@
 </p:sld>
 </file>
 
-<file path=ppt/slides/slide11.xml><?xml version="1.0" encoding="utf-8"?>
+<file path=ppt/slides/slide13.xml><?xml version="1.0" encoding="utf-8"?>
 <p:sld xmlns:a="http://schemas.openxmlformats.org/drawingml/2006/main" xmlns:r="http://schemas.openxmlformats.org/officeDocument/2006/relationships" xmlns:p="http://schemas.openxmlformats.org/presentationml/2006/main">
   <p:cSld>
     <p:spTree>
@@ -7205,7 +8409,7 @@
 </p:sld>
 </file>
 
-<file path=ppt/slides/slide12.xml><?xml version="1.0" encoding="utf-8"?>
+<file path=ppt/slides/slide14.xml><?xml version="1.0" encoding="utf-8"?>
 <p:sld xmlns:a="http://schemas.openxmlformats.org/drawingml/2006/main" xmlns:r="http://schemas.openxmlformats.org/officeDocument/2006/relationships" xmlns:p="http://schemas.openxmlformats.org/presentationml/2006/main">
   <p:cSld>
     <p:spTree>
@@ -7696,7 +8900,1965 @@
 </p:sld>
 </file>
 
-<file path=ppt/slides/slide13.xml><?xml version="1.0" encoding="utf-8"?>
+<file path=ppt/slides/slide15.xml><?xml version="1.0" encoding="utf-8"?>
+<p:sld xmlns:a="http://schemas.openxmlformats.org/drawingml/2006/main" xmlns:r="http://schemas.openxmlformats.org/officeDocument/2006/relationships" xmlns:p="http://schemas.openxmlformats.org/presentationml/2006/main">
+  <p:cSld>
+    <p:spTree>
+      <p:nvGrpSpPr>
+        <p:cNvPr id="1" name=""/>
+        <p:cNvGrpSpPr/>
+        <p:nvPr/>
+      </p:nvGrpSpPr>
+      <p:grpSpPr>
+        <a:xfrm>
+          <a:off x="0" y="0"/>
+          <a:ext cx="0" cy="0"/>
+          <a:chOff x="0" y="0"/>
+          <a:chExt cx="0" cy="0"/>
+        </a:xfrm>
+      </p:grpSpPr>
+      <p:grpSp>
+        <p:nvGrpSpPr>
+          <p:cNvPr id="13" name="Group 12"/>
+          <p:cNvGrpSpPr/>
+          <p:nvPr/>
+        </p:nvGrpSpPr>
+        <p:grpSpPr>
+          <a:xfrm>
+            <a:off x="311573" y="2173357"/>
+            <a:ext cx="10714236" cy="4881787"/>
+            <a:chOff x="311573" y="2173357"/>
+            <a:chExt cx="10714236" cy="4881787"/>
+          </a:xfrm>
+        </p:grpSpPr>
+        <p:pic>
+          <p:nvPicPr>
+            <p:cNvPr id="5" name="Picture 4"/>
+            <p:cNvPicPr>
+              <a:picLocks noChangeAspect="1"/>
+            </p:cNvPicPr>
+            <p:nvPr/>
+          </p:nvPicPr>
+          <p:blipFill rotWithShape="1">
+            <a:blip r:embed="rId2"/>
+            <a:srcRect t="1604" r="4479" b="80865"/>
+            <a:stretch/>
+          </p:blipFill>
+          <p:spPr>
+            <a:xfrm>
+              <a:off x="351141" y="2173357"/>
+              <a:ext cx="10674668" cy="795130"/>
+            </a:xfrm>
+            <a:prstGeom prst="rect">
+              <a:avLst/>
+            </a:prstGeom>
+          </p:spPr>
+        </p:pic>
+        <p:pic>
+          <p:nvPicPr>
+            <p:cNvPr id="11" name="Picture 10"/>
+            <p:cNvPicPr>
+              <a:picLocks noChangeAspect="1"/>
+            </p:cNvPicPr>
+            <p:nvPr/>
+          </p:nvPicPr>
+          <p:blipFill rotWithShape="1">
+            <a:blip r:embed="rId3"/>
+            <a:srcRect t="15141"/>
+            <a:stretch/>
+          </p:blipFill>
+          <p:spPr>
+            <a:xfrm>
+              <a:off x="311573" y="2930457"/>
+              <a:ext cx="10714235" cy="1480404"/>
+            </a:xfrm>
+            <a:prstGeom prst="rect">
+              <a:avLst/>
+            </a:prstGeom>
+          </p:spPr>
+        </p:pic>
+        <p:pic>
+          <p:nvPicPr>
+            <p:cNvPr id="12" name="Picture 11"/>
+            <p:cNvPicPr>
+              <a:picLocks noChangeAspect="1"/>
+            </p:cNvPicPr>
+            <p:nvPr/>
+          </p:nvPicPr>
+          <p:blipFill>
+            <a:blip r:embed="rId4"/>
+            <a:stretch>
+              <a:fillRect/>
+            </a:stretch>
+          </p:blipFill>
+          <p:spPr>
+            <a:xfrm>
+              <a:off x="351141" y="4396915"/>
+              <a:ext cx="10674667" cy="2658229"/>
+            </a:xfrm>
+            <a:prstGeom prst="rect">
+              <a:avLst/>
+            </a:prstGeom>
+          </p:spPr>
+        </p:pic>
+      </p:grpSp>
+      <p:sp>
+        <p:nvSpPr>
+          <p:cNvPr id="2" name="Title 1"/>
+          <p:cNvSpPr>
+            <a:spLocks noGrp="1"/>
+          </p:cNvSpPr>
+          <p:nvPr>
+            <p:ph type="title"/>
+          </p:nvPr>
+        </p:nvSpPr>
+        <p:spPr/>
+        <p:txBody>
+          <a:bodyPr/>
+          <a:lstStyle/>
+          <a:p>
+            <a:r>
+              <a:rPr lang="en-US" dirty="0"/>
+              <a:t>Some Common Commands Using </a:t>
+            </a:r>
+            <a:r>
+              <a:rPr lang="en-US" dirty="0" err="1"/>
+              <a:t>Git</a:t>
+            </a:r>
+            <a:endParaRPr lang="en-US" dirty="0"/>
+          </a:p>
+        </p:txBody>
+      </p:sp>
+      <p:sp>
+        <p:nvSpPr>
+          <p:cNvPr id="4" name="Title 1"/>
+          <p:cNvSpPr txBox="1">
+            <a:spLocks/>
+          </p:cNvSpPr>
+          <p:nvPr/>
+        </p:nvSpPr>
+        <p:spPr>
+          <a:xfrm>
+            <a:off x="677334" y="1440216"/>
+            <a:ext cx="8596668" cy="1320800"/>
+          </a:xfrm>
+          <a:prstGeom prst="rect">
+            <a:avLst/>
+          </a:prstGeom>
+        </p:spPr>
+        <p:txBody>
+          <a:bodyPr vert="horz" lIns="91440" tIns="45720" rIns="91440" bIns="45720" rtlCol="0" anchor="t">
+            <a:normAutofit/>
+          </a:bodyPr>
+          <a:lstStyle>
+            <a:lvl1pPr algn="l" defTabSz="457200" rtl="0" eaLnBrk="1" latinLnBrk="0" hangingPunct="1">
+              <a:spcBef>
+                <a:spcPct val="0"/>
+              </a:spcBef>
+              <a:buNone/>
+              <a:defRPr sz="3600" kern="1200">
+                <a:solidFill>
+                  <a:schemeClr val="accent1"/>
+                </a:solidFill>
+                <a:latin typeface="+mj-lt"/>
+                <a:ea typeface="+mj-ea"/>
+                <a:cs typeface="+mj-cs"/>
+              </a:defRPr>
+            </a:lvl1pPr>
+            <a:lvl2pPr eaLnBrk="1" hangingPunct="1">
+              <a:defRPr>
+                <a:solidFill>
+                  <a:schemeClr val="tx2"/>
+                </a:solidFill>
+              </a:defRPr>
+            </a:lvl2pPr>
+            <a:lvl3pPr eaLnBrk="1" hangingPunct="1">
+              <a:defRPr>
+                <a:solidFill>
+                  <a:schemeClr val="tx2"/>
+                </a:solidFill>
+              </a:defRPr>
+            </a:lvl3pPr>
+            <a:lvl4pPr eaLnBrk="1" hangingPunct="1">
+              <a:defRPr>
+                <a:solidFill>
+                  <a:schemeClr val="tx2"/>
+                </a:solidFill>
+              </a:defRPr>
+            </a:lvl4pPr>
+            <a:lvl5pPr eaLnBrk="1" hangingPunct="1">
+              <a:defRPr>
+                <a:solidFill>
+                  <a:schemeClr val="tx2"/>
+                </a:solidFill>
+              </a:defRPr>
+            </a:lvl5pPr>
+            <a:lvl6pPr eaLnBrk="1" hangingPunct="1">
+              <a:defRPr>
+                <a:solidFill>
+                  <a:schemeClr val="tx2"/>
+                </a:solidFill>
+              </a:defRPr>
+            </a:lvl6pPr>
+            <a:lvl7pPr eaLnBrk="1" hangingPunct="1">
+              <a:defRPr>
+                <a:solidFill>
+                  <a:schemeClr val="tx2"/>
+                </a:solidFill>
+              </a:defRPr>
+            </a:lvl7pPr>
+            <a:lvl8pPr eaLnBrk="1" hangingPunct="1">
+              <a:defRPr>
+                <a:solidFill>
+                  <a:schemeClr val="tx2"/>
+                </a:solidFill>
+              </a:defRPr>
+            </a:lvl8pPr>
+            <a:lvl9pPr eaLnBrk="1" hangingPunct="1">
+              <a:defRPr>
+                <a:solidFill>
+                  <a:schemeClr val="tx2"/>
+                </a:solidFill>
+              </a:defRPr>
+            </a:lvl9pPr>
+          </a:lstStyle>
+          <a:p>
+            <a:r>
+              <a:rPr lang="en-US" dirty="0" err="1"/>
+              <a:t>git</a:t>
+            </a:r>
+            <a:r>
+              <a:rPr lang="en-US" dirty="0"/>
+              <a:t> </a:t>
+            </a:r>
+            <a:r>
+              <a:rPr lang="en-US" dirty="0" smtClean="0"/>
+              <a:t>log</a:t>
+            </a:r>
+            <a:endParaRPr lang="en-US" dirty="0"/>
+          </a:p>
+        </p:txBody>
+      </p:sp>
+      <p:sp>
+        <p:nvSpPr>
+          <p:cNvPr id="6" name="Rectangle 5"/>
+          <p:cNvSpPr/>
+          <p:nvPr/>
+        </p:nvSpPr>
+        <p:spPr>
+          <a:xfrm>
+            <a:off x="4961002" y="2738586"/>
+            <a:ext cx="951241" cy="191872"/>
+          </a:xfrm>
+          <a:prstGeom prst="rect">
+            <a:avLst/>
+          </a:prstGeom>
+          <a:noFill/>
+          <a:ln>
+            <a:solidFill>
+              <a:srgbClr val="FFC000"/>
+            </a:solidFill>
+          </a:ln>
+        </p:spPr>
+        <p:style>
+          <a:lnRef idx="2">
+            <a:schemeClr val="accent6"/>
+          </a:lnRef>
+          <a:fillRef idx="1">
+            <a:schemeClr val="lt1"/>
+          </a:fillRef>
+          <a:effectRef idx="0">
+            <a:schemeClr val="accent6"/>
+          </a:effectRef>
+          <a:fontRef idx="minor">
+            <a:schemeClr val="dk1"/>
+          </a:fontRef>
+        </p:style>
+        <p:txBody>
+          <a:bodyPr rtlCol="0" anchor="ctr"/>
+          <a:lstStyle/>
+          <a:p>
+            <a:pPr algn="ctr"/>
+            <a:endParaRPr lang="en-US"/>
+          </a:p>
+        </p:txBody>
+      </p:sp>
+      <p:sp>
+        <p:nvSpPr>
+          <p:cNvPr id="7" name="Rectangle 6"/>
+          <p:cNvSpPr/>
+          <p:nvPr/>
+        </p:nvSpPr>
+        <p:spPr>
+          <a:xfrm>
+            <a:off x="1210444" y="2930457"/>
+            <a:ext cx="5018077" cy="230190"/>
+          </a:xfrm>
+          <a:prstGeom prst="rect">
+            <a:avLst/>
+          </a:prstGeom>
+          <a:noFill/>
+          <a:ln>
+            <a:solidFill>
+              <a:srgbClr val="FFC000"/>
+            </a:solidFill>
+          </a:ln>
+        </p:spPr>
+        <p:style>
+          <a:lnRef idx="2">
+            <a:schemeClr val="accent6"/>
+          </a:lnRef>
+          <a:fillRef idx="1">
+            <a:schemeClr val="lt1"/>
+          </a:fillRef>
+          <a:effectRef idx="0">
+            <a:schemeClr val="accent6"/>
+          </a:effectRef>
+          <a:fontRef idx="minor">
+            <a:schemeClr val="dk1"/>
+          </a:fontRef>
+        </p:style>
+        <p:txBody>
+          <a:bodyPr rtlCol="0" anchor="ctr"/>
+          <a:lstStyle/>
+          <a:p>
+            <a:pPr algn="ctr"/>
+            <a:endParaRPr lang="en-US"/>
+          </a:p>
+        </p:txBody>
+      </p:sp>
+      <p:sp>
+        <p:nvSpPr>
+          <p:cNvPr id="8" name="Rectangle 7"/>
+          <p:cNvSpPr/>
+          <p:nvPr/>
+        </p:nvSpPr>
+        <p:spPr>
+          <a:xfrm>
+            <a:off x="324636" y="3180070"/>
+            <a:ext cx="785707" cy="218984"/>
+          </a:xfrm>
+          <a:prstGeom prst="rect">
+            <a:avLst/>
+          </a:prstGeom>
+          <a:noFill/>
+          <a:ln>
+            <a:solidFill>
+              <a:srgbClr val="FFC000"/>
+            </a:solidFill>
+          </a:ln>
+        </p:spPr>
+        <p:style>
+          <a:lnRef idx="2">
+            <a:schemeClr val="accent6"/>
+          </a:lnRef>
+          <a:fillRef idx="1">
+            <a:schemeClr val="lt1"/>
+          </a:fillRef>
+          <a:effectRef idx="0">
+            <a:schemeClr val="accent6"/>
+          </a:effectRef>
+          <a:fontRef idx="minor">
+            <a:schemeClr val="dk1"/>
+          </a:fontRef>
+        </p:style>
+        <p:txBody>
+          <a:bodyPr rtlCol="0" anchor="ctr"/>
+          <a:lstStyle/>
+          <a:p>
+            <a:pPr algn="ctr"/>
+            <a:endParaRPr lang="en-US"/>
+          </a:p>
+        </p:txBody>
+      </p:sp>
+      <p:sp>
+        <p:nvSpPr>
+          <p:cNvPr id="9" name="Rectangle 8"/>
+          <p:cNvSpPr/>
+          <p:nvPr/>
+        </p:nvSpPr>
+        <p:spPr>
+          <a:xfrm>
+            <a:off x="311573" y="3449508"/>
+            <a:ext cx="785707" cy="241345"/>
+          </a:xfrm>
+          <a:prstGeom prst="rect">
+            <a:avLst/>
+          </a:prstGeom>
+          <a:noFill/>
+          <a:ln>
+            <a:solidFill>
+              <a:srgbClr val="FFC000"/>
+            </a:solidFill>
+          </a:ln>
+        </p:spPr>
+        <p:style>
+          <a:lnRef idx="2">
+            <a:schemeClr val="accent6"/>
+          </a:lnRef>
+          <a:fillRef idx="1">
+            <a:schemeClr val="lt1"/>
+          </a:fillRef>
+          <a:effectRef idx="0">
+            <a:schemeClr val="accent6"/>
+          </a:effectRef>
+          <a:fontRef idx="minor">
+            <a:schemeClr val="dk1"/>
+          </a:fontRef>
+        </p:style>
+        <p:txBody>
+          <a:bodyPr rtlCol="0" anchor="ctr"/>
+          <a:lstStyle/>
+          <a:p>
+            <a:pPr algn="ctr"/>
+            <a:endParaRPr lang="en-US"/>
+          </a:p>
+        </p:txBody>
+      </p:sp>
+      <p:sp>
+        <p:nvSpPr>
+          <p:cNvPr id="10" name="Rectangle 9"/>
+          <p:cNvSpPr/>
+          <p:nvPr/>
+        </p:nvSpPr>
+        <p:spPr>
+          <a:xfrm>
+            <a:off x="817593" y="3917747"/>
+            <a:ext cx="2177398" cy="252274"/>
+          </a:xfrm>
+          <a:prstGeom prst="rect">
+            <a:avLst/>
+          </a:prstGeom>
+          <a:noFill/>
+          <a:ln>
+            <a:solidFill>
+              <a:srgbClr val="FFC000"/>
+            </a:solidFill>
+          </a:ln>
+        </p:spPr>
+        <p:style>
+          <a:lnRef idx="2">
+            <a:schemeClr val="accent6"/>
+          </a:lnRef>
+          <a:fillRef idx="1">
+            <a:schemeClr val="lt1"/>
+          </a:fillRef>
+          <a:effectRef idx="0">
+            <a:schemeClr val="accent6"/>
+          </a:effectRef>
+          <a:fontRef idx="minor">
+            <a:schemeClr val="dk1"/>
+          </a:fontRef>
+        </p:style>
+        <p:txBody>
+          <a:bodyPr rtlCol="0" anchor="ctr"/>
+          <a:lstStyle/>
+          <a:p>
+            <a:pPr algn="ctr"/>
+            <a:endParaRPr lang="en-US"/>
+          </a:p>
+        </p:txBody>
+      </p:sp>
+    </p:spTree>
+    <p:extLst>
+      <p:ext uri="{BB962C8B-B14F-4D97-AF65-F5344CB8AC3E}">
+        <p14:creationId xmlns:p14="http://schemas.microsoft.com/office/powerpoint/2010/main" val="2249097539"/>
+      </p:ext>
+    </p:extLst>
+  </p:cSld>
+  <p:clrMapOvr>
+    <a:masterClrMapping/>
+  </p:clrMapOvr>
+  <p:transition spd="slow">
+    <p:wipe/>
+  </p:transition>
+  <p:timing>
+    <p:tnLst>
+      <p:par>
+        <p:cTn id="1" dur="indefinite" restart="never" nodeType="tmRoot">
+          <p:childTnLst>
+            <p:seq concurrent="1" nextAc="seek">
+              <p:cTn id="2" dur="indefinite" nodeType="mainSeq">
+                <p:childTnLst>
+                  <p:par>
+                    <p:cTn id="3" fill="hold">
+                      <p:stCondLst>
+                        <p:cond delay="indefinite"/>
+                      </p:stCondLst>
+                      <p:childTnLst>
+                        <p:par>
+                          <p:cTn id="4" fill="hold">
+                            <p:stCondLst>
+                              <p:cond delay="0"/>
+                            </p:stCondLst>
+                            <p:childTnLst>
+                              <p:par>
+                                <p:cTn id="5" presetID="1" presetClass="entr" presetSubtype="0" fill="hold" nodeType="clickEffect">
+                                  <p:stCondLst>
+                                    <p:cond delay="0"/>
+                                  </p:stCondLst>
+                                  <p:childTnLst>
+                                    <p:set>
+                                      <p:cBhvr>
+                                        <p:cTn id="6" dur="1" fill="hold">
+                                          <p:stCondLst>
+                                            <p:cond delay="0"/>
+                                          </p:stCondLst>
+                                        </p:cTn>
+                                        <p:tgtEl>
+                                          <p:spTgt spid="13"/>
+                                        </p:tgtEl>
+                                        <p:attrNameLst>
+                                          <p:attrName>style.visibility</p:attrName>
+                                        </p:attrNameLst>
+                                      </p:cBhvr>
+                                      <p:to>
+                                        <p:strVal val="visible"/>
+                                      </p:to>
+                                    </p:set>
+                                  </p:childTnLst>
+                                </p:cTn>
+                              </p:par>
+                            </p:childTnLst>
+                          </p:cTn>
+                        </p:par>
+                      </p:childTnLst>
+                    </p:cTn>
+                  </p:par>
+                  <p:par>
+                    <p:cTn id="7" fill="hold">
+                      <p:stCondLst>
+                        <p:cond delay="indefinite"/>
+                      </p:stCondLst>
+                      <p:childTnLst>
+                        <p:par>
+                          <p:cTn id="8" fill="hold">
+                            <p:stCondLst>
+                              <p:cond delay="0"/>
+                            </p:stCondLst>
+                            <p:childTnLst>
+                              <p:par>
+                                <p:cTn id="9" presetID="1" presetClass="entr" presetSubtype="0" fill="hold" grpId="0" nodeType="clickEffect">
+                                  <p:stCondLst>
+                                    <p:cond delay="0"/>
+                                  </p:stCondLst>
+                                  <p:childTnLst>
+                                    <p:set>
+                                      <p:cBhvr>
+                                        <p:cTn id="10" dur="1" fill="hold">
+                                          <p:stCondLst>
+                                            <p:cond delay="0"/>
+                                          </p:stCondLst>
+                                        </p:cTn>
+                                        <p:tgtEl>
+                                          <p:spTgt spid="6"/>
+                                        </p:tgtEl>
+                                        <p:attrNameLst>
+                                          <p:attrName>style.visibility</p:attrName>
+                                        </p:attrNameLst>
+                                      </p:cBhvr>
+                                      <p:to>
+                                        <p:strVal val="visible"/>
+                                      </p:to>
+                                    </p:set>
+                                  </p:childTnLst>
+                                </p:cTn>
+                              </p:par>
+                            </p:childTnLst>
+                          </p:cTn>
+                        </p:par>
+                      </p:childTnLst>
+                    </p:cTn>
+                  </p:par>
+                  <p:par>
+                    <p:cTn id="11" fill="hold">
+                      <p:stCondLst>
+                        <p:cond delay="indefinite"/>
+                      </p:stCondLst>
+                      <p:childTnLst>
+                        <p:par>
+                          <p:cTn id="12" fill="hold">
+                            <p:stCondLst>
+                              <p:cond delay="0"/>
+                            </p:stCondLst>
+                            <p:childTnLst>
+                              <p:par>
+                                <p:cTn id="13" presetID="1" presetClass="entr" presetSubtype="0" fill="hold" grpId="0" nodeType="clickEffect">
+                                  <p:stCondLst>
+                                    <p:cond delay="0"/>
+                                  </p:stCondLst>
+                                  <p:childTnLst>
+                                    <p:set>
+                                      <p:cBhvr>
+                                        <p:cTn id="14" dur="1" fill="hold">
+                                          <p:stCondLst>
+                                            <p:cond delay="0"/>
+                                          </p:stCondLst>
+                                        </p:cTn>
+                                        <p:tgtEl>
+                                          <p:spTgt spid="7"/>
+                                        </p:tgtEl>
+                                        <p:attrNameLst>
+                                          <p:attrName>style.visibility</p:attrName>
+                                        </p:attrNameLst>
+                                      </p:cBhvr>
+                                      <p:to>
+                                        <p:strVal val="visible"/>
+                                      </p:to>
+                                    </p:set>
+                                  </p:childTnLst>
+                                </p:cTn>
+                              </p:par>
+                            </p:childTnLst>
+                          </p:cTn>
+                        </p:par>
+                      </p:childTnLst>
+                    </p:cTn>
+                  </p:par>
+                  <p:par>
+                    <p:cTn id="15" fill="hold">
+                      <p:stCondLst>
+                        <p:cond delay="indefinite"/>
+                      </p:stCondLst>
+                      <p:childTnLst>
+                        <p:par>
+                          <p:cTn id="16" fill="hold">
+                            <p:stCondLst>
+                              <p:cond delay="0"/>
+                            </p:stCondLst>
+                            <p:childTnLst>
+                              <p:par>
+                                <p:cTn id="17" presetID="1" presetClass="entr" presetSubtype="0" fill="hold" grpId="0" nodeType="clickEffect">
+                                  <p:stCondLst>
+                                    <p:cond delay="0"/>
+                                  </p:stCondLst>
+                                  <p:childTnLst>
+                                    <p:set>
+                                      <p:cBhvr>
+                                        <p:cTn id="18" dur="1" fill="hold">
+                                          <p:stCondLst>
+                                            <p:cond delay="0"/>
+                                          </p:stCondLst>
+                                        </p:cTn>
+                                        <p:tgtEl>
+                                          <p:spTgt spid="8"/>
+                                        </p:tgtEl>
+                                        <p:attrNameLst>
+                                          <p:attrName>style.visibility</p:attrName>
+                                        </p:attrNameLst>
+                                      </p:cBhvr>
+                                      <p:to>
+                                        <p:strVal val="visible"/>
+                                      </p:to>
+                                    </p:set>
+                                  </p:childTnLst>
+                                </p:cTn>
+                              </p:par>
+                            </p:childTnLst>
+                          </p:cTn>
+                        </p:par>
+                      </p:childTnLst>
+                    </p:cTn>
+                  </p:par>
+                  <p:par>
+                    <p:cTn id="19" fill="hold">
+                      <p:stCondLst>
+                        <p:cond delay="indefinite"/>
+                      </p:stCondLst>
+                      <p:childTnLst>
+                        <p:par>
+                          <p:cTn id="20" fill="hold">
+                            <p:stCondLst>
+                              <p:cond delay="0"/>
+                            </p:stCondLst>
+                            <p:childTnLst>
+                              <p:par>
+                                <p:cTn id="21" presetID="1" presetClass="entr" presetSubtype="0" fill="hold" grpId="0" nodeType="clickEffect">
+                                  <p:stCondLst>
+                                    <p:cond delay="0"/>
+                                  </p:stCondLst>
+                                  <p:childTnLst>
+                                    <p:set>
+                                      <p:cBhvr>
+                                        <p:cTn id="22" dur="1" fill="hold">
+                                          <p:stCondLst>
+                                            <p:cond delay="0"/>
+                                          </p:stCondLst>
+                                        </p:cTn>
+                                        <p:tgtEl>
+                                          <p:spTgt spid="9"/>
+                                        </p:tgtEl>
+                                        <p:attrNameLst>
+                                          <p:attrName>style.visibility</p:attrName>
+                                        </p:attrNameLst>
+                                      </p:cBhvr>
+                                      <p:to>
+                                        <p:strVal val="visible"/>
+                                      </p:to>
+                                    </p:set>
+                                  </p:childTnLst>
+                                </p:cTn>
+                              </p:par>
+                            </p:childTnLst>
+                          </p:cTn>
+                        </p:par>
+                      </p:childTnLst>
+                    </p:cTn>
+                  </p:par>
+                  <p:par>
+                    <p:cTn id="23" fill="hold">
+                      <p:stCondLst>
+                        <p:cond delay="indefinite"/>
+                      </p:stCondLst>
+                      <p:childTnLst>
+                        <p:par>
+                          <p:cTn id="24" fill="hold">
+                            <p:stCondLst>
+                              <p:cond delay="0"/>
+                            </p:stCondLst>
+                            <p:childTnLst>
+                              <p:par>
+                                <p:cTn id="25" presetID="1" presetClass="entr" presetSubtype="0" fill="hold" grpId="0" nodeType="clickEffect">
+                                  <p:stCondLst>
+                                    <p:cond delay="0"/>
+                                  </p:stCondLst>
+                                  <p:childTnLst>
+                                    <p:set>
+                                      <p:cBhvr>
+                                        <p:cTn id="26" dur="1" fill="hold">
+                                          <p:stCondLst>
+                                            <p:cond delay="0"/>
+                                          </p:stCondLst>
+                                        </p:cTn>
+                                        <p:tgtEl>
+                                          <p:spTgt spid="10"/>
+                                        </p:tgtEl>
+                                        <p:attrNameLst>
+                                          <p:attrName>style.visibility</p:attrName>
+                                        </p:attrNameLst>
+                                      </p:cBhvr>
+                                      <p:to>
+                                        <p:strVal val="visible"/>
+                                      </p:to>
+                                    </p:set>
+                                  </p:childTnLst>
+                                </p:cTn>
+                              </p:par>
+                            </p:childTnLst>
+                          </p:cTn>
+                        </p:par>
+                      </p:childTnLst>
+                    </p:cTn>
+                  </p:par>
+                </p:childTnLst>
+              </p:cTn>
+              <p:prevCondLst>
+                <p:cond evt="onPrev" delay="0">
+                  <p:tgtEl>
+                    <p:sldTgt/>
+                  </p:tgtEl>
+                </p:cond>
+              </p:prevCondLst>
+              <p:nextCondLst>
+                <p:cond evt="onNext" delay="0">
+                  <p:tgtEl>
+                    <p:sldTgt/>
+                  </p:tgtEl>
+                </p:cond>
+              </p:nextCondLst>
+            </p:seq>
+          </p:childTnLst>
+        </p:cTn>
+      </p:par>
+    </p:tnLst>
+    <p:bldLst>
+      <p:bldP spid="6" grpId="0" animBg="1"/>
+      <p:bldP spid="7" grpId="0" animBg="1"/>
+      <p:bldP spid="8" grpId="0" animBg="1"/>
+      <p:bldP spid="9" grpId="0" animBg="1"/>
+      <p:bldP spid="10" grpId="0" animBg="1"/>
+    </p:bldLst>
+  </p:timing>
+</p:sld>
+</file>
+
+<file path=ppt/slides/slide16.xml><?xml version="1.0" encoding="utf-8"?>
+<p:sld xmlns:a="http://schemas.openxmlformats.org/drawingml/2006/main" xmlns:r="http://schemas.openxmlformats.org/officeDocument/2006/relationships" xmlns:p="http://schemas.openxmlformats.org/presentationml/2006/main">
+  <p:cSld>
+    <p:spTree>
+      <p:nvGrpSpPr>
+        <p:cNvPr id="1" name=""/>
+        <p:cNvGrpSpPr/>
+        <p:nvPr/>
+      </p:nvGrpSpPr>
+      <p:grpSpPr>
+        <a:xfrm>
+          <a:off x="0" y="0"/>
+          <a:ext cx="0" cy="0"/>
+          <a:chOff x="0" y="0"/>
+          <a:chExt cx="0" cy="0"/>
+        </a:xfrm>
+      </p:grpSpPr>
+      <p:sp>
+        <p:nvSpPr>
+          <p:cNvPr id="2" name="Title 1"/>
+          <p:cNvSpPr>
+            <a:spLocks noGrp="1"/>
+          </p:cNvSpPr>
+          <p:nvPr>
+            <p:ph type="title"/>
+          </p:nvPr>
+        </p:nvSpPr>
+        <p:spPr/>
+        <p:txBody>
+          <a:bodyPr/>
+          <a:lstStyle/>
+          <a:p>
+            <a:r>
+              <a:rPr lang="en-US" dirty="0"/>
+              <a:t>Some Common Commands Using </a:t>
+            </a:r>
+            <a:r>
+              <a:rPr lang="en-US" dirty="0" err="1"/>
+              <a:t>Git</a:t>
+            </a:r>
+            <a:endParaRPr lang="en-US" dirty="0"/>
+          </a:p>
+        </p:txBody>
+      </p:sp>
+      <p:sp>
+        <p:nvSpPr>
+          <p:cNvPr id="4" name="Title 1"/>
+          <p:cNvSpPr txBox="1">
+            <a:spLocks/>
+          </p:cNvSpPr>
+          <p:nvPr/>
+        </p:nvSpPr>
+        <p:spPr>
+          <a:xfrm>
+            <a:off x="677334" y="1440216"/>
+            <a:ext cx="8596668" cy="1320800"/>
+          </a:xfrm>
+          <a:prstGeom prst="rect">
+            <a:avLst/>
+          </a:prstGeom>
+        </p:spPr>
+        <p:txBody>
+          <a:bodyPr vert="horz" lIns="91440" tIns="45720" rIns="91440" bIns="45720" rtlCol="0" anchor="t">
+            <a:normAutofit/>
+          </a:bodyPr>
+          <a:lstStyle>
+            <a:lvl1pPr algn="l" defTabSz="457200" rtl="0" eaLnBrk="1" latinLnBrk="0" hangingPunct="1">
+              <a:spcBef>
+                <a:spcPct val="0"/>
+              </a:spcBef>
+              <a:buNone/>
+              <a:defRPr sz="3600" kern="1200">
+                <a:solidFill>
+                  <a:schemeClr val="accent1"/>
+                </a:solidFill>
+                <a:latin typeface="+mj-lt"/>
+                <a:ea typeface="+mj-ea"/>
+                <a:cs typeface="+mj-cs"/>
+              </a:defRPr>
+            </a:lvl1pPr>
+            <a:lvl2pPr eaLnBrk="1" hangingPunct="1">
+              <a:defRPr>
+                <a:solidFill>
+                  <a:schemeClr val="tx2"/>
+                </a:solidFill>
+              </a:defRPr>
+            </a:lvl2pPr>
+            <a:lvl3pPr eaLnBrk="1" hangingPunct="1">
+              <a:defRPr>
+                <a:solidFill>
+                  <a:schemeClr val="tx2"/>
+                </a:solidFill>
+              </a:defRPr>
+            </a:lvl3pPr>
+            <a:lvl4pPr eaLnBrk="1" hangingPunct="1">
+              <a:defRPr>
+                <a:solidFill>
+                  <a:schemeClr val="tx2"/>
+                </a:solidFill>
+              </a:defRPr>
+            </a:lvl4pPr>
+            <a:lvl5pPr eaLnBrk="1" hangingPunct="1">
+              <a:defRPr>
+                <a:solidFill>
+                  <a:schemeClr val="tx2"/>
+                </a:solidFill>
+              </a:defRPr>
+            </a:lvl5pPr>
+            <a:lvl6pPr eaLnBrk="1" hangingPunct="1">
+              <a:defRPr>
+                <a:solidFill>
+                  <a:schemeClr val="tx2"/>
+                </a:solidFill>
+              </a:defRPr>
+            </a:lvl6pPr>
+            <a:lvl7pPr eaLnBrk="1" hangingPunct="1">
+              <a:defRPr>
+                <a:solidFill>
+                  <a:schemeClr val="tx2"/>
+                </a:solidFill>
+              </a:defRPr>
+            </a:lvl7pPr>
+            <a:lvl8pPr eaLnBrk="1" hangingPunct="1">
+              <a:defRPr>
+                <a:solidFill>
+                  <a:schemeClr val="tx2"/>
+                </a:solidFill>
+              </a:defRPr>
+            </a:lvl8pPr>
+            <a:lvl9pPr eaLnBrk="1" hangingPunct="1">
+              <a:defRPr>
+                <a:solidFill>
+                  <a:schemeClr val="tx2"/>
+                </a:solidFill>
+              </a:defRPr>
+            </a:lvl9pPr>
+          </a:lstStyle>
+          <a:p>
+            <a:r>
+              <a:rPr lang="en-US" dirty="0" err="1"/>
+              <a:t>git</a:t>
+            </a:r>
+            <a:r>
+              <a:rPr lang="en-US" dirty="0"/>
+              <a:t> </a:t>
+            </a:r>
+            <a:r>
+              <a:rPr lang="en-US" dirty="0" err="1" smtClean="0"/>
+              <a:t>ref</a:t>
+            </a:r>
+            <a:r>
+              <a:rPr lang="en-US" dirty="0" err="1" smtClean="0"/>
+              <a:t>log</a:t>
+            </a:r>
+            <a:endParaRPr lang="en-US" dirty="0"/>
+          </a:p>
+        </p:txBody>
+      </p:sp>
+      <p:pic>
+        <p:nvPicPr>
+          <p:cNvPr id="5" name="Picture 4"/>
+          <p:cNvPicPr>
+            <a:picLocks noChangeAspect="1"/>
+          </p:cNvPicPr>
+          <p:nvPr/>
+        </p:nvPicPr>
+        <p:blipFill>
+          <a:blip r:embed="rId2"/>
+          <a:stretch>
+            <a:fillRect/>
+          </a:stretch>
+        </p:blipFill>
+        <p:spPr>
+          <a:xfrm>
+            <a:off x="415752" y="2100616"/>
+            <a:ext cx="11168596" cy="3266514"/>
+          </a:xfrm>
+          <a:prstGeom prst="rect">
+            <a:avLst/>
+          </a:prstGeom>
+        </p:spPr>
+      </p:pic>
+      <p:sp>
+        <p:nvSpPr>
+          <p:cNvPr id="6" name="Rectangle 5"/>
+          <p:cNvSpPr/>
+          <p:nvPr/>
+        </p:nvSpPr>
+        <p:spPr>
+          <a:xfrm>
+            <a:off x="4735715" y="2665080"/>
+            <a:ext cx="1028981" cy="182401"/>
+          </a:xfrm>
+          <a:prstGeom prst="rect">
+            <a:avLst/>
+          </a:prstGeom>
+          <a:noFill/>
+          <a:ln>
+            <a:solidFill>
+              <a:srgbClr val="FFC000"/>
+            </a:solidFill>
+          </a:ln>
+        </p:spPr>
+        <p:style>
+          <a:lnRef idx="2">
+            <a:schemeClr val="accent6"/>
+          </a:lnRef>
+          <a:fillRef idx="1">
+            <a:schemeClr val="lt1"/>
+          </a:fillRef>
+          <a:effectRef idx="0">
+            <a:schemeClr val="accent6"/>
+          </a:effectRef>
+          <a:fontRef idx="minor">
+            <a:schemeClr val="dk1"/>
+          </a:fontRef>
+        </p:style>
+        <p:txBody>
+          <a:bodyPr rtlCol="0" anchor="ctr"/>
+          <a:lstStyle/>
+          <a:p>
+            <a:pPr algn="ctr"/>
+            <a:endParaRPr lang="en-US"/>
+          </a:p>
+        </p:txBody>
+      </p:sp>
+      <p:sp>
+        <p:nvSpPr>
+          <p:cNvPr id="8" name="Rectangle 7"/>
+          <p:cNvSpPr/>
+          <p:nvPr/>
+        </p:nvSpPr>
+        <p:spPr>
+          <a:xfrm>
+            <a:off x="1160149" y="4222210"/>
+            <a:ext cx="852245" cy="190764"/>
+          </a:xfrm>
+          <a:prstGeom prst="rect">
+            <a:avLst/>
+          </a:prstGeom>
+          <a:noFill/>
+          <a:ln>
+            <a:solidFill>
+              <a:srgbClr val="FFC000"/>
+            </a:solidFill>
+          </a:ln>
+        </p:spPr>
+        <p:style>
+          <a:lnRef idx="2">
+            <a:schemeClr val="accent6"/>
+          </a:lnRef>
+          <a:fillRef idx="1">
+            <a:schemeClr val="lt1"/>
+          </a:fillRef>
+          <a:effectRef idx="0">
+            <a:schemeClr val="accent6"/>
+          </a:effectRef>
+          <a:fontRef idx="minor">
+            <a:schemeClr val="dk1"/>
+          </a:fontRef>
+        </p:style>
+        <p:txBody>
+          <a:bodyPr rtlCol="0" anchor="ctr"/>
+          <a:lstStyle/>
+          <a:p>
+            <a:pPr algn="ctr"/>
+            <a:endParaRPr lang="en-US"/>
+          </a:p>
+        </p:txBody>
+      </p:sp>
+      <p:sp>
+        <p:nvSpPr>
+          <p:cNvPr id="9" name="Rectangle 8"/>
+          <p:cNvSpPr/>
+          <p:nvPr/>
+        </p:nvSpPr>
+        <p:spPr>
+          <a:xfrm>
+            <a:off x="2173357" y="4222210"/>
+            <a:ext cx="2562358" cy="190764"/>
+          </a:xfrm>
+          <a:prstGeom prst="rect">
+            <a:avLst/>
+          </a:prstGeom>
+          <a:noFill/>
+          <a:ln>
+            <a:solidFill>
+              <a:srgbClr val="FFC000"/>
+            </a:solidFill>
+          </a:ln>
+        </p:spPr>
+        <p:style>
+          <a:lnRef idx="2">
+            <a:schemeClr val="accent6"/>
+          </a:lnRef>
+          <a:fillRef idx="1">
+            <a:schemeClr val="lt1"/>
+          </a:fillRef>
+          <a:effectRef idx="0">
+            <a:schemeClr val="accent6"/>
+          </a:effectRef>
+          <a:fontRef idx="minor">
+            <a:schemeClr val="dk1"/>
+          </a:fontRef>
+        </p:style>
+        <p:txBody>
+          <a:bodyPr rtlCol="0" anchor="ctr"/>
+          <a:lstStyle/>
+          <a:p>
+            <a:pPr algn="ctr"/>
+            <a:endParaRPr lang="en-US"/>
+          </a:p>
+        </p:txBody>
+      </p:sp>
+      <p:sp>
+        <p:nvSpPr>
+          <p:cNvPr id="10" name="Rectangle 9"/>
+          <p:cNvSpPr/>
+          <p:nvPr/>
+        </p:nvSpPr>
+        <p:spPr>
+          <a:xfrm>
+            <a:off x="415752" y="4206896"/>
+            <a:ext cx="744397" cy="206078"/>
+          </a:xfrm>
+          <a:prstGeom prst="rect">
+            <a:avLst/>
+          </a:prstGeom>
+          <a:noFill/>
+          <a:ln>
+            <a:solidFill>
+              <a:srgbClr val="FFC000"/>
+            </a:solidFill>
+          </a:ln>
+        </p:spPr>
+        <p:style>
+          <a:lnRef idx="2">
+            <a:schemeClr val="accent6"/>
+          </a:lnRef>
+          <a:fillRef idx="1">
+            <a:schemeClr val="lt1"/>
+          </a:fillRef>
+          <a:effectRef idx="0">
+            <a:schemeClr val="accent6"/>
+          </a:effectRef>
+          <a:fontRef idx="minor">
+            <a:schemeClr val="dk1"/>
+          </a:fontRef>
+        </p:style>
+        <p:txBody>
+          <a:bodyPr rtlCol="0" anchor="ctr"/>
+          <a:lstStyle/>
+          <a:p>
+            <a:pPr algn="ctr"/>
+            <a:endParaRPr lang="en-US"/>
+          </a:p>
+        </p:txBody>
+      </p:sp>
+      <p:sp>
+        <p:nvSpPr>
+          <p:cNvPr id="11" name="Rectangle 10"/>
+          <p:cNvSpPr/>
+          <p:nvPr/>
+        </p:nvSpPr>
+        <p:spPr>
+          <a:xfrm>
+            <a:off x="2143087" y="4603906"/>
+            <a:ext cx="600114" cy="201808"/>
+          </a:xfrm>
+          <a:prstGeom prst="rect">
+            <a:avLst/>
+          </a:prstGeom>
+          <a:noFill/>
+          <a:ln>
+            <a:solidFill>
+              <a:srgbClr val="FFC000"/>
+            </a:solidFill>
+          </a:ln>
+        </p:spPr>
+        <p:style>
+          <a:lnRef idx="2">
+            <a:schemeClr val="accent6"/>
+          </a:lnRef>
+          <a:fillRef idx="1">
+            <a:schemeClr val="lt1"/>
+          </a:fillRef>
+          <a:effectRef idx="0">
+            <a:schemeClr val="accent6"/>
+          </a:effectRef>
+          <a:fontRef idx="minor">
+            <a:schemeClr val="dk1"/>
+          </a:fontRef>
+        </p:style>
+        <p:txBody>
+          <a:bodyPr rtlCol="0" anchor="ctr"/>
+          <a:lstStyle/>
+          <a:p>
+            <a:pPr algn="ctr"/>
+            <a:endParaRPr lang="en-US"/>
+          </a:p>
+        </p:txBody>
+      </p:sp>
+      <p:sp>
+        <p:nvSpPr>
+          <p:cNvPr id="12" name="Rectangle 11"/>
+          <p:cNvSpPr/>
+          <p:nvPr/>
+        </p:nvSpPr>
+        <p:spPr>
+          <a:xfrm>
+            <a:off x="2211400" y="4977992"/>
+            <a:ext cx="637817" cy="216860"/>
+          </a:xfrm>
+          <a:prstGeom prst="rect">
+            <a:avLst/>
+          </a:prstGeom>
+          <a:noFill/>
+          <a:ln>
+            <a:solidFill>
+              <a:srgbClr val="FFC000"/>
+            </a:solidFill>
+          </a:ln>
+        </p:spPr>
+        <p:style>
+          <a:lnRef idx="2">
+            <a:schemeClr val="accent6"/>
+          </a:lnRef>
+          <a:fillRef idx="1">
+            <a:schemeClr val="lt1"/>
+          </a:fillRef>
+          <a:effectRef idx="0">
+            <a:schemeClr val="accent6"/>
+          </a:effectRef>
+          <a:fontRef idx="minor">
+            <a:schemeClr val="dk1"/>
+          </a:fontRef>
+        </p:style>
+        <p:txBody>
+          <a:bodyPr rtlCol="0" anchor="ctr"/>
+          <a:lstStyle/>
+          <a:p>
+            <a:pPr algn="ctr"/>
+            <a:endParaRPr lang="en-US"/>
+          </a:p>
+        </p:txBody>
+      </p:sp>
+    </p:spTree>
+    <p:extLst>
+      <p:ext uri="{BB962C8B-B14F-4D97-AF65-F5344CB8AC3E}">
+        <p14:creationId xmlns:p14="http://schemas.microsoft.com/office/powerpoint/2010/main" val="1752488704"/>
+      </p:ext>
+    </p:extLst>
+  </p:cSld>
+  <p:clrMapOvr>
+    <a:masterClrMapping/>
+  </p:clrMapOvr>
+  <p:transition spd="slow">
+    <p:wipe/>
+  </p:transition>
+  <p:timing>
+    <p:tnLst>
+      <p:par>
+        <p:cTn id="1" dur="indefinite" restart="never" nodeType="tmRoot">
+          <p:childTnLst>
+            <p:seq concurrent="1" nextAc="seek">
+              <p:cTn id="2" dur="indefinite" nodeType="mainSeq">
+                <p:childTnLst>
+                  <p:par>
+                    <p:cTn id="3" fill="hold">
+                      <p:stCondLst>
+                        <p:cond delay="indefinite"/>
+                      </p:stCondLst>
+                      <p:childTnLst>
+                        <p:par>
+                          <p:cTn id="4" fill="hold">
+                            <p:stCondLst>
+                              <p:cond delay="0"/>
+                            </p:stCondLst>
+                            <p:childTnLst>
+                              <p:par>
+                                <p:cTn id="5" presetID="1" presetClass="entr" presetSubtype="0" fill="hold" nodeType="clickEffect">
+                                  <p:stCondLst>
+                                    <p:cond delay="0"/>
+                                  </p:stCondLst>
+                                  <p:childTnLst>
+                                    <p:set>
+                                      <p:cBhvr>
+                                        <p:cTn id="6" dur="1" fill="hold">
+                                          <p:stCondLst>
+                                            <p:cond delay="0"/>
+                                          </p:stCondLst>
+                                        </p:cTn>
+                                        <p:tgtEl>
+                                          <p:spTgt spid="5"/>
+                                        </p:tgtEl>
+                                        <p:attrNameLst>
+                                          <p:attrName>style.visibility</p:attrName>
+                                        </p:attrNameLst>
+                                      </p:cBhvr>
+                                      <p:to>
+                                        <p:strVal val="visible"/>
+                                      </p:to>
+                                    </p:set>
+                                  </p:childTnLst>
+                                </p:cTn>
+                              </p:par>
+                            </p:childTnLst>
+                          </p:cTn>
+                        </p:par>
+                      </p:childTnLst>
+                    </p:cTn>
+                  </p:par>
+                  <p:par>
+                    <p:cTn id="7" fill="hold">
+                      <p:stCondLst>
+                        <p:cond delay="indefinite"/>
+                      </p:stCondLst>
+                      <p:childTnLst>
+                        <p:par>
+                          <p:cTn id="8" fill="hold">
+                            <p:stCondLst>
+                              <p:cond delay="0"/>
+                            </p:stCondLst>
+                            <p:childTnLst>
+                              <p:par>
+                                <p:cTn id="9" presetID="1" presetClass="entr" presetSubtype="0" fill="hold" grpId="0" nodeType="clickEffect">
+                                  <p:stCondLst>
+                                    <p:cond delay="0"/>
+                                  </p:stCondLst>
+                                  <p:childTnLst>
+                                    <p:set>
+                                      <p:cBhvr>
+                                        <p:cTn id="10" dur="1" fill="hold">
+                                          <p:stCondLst>
+                                            <p:cond delay="0"/>
+                                          </p:stCondLst>
+                                        </p:cTn>
+                                        <p:tgtEl>
+                                          <p:spTgt spid="6"/>
+                                        </p:tgtEl>
+                                        <p:attrNameLst>
+                                          <p:attrName>style.visibility</p:attrName>
+                                        </p:attrNameLst>
+                                      </p:cBhvr>
+                                      <p:to>
+                                        <p:strVal val="visible"/>
+                                      </p:to>
+                                    </p:set>
+                                  </p:childTnLst>
+                                </p:cTn>
+                              </p:par>
+                            </p:childTnLst>
+                          </p:cTn>
+                        </p:par>
+                      </p:childTnLst>
+                    </p:cTn>
+                  </p:par>
+                  <p:par>
+                    <p:cTn id="11" fill="hold">
+                      <p:stCondLst>
+                        <p:cond delay="indefinite"/>
+                      </p:stCondLst>
+                      <p:childTnLst>
+                        <p:par>
+                          <p:cTn id="12" fill="hold">
+                            <p:stCondLst>
+                              <p:cond delay="0"/>
+                            </p:stCondLst>
+                            <p:childTnLst>
+                              <p:par>
+                                <p:cTn id="13" presetID="1" presetClass="entr" presetSubtype="0" fill="hold" grpId="0" nodeType="clickEffect">
+                                  <p:stCondLst>
+                                    <p:cond delay="0"/>
+                                  </p:stCondLst>
+                                  <p:childTnLst>
+                                    <p:set>
+                                      <p:cBhvr>
+                                        <p:cTn id="14" dur="1" fill="hold">
+                                          <p:stCondLst>
+                                            <p:cond delay="0"/>
+                                          </p:stCondLst>
+                                        </p:cTn>
+                                        <p:tgtEl>
+                                          <p:spTgt spid="10"/>
+                                        </p:tgtEl>
+                                        <p:attrNameLst>
+                                          <p:attrName>style.visibility</p:attrName>
+                                        </p:attrNameLst>
+                                      </p:cBhvr>
+                                      <p:to>
+                                        <p:strVal val="visible"/>
+                                      </p:to>
+                                    </p:set>
+                                  </p:childTnLst>
+                                </p:cTn>
+                              </p:par>
+                            </p:childTnLst>
+                          </p:cTn>
+                        </p:par>
+                      </p:childTnLst>
+                    </p:cTn>
+                  </p:par>
+                  <p:par>
+                    <p:cTn id="15" fill="hold">
+                      <p:stCondLst>
+                        <p:cond delay="indefinite"/>
+                      </p:stCondLst>
+                      <p:childTnLst>
+                        <p:par>
+                          <p:cTn id="16" fill="hold">
+                            <p:stCondLst>
+                              <p:cond delay="0"/>
+                            </p:stCondLst>
+                            <p:childTnLst>
+                              <p:par>
+                                <p:cTn id="17" presetID="1" presetClass="entr" presetSubtype="0" fill="hold" grpId="0" nodeType="clickEffect">
+                                  <p:stCondLst>
+                                    <p:cond delay="0"/>
+                                  </p:stCondLst>
+                                  <p:childTnLst>
+                                    <p:set>
+                                      <p:cBhvr>
+                                        <p:cTn id="18" dur="1" fill="hold">
+                                          <p:stCondLst>
+                                            <p:cond delay="0"/>
+                                          </p:stCondLst>
+                                        </p:cTn>
+                                        <p:tgtEl>
+                                          <p:spTgt spid="8"/>
+                                        </p:tgtEl>
+                                        <p:attrNameLst>
+                                          <p:attrName>style.visibility</p:attrName>
+                                        </p:attrNameLst>
+                                      </p:cBhvr>
+                                      <p:to>
+                                        <p:strVal val="visible"/>
+                                      </p:to>
+                                    </p:set>
+                                  </p:childTnLst>
+                                </p:cTn>
+                              </p:par>
+                            </p:childTnLst>
+                          </p:cTn>
+                        </p:par>
+                      </p:childTnLst>
+                    </p:cTn>
+                  </p:par>
+                  <p:par>
+                    <p:cTn id="19" fill="hold">
+                      <p:stCondLst>
+                        <p:cond delay="indefinite"/>
+                      </p:stCondLst>
+                      <p:childTnLst>
+                        <p:par>
+                          <p:cTn id="20" fill="hold">
+                            <p:stCondLst>
+                              <p:cond delay="0"/>
+                            </p:stCondLst>
+                            <p:childTnLst>
+                              <p:par>
+                                <p:cTn id="21" presetID="1" presetClass="entr" presetSubtype="0" fill="hold" grpId="0" nodeType="clickEffect">
+                                  <p:stCondLst>
+                                    <p:cond delay="0"/>
+                                  </p:stCondLst>
+                                  <p:childTnLst>
+                                    <p:set>
+                                      <p:cBhvr>
+                                        <p:cTn id="22" dur="1" fill="hold">
+                                          <p:stCondLst>
+                                            <p:cond delay="0"/>
+                                          </p:stCondLst>
+                                        </p:cTn>
+                                        <p:tgtEl>
+                                          <p:spTgt spid="9"/>
+                                        </p:tgtEl>
+                                        <p:attrNameLst>
+                                          <p:attrName>style.visibility</p:attrName>
+                                        </p:attrNameLst>
+                                      </p:cBhvr>
+                                      <p:to>
+                                        <p:strVal val="visible"/>
+                                      </p:to>
+                                    </p:set>
+                                  </p:childTnLst>
+                                </p:cTn>
+                              </p:par>
+                            </p:childTnLst>
+                          </p:cTn>
+                        </p:par>
+                      </p:childTnLst>
+                    </p:cTn>
+                  </p:par>
+                  <p:par>
+                    <p:cTn id="23" fill="hold">
+                      <p:stCondLst>
+                        <p:cond delay="indefinite"/>
+                      </p:stCondLst>
+                      <p:childTnLst>
+                        <p:par>
+                          <p:cTn id="24" fill="hold">
+                            <p:stCondLst>
+                              <p:cond delay="0"/>
+                            </p:stCondLst>
+                            <p:childTnLst>
+                              <p:par>
+                                <p:cTn id="25" presetID="1" presetClass="entr" presetSubtype="0" fill="hold" grpId="0" nodeType="clickEffect">
+                                  <p:stCondLst>
+                                    <p:cond delay="0"/>
+                                  </p:stCondLst>
+                                  <p:childTnLst>
+                                    <p:set>
+                                      <p:cBhvr>
+                                        <p:cTn id="26" dur="1" fill="hold">
+                                          <p:stCondLst>
+                                            <p:cond delay="0"/>
+                                          </p:stCondLst>
+                                        </p:cTn>
+                                        <p:tgtEl>
+                                          <p:spTgt spid="11"/>
+                                        </p:tgtEl>
+                                        <p:attrNameLst>
+                                          <p:attrName>style.visibility</p:attrName>
+                                        </p:attrNameLst>
+                                      </p:cBhvr>
+                                      <p:to>
+                                        <p:strVal val="visible"/>
+                                      </p:to>
+                                    </p:set>
+                                  </p:childTnLst>
+                                </p:cTn>
+                              </p:par>
+                            </p:childTnLst>
+                          </p:cTn>
+                        </p:par>
+                      </p:childTnLst>
+                    </p:cTn>
+                  </p:par>
+                  <p:par>
+                    <p:cTn id="27" fill="hold">
+                      <p:stCondLst>
+                        <p:cond delay="indefinite"/>
+                      </p:stCondLst>
+                      <p:childTnLst>
+                        <p:par>
+                          <p:cTn id="28" fill="hold">
+                            <p:stCondLst>
+                              <p:cond delay="0"/>
+                            </p:stCondLst>
+                            <p:childTnLst>
+                              <p:par>
+                                <p:cTn id="29" presetID="1" presetClass="entr" presetSubtype="0" fill="hold" grpId="0" nodeType="clickEffect">
+                                  <p:stCondLst>
+                                    <p:cond delay="0"/>
+                                  </p:stCondLst>
+                                  <p:childTnLst>
+                                    <p:set>
+                                      <p:cBhvr>
+                                        <p:cTn id="30" dur="1" fill="hold">
+                                          <p:stCondLst>
+                                            <p:cond delay="0"/>
+                                          </p:stCondLst>
+                                        </p:cTn>
+                                        <p:tgtEl>
+                                          <p:spTgt spid="12"/>
+                                        </p:tgtEl>
+                                        <p:attrNameLst>
+                                          <p:attrName>style.visibility</p:attrName>
+                                        </p:attrNameLst>
+                                      </p:cBhvr>
+                                      <p:to>
+                                        <p:strVal val="visible"/>
+                                      </p:to>
+                                    </p:set>
+                                  </p:childTnLst>
+                                </p:cTn>
+                              </p:par>
+                            </p:childTnLst>
+                          </p:cTn>
+                        </p:par>
+                      </p:childTnLst>
+                    </p:cTn>
+                  </p:par>
+                </p:childTnLst>
+              </p:cTn>
+              <p:prevCondLst>
+                <p:cond evt="onPrev" delay="0">
+                  <p:tgtEl>
+                    <p:sldTgt/>
+                  </p:tgtEl>
+                </p:cond>
+              </p:prevCondLst>
+              <p:nextCondLst>
+                <p:cond evt="onNext" delay="0">
+                  <p:tgtEl>
+                    <p:sldTgt/>
+                  </p:tgtEl>
+                </p:cond>
+              </p:nextCondLst>
+            </p:seq>
+          </p:childTnLst>
+        </p:cTn>
+      </p:par>
+    </p:tnLst>
+    <p:bldLst>
+      <p:bldP spid="6" grpId="0" animBg="1"/>
+      <p:bldP spid="8" grpId="0" animBg="1"/>
+      <p:bldP spid="9" grpId="0" animBg="1"/>
+      <p:bldP spid="10" grpId="0" animBg="1"/>
+      <p:bldP spid="11" grpId="0" animBg="1"/>
+      <p:bldP spid="12" grpId="0" animBg="1"/>
+    </p:bldLst>
+  </p:timing>
+</p:sld>
+</file>
+
+<file path=ppt/slides/slide17.xml><?xml version="1.0" encoding="utf-8"?>
+<p:sld xmlns:a="http://schemas.openxmlformats.org/drawingml/2006/main" xmlns:r="http://schemas.openxmlformats.org/officeDocument/2006/relationships" xmlns:p="http://schemas.openxmlformats.org/presentationml/2006/main">
+  <p:cSld>
+    <p:spTree>
+      <p:nvGrpSpPr>
+        <p:cNvPr id="1" name=""/>
+        <p:cNvGrpSpPr/>
+        <p:nvPr/>
+      </p:nvGrpSpPr>
+      <p:grpSpPr>
+        <a:xfrm>
+          <a:off x="0" y="0"/>
+          <a:ext cx="0" cy="0"/>
+          <a:chOff x="0" y="0"/>
+          <a:chExt cx="0" cy="0"/>
+        </a:xfrm>
+      </p:grpSpPr>
+      <p:pic>
+        <p:nvPicPr>
+          <p:cNvPr id="3" name="Picture 2"/>
+          <p:cNvPicPr>
+            <a:picLocks noChangeAspect="1"/>
+          </p:cNvPicPr>
+          <p:nvPr/>
+        </p:nvPicPr>
+        <p:blipFill>
+          <a:blip r:embed="rId2"/>
+          <a:stretch>
+            <a:fillRect/>
+          </a:stretch>
+        </p:blipFill>
+        <p:spPr>
+          <a:xfrm>
+            <a:off x="415752" y="2300574"/>
+            <a:ext cx="10383338" cy="1356617"/>
+          </a:xfrm>
+          <a:prstGeom prst="rect">
+            <a:avLst/>
+          </a:prstGeom>
+        </p:spPr>
+      </p:pic>
+      <p:sp>
+        <p:nvSpPr>
+          <p:cNvPr id="2" name="Title 1"/>
+          <p:cNvSpPr>
+            <a:spLocks noGrp="1"/>
+          </p:cNvSpPr>
+          <p:nvPr>
+            <p:ph type="title"/>
+          </p:nvPr>
+        </p:nvSpPr>
+        <p:spPr/>
+        <p:txBody>
+          <a:bodyPr/>
+          <a:lstStyle/>
+          <a:p>
+            <a:r>
+              <a:rPr lang="en-US" dirty="0"/>
+              <a:t>Some Common Commands Using </a:t>
+            </a:r>
+            <a:r>
+              <a:rPr lang="en-US" dirty="0" err="1"/>
+              <a:t>Git</a:t>
+            </a:r>
+            <a:endParaRPr lang="en-US" dirty="0"/>
+          </a:p>
+        </p:txBody>
+      </p:sp>
+      <p:sp>
+        <p:nvSpPr>
+          <p:cNvPr id="4" name="Title 1"/>
+          <p:cNvSpPr txBox="1">
+            <a:spLocks/>
+          </p:cNvSpPr>
+          <p:nvPr/>
+        </p:nvSpPr>
+        <p:spPr>
+          <a:xfrm>
+            <a:off x="677334" y="1440216"/>
+            <a:ext cx="8596668" cy="1320800"/>
+          </a:xfrm>
+          <a:prstGeom prst="rect">
+            <a:avLst/>
+          </a:prstGeom>
+        </p:spPr>
+        <p:txBody>
+          <a:bodyPr vert="horz" lIns="91440" tIns="45720" rIns="91440" bIns="45720" rtlCol="0" anchor="t">
+            <a:normAutofit/>
+          </a:bodyPr>
+          <a:lstStyle>
+            <a:lvl1pPr algn="l" defTabSz="457200" rtl="0" eaLnBrk="1" latinLnBrk="0" hangingPunct="1">
+              <a:spcBef>
+                <a:spcPct val="0"/>
+              </a:spcBef>
+              <a:buNone/>
+              <a:defRPr sz="3600" kern="1200">
+                <a:solidFill>
+                  <a:schemeClr val="accent1"/>
+                </a:solidFill>
+                <a:latin typeface="+mj-lt"/>
+                <a:ea typeface="+mj-ea"/>
+                <a:cs typeface="+mj-cs"/>
+              </a:defRPr>
+            </a:lvl1pPr>
+            <a:lvl2pPr eaLnBrk="1" hangingPunct="1">
+              <a:defRPr>
+                <a:solidFill>
+                  <a:schemeClr val="tx2"/>
+                </a:solidFill>
+              </a:defRPr>
+            </a:lvl2pPr>
+            <a:lvl3pPr eaLnBrk="1" hangingPunct="1">
+              <a:defRPr>
+                <a:solidFill>
+                  <a:schemeClr val="tx2"/>
+                </a:solidFill>
+              </a:defRPr>
+            </a:lvl3pPr>
+            <a:lvl4pPr eaLnBrk="1" hangingPunct="1">
+              <a:defRPr>
+                <a:solidFill>
+                  <a:schemeClr val="tx2"/>
+                </a:solidFill>
+              </a:defRPr>
+            </a:lvl4pPr>
+            <a:lvl5pPr eaLnBrk="1" hangingPunct="1">
+              <a:defRPr>
+                <a:solidFill>
+                  <a:schemeClr val="tx2"/>
+                </a:solidFill>
+              </a:defRPr>
+            </a:lvl5pPr>
+            <a:lvl6pPr eaLnBrk="1" hangingPunct="1">
+              <a:defRPr>
+                <a:solidFill>
+                  <a:schemeClr val="tx2"/>
+                </a:solidFill>
+              </a:defRPr>
+            </a:lvl6pPr>
+            <a:lvl7pPr eaLnBrk="1" hangingPunct="1">
+              <a:defRPr>
+                <a:solidFill>
+                  <a:schemeClr val="tx2"/>
+                </a:solidFill>
+              </a:defRPr>
+            </a:lvl7pPr>
+            <a:lvl8pPr eaLnBrk="1" hangingPunct="1">
+              <a:defRPr>
+                <a:solidFill>
+                  <a:schemeClr val="tx2"/>
+                </a:solidFill>
+              </a:defRPr>
+            </a:lvl8pPr>
+            <a:lvl9pPr eaLnBrk="1" hangingPunct="1">
+              <a:defRPr>
+                <a:solidFill>
+                  <a:schemeClr val="tx2"/>
+                </a:solidFill>
+              </a:defRPr>
+            </a:lvl9pPr>
+          </a:lstStyle>
+          <a:p>
+            <a:r>
+              <a:rPr lang="en-US" dirty="0" err="1"/>
+              <a:t>git</a:t>
+            </a:r>
+            <a:r>
+              <a:rPr lang="en-US" dirty="0"/>
+              <a:t> </a:t>
+            </a:r>
+            <a:r>
+              <a:rPr lang="en-US" dirty="0" smtClean="0"/>
+              <a:t>reset</a:t>
+            </a:r>
+            <a:endParaRPr lang="en-US" dirty="0"/>
+          </a:p>
+        </p:txBody>
+      </p:sp>
+      <p:sp>
+        <p:nvSpPr>
+          <p:cNvPr id="6" name="Rectangle 5"/>
+          <p:cNvSpPr/>
+          <p:nvPr/>
+        </p:nvSpPr>
+        <p:spPr>
+          <a:xfrm>
+            <a:off x="6657280" y="3129921"/>
+            <a:ext cx="2616722" cy="262636"/>
+          </a:xfrm>
+          <a:prstGeom prst="rect">
+            <a:avLst/>
+          </a:prstGeom>
+          <a:noFill/>
+          <a:ln>
+            <a:solidFill>
+              <a:srgbClr val="FFC000"/>
+            </a:solidFill>
+          </a:ln>
+        </p:spPr>
+        <p:style>
+          <a:lnRef idx="2">
+            <a:schemeClr val="accent6"/>
+          </a:lnRef>
+          <a:fillRef idx="1">
+            <a:schemeClr val="lt1"/>
+          </a:fillRef>
+          <a:effectRef idx="0">
+            <a:schemeClr val="accent6"/>
+          </a:effectRef>
+          <a:fontRef idx="minor">
+            <a:schemeClr val="dk1"/>
+          </a:fontRef>
+        </p:style>
+        <p:txBody>
+          <a:bodyPr rtlCol="0" anchor="ctr"/>
+          <a:lstStyle/>
+          <a:p>
+            <a:pPr algn="ctr"/>
+            <a:endParaRPr lang="en-US"/>
+          </a:p>
+        </p:txBody>
+      </p:sp>
+    </p:spTree>
+    <p:extLst>
+      <p:ext uri="{BB962C8B-B14F-4D97-AF65-F5344CB8AC3E}">
+        <p14:creationId xmlns:p14="http://schemas.microsoft.com/office/powerpoint/2010/main" val="4062664340"/>
+      </p:ext>
+    </p:extLst>
+  </p:cSld>
+  <p:clrMapOvr>
+    <a:masterClrMapping/>
+  </p:clrMapOvr>
+  <p:transition spd="slow">
+    <p:wipe/>
+  </p:transition>
+  <p:timing>
+    <p:tnLst>
+      <p:par>
+        <p:cTn id="1" dur="indefinite" restart="never" nodeType="tmRoot">
+          <p:childTnLst>
+            <p:seq concurrent="1" nextAc="seek">
+              <p:cTn id="2" dur="indefinite" nodeType="mainSeq">
+                <p:childTnLst>
+                  <p:par>
+                    <p:cTn id="3" fill="hold">
+                      <p:stCondLst>
+                        <p:cond delay="indefinite"/>
+                      </p:stCondLst>
+                      <p:childTnLst>
+                        <p:par>
+                          <p:cTn id="4" fill="hold">
+                            <p:stCondLst>
+                              <p:cond delay="0"/>
+                            </p:stCondLst>
+                            <p:childTnLst>
+                              <p:par>
+                                <p:cTn id="5" presetID="1" presetClass="entr" presetSubtype="0" fill="hold" nodeType="clickEffect">
+                                  <p:stCondLst>
+                                    <p:cond delay="0"/>
+                                  </p:stCondLst>
+                                  <p:childTnLst>
+                                    <p:set>
+                                      <p:cBhvr>
+                                        <p:cTn id="6" dur="1" fill="hold">
+                                          <p:stCondLst>
+                                            <p:cond delay="0"/>
+                                          </p:stCondLst>
+                                        </p:cTn>
+                                        <p:tgtEl>
+                                          <p:spTgt spid="3"/>
+                                        </p:tgtEl>
+                                        <p:attrNameLst>
+                                          <p:attrName>style.visibility</p:attrName>
+                                        </p:attrNameLst>
+                                      </p:cBhvr>
+                                      <p:to>
+                                        <p:strVal val="visible"/>
+                                      </p:to>
+                                    </p:set>
+                                  </p:childTnLst>
+                                </p:cTn>
+                              </p:par>
+                            </p:childTnLst>
+                          </p:cTn>
+                        </p:par>
+                      </p:childTnLst>
+                    </p:cTn>
+                  </p:par>
+                  <p:par>
+                    <p:cTn id="7" fill="hold">
+                      <p:stCondLst>
+                        <p:cond delay="indefinite"/>
+                      </p:stCondLst>
+                      <p:childTnLst>
+                        <p:par>
+                          <p:cTn id="8" fill="hold">
+                            <p:stCondLst>
+                              <p:cond delay="0"/>
+                            </p:stCondLst>
+                            <p:childTnLst>
+                              <p:par>
+                                <p:cTn id="9" presetID="1" presetClass="entr" presetSubtype="0" fill="hold" grpId="0" nodeType="clickEffect">
+                                  <p:stCondLst>
+                                    <p:cond delay="0"/>
+                                  </p:stCondLst>
+                                  <p:childTnLst>
+                                    <p:set>
+                                      <p:cBhvr>
+                                        <p:cTn id="10" dur="1" fill="hold">
+                                          <p:stCondLst>
+                                            <p:cond delay="0"/>
+                                          </p:stCondLst>
+                                        </p:cTn>
+                                        <p:tgtEl>
+                                          <p:spTgt spid="6"/>
+                                        </p:tgtEl>
+                                        <p:attrNameLst>
+                                          <p:attrName>style.visibility</p:attrName>
+                                        </p:attrNameLst>
+                                      </p:cBhvr>
+                                      <p:to>
+                                        <p:strVal val="visible"/>
+                                      </p:to>
+                                    </p:set>
+                                  </p:childTnLst>
+                                </p:cTn>
+                              </p:par>
+                            </p:childTnLst>
+                          </p:cTn>
+                        </p:par>
+                      </p:childTnLst>
+                    </p:cTn>
+                  </p:par>
+                </p:childTnLst>
+              </p:cTn>
+              <p:prevCondLst>
+                <p:cond evt="onPrev" delay="0">
+                  <p:tgtEl>
+                    <p:sldTgt/>
+                  </p:tgtEl>
+                </p:cond>
+              </p:prevCondLst>
+              <p:nextCondLst>
+                <p:cond evt="onNext" delay="0">
+                  <p:tgtEl>
+                    <p:sldTgt/>
+                  </p:tgtEl>
+                </p:cond>
+              </p:nextCondLst>
+            </p:seq>
+          </p:childTnLst>
+        </p:cTn>
+      </p:par>
+    </p:tnLst>
+    <p:bldLst>
+      <p:bldP spid="6" grpId="0" animBg="1"/>
+    </p:bldLst>
+  </p:timing>
+</p:sld>
+</file>
+
+<file path=ppt/slides/slide18.xml><?xml version="1.0" encoding="utf-8"?>
 <p:sld xmlns:a="http://schemas.openxmlformats.org/drawingml/2006/main" xmlns:r="http://schemas.openxmlformats.org/officeDocument/2006/relationships" xmlns:p="http://schemas.openxmlformats.org/presentationml/2006/main">
   <p:cSld>
     <p:spTree>
@@ -8136,7 +11298,7 @@
 </p:sld>
 </file>
 
-<file path=ppt/slides/slide14.xml><?xml version="1.0" encoding="utf-8"?>
+<file path=ppt/slides/slide19.xml><?xml version="1.0" encoding="utf-8"?>
 <p:sld xmlns:a="http://schemas.openxmlformats.org/drawingml/2006/main" xmlns:r="http://schemas.openxmlformats.org/officeDocument/2006/relationships" xmlns:p="http://schemas.openxmlformats.org/presentationml/2006/main">
   <p:cSld>
     <p:spTree>
@@ -8203,10 +11365,121 @@
   <p:transition spd="slow">
     <p:wipe/>
   </p:transition>
+  <p:timing>
+    <p:tnLst>
+      <p:par>
+        <p:cTn id="1" dur="indefinite" restart="never" nodeType="tmRoot"/>
+      </p:par>
+    </p:tnLst>
+  </p:timing>
 </p:sld>
 </file>
 
 <file path=ppt/slides/slide2.xml><?xml version="1.0" encoding="utf-8"?>
+<p:sld xmlns:a="http://schemas.openxmlformats.org/drawingml/2006/main" xmlns:r="http://schemas.openxmlformats.org/officeDocument/2006/relationships" xmlns:p="http://schemas.openxmlformats.org/presentationml/2006/main">
+  <p:cSld>
+    <p:spTree>
+      <p:nvGrpSpPr>
+        <p:cNvPr id="1" name=""/>
+        <p:cNvGrpSpPr/>
+        <p:nvPr/>
+      </p:nvGrpSpPr>
+      <p:grpSpPr>
+        <a:xfrm>
+          <a:off x="0" y="0"/>
+          <a:ext cx="0" cy="0"/>
+          <a:chOff x="0" y="0"/>
+          <a:chExt cx="0" cy="0"/>
+        </a:xfrm>
+      </p:grpSpPr>
+      <p:sp>
+        <p:nvSpPr>
+          <p:cNvPr id="2" name="Title 1"/>
+          <p:cNvSpPr>
+            <a:spLocks noGrp="1"/>
+          </p:cNvSpPr>
+          <p:nvPr>
+            <p:ph type="title"/>
+          </p:nvPr>
+        </p:nvSpPr>
+        <p:spPr/>
+        <p:txBody>
+          <a:bodyPr/>
+          <a:lstStyle/>
+          <a:p>
+            <a:r>
+              <a:rPr lang="en-US" dirty="0" smtClean="0"/>
+              <a:t>Summary</a:t>
+            </a:r>
+            <a:endParaRPr lang="en-US" dirty="0"/>
+          </a:p>
+        </p:txBody>
+      </p:sp>
+      <p:sp>
+        <p:nvSpPr>
+          <p:cNvPr id="3" name="Content Placeholder 2"/>
+          <p:cNvSpPr>
+            <a:spLocks noGrp="1"/>
+          </p:cNvSpPr>
+          <p:nvPr>
+            <p:ph idx="1"/>
+          </p:nvPr>
+        </p:nvSpPr>
+        <p:spPr/>
+        <p:txBody>
+          <a:bodyPr/>
+          <a:lstStyle/>
+          <a:p>
+            <a:r>
+              <a:rPr lang="en-US" dirty="0" smtClean="0"/>
+              <a:t>What is Version Control- an example</a:t>
+            </a:r>
+          </a:p>
+          <a:p>
+            <a:r>
+              <a:rPr lang="en-US" dirty="0" smtClean="0"/>
+              <a:t>Common Terminology</a:t>
+            </a:r>
+          </a:p>
+          <a:p>
+            <a:r>
+              <a:rPr lang="en-US" dirty="0" smtClean="0"/>
+              <a:t>Some Common Commands Using </a:t>
+            </a:r>
+            <a:r>
+              <a:rPr lang="en-US" dirty="0" err="1" smtClean="0"/>
+              <a:t>Git</a:t>
+            </a:r>
+            <a:endParaRPr lang="en-US" dirty="0" smtClean="0"/>
+          </a:p>
+          <a:p>
+            <a:r>
+              <a:rPr lang="en-US" dirty="0" smtClean="0"/>
+              <a:t>Wrap Up</a:t>
+            </a:r>
+          </a:p>
+          <a:p>
+            <a:endParaRPr lang="en-US" dirty="0" smtClean="0"/>
+          </a:p>
+        </p:txBody>
+      </p:sp>
+    </p:spTree>
+    <p:extLst>
+      <p:ext uri="{BB962C8B-B14F-4D97-AF65-F5344CB8AC3E}">
+        <p14:creationId xmlns:p14="http://schemas.microsoft.com/office/powerpoint/2010/main" val="2390863131"/>
+      </p:ext>
+    </p:extLst>
+  </p:cSld>
+  <p:clrMapOvr>
+    <a:masterClrMapping/>
+  </p:clrMapOvr>
+  <p:transition spd="slow">
+    <p:wipe/>
+  </p:transition>
+</p:sld>
+</file>
+
+<file path=ppt/slides/slide3.xml><?xml version="1.0" encoding="utf-8"?>
 <p:sld xmlns:a="http://schemas.openxmlformats.org/drawingml/2006/main" xmlns:r="http://schemas.openxmlformats.org/officeDocument/2006/relationships" xmlns:p="http://schemas.openxmlformats.org/presentationml/2006/main">
   <p:cSld>
     <p:spTree>
@@ -8892,7 +12165,7 @@
 </p:sld>
 </file>
 
-<file path=ppt/slides/slide3.xml><?xml version="1.0" encoding="utf-8"?>
+<file path=ppt/slides/slide4.xml><?xml version="1.0" encoding="utf-8"?>
 <p:sld xmlns:a="http://schemas.openxmlformats.org/drawingml/2006/main" xmlns:r="http://schemas.openxmlformats.org/officeDocument/2006/relationships" xmlns:p="http://schemas.openxmlformats.org/presentationml/2006/main">
   <p:cSld>
     <p:spTree>
@@ -9258,11 +12531,7 @@
           </a:p>
           <a:p>
             <a:r>
-              <a:rPr lang="en-US" dirty="0">
-                <a:solidFill>
-                  <a:srgbClr val="FF0000"/>
-                </a:solidFill>
-              </a:rPr>
+              <a:rPr lang="en-US" dirty="0"/>
               <a:t>student = “John”;</a:t>
             </a:r>
           </a:p>
@@ -9782,7 +13051,7 @@
 </p:sld>
 </file>
 
-<file path=ppt/slides/slide4.xml><?xml version="1.0" encoding="utf-8"?>
+<file path=ppt/slides/slide5.xml><?xml version="1.0" encoding="utf-8"?>
 <p:sld xmlns:a="http://schemas.openxmlformats.org/drawingml/2006/main" xmlns:r="http://schemas.openxmlformats.org/officeDocument/2006/relationships" xmlns:p="http://schemas.openxmlformats.org/presentationml/2006/main">
   <p:cSld>
     <p:spTree>
@@ -10190,7 +13459,7 @@
 </p:sld>
 </file>
 
-<file path=ppt/slides/slide5.xml><?xml version="1.0" encoding="utf-8"?>
+<file path=ppt/slides/slide6.xml><?xml version="1.0" encoding="utf-8"?>
 <p:sld xmlns:a="http://schemas.openxmlformats.org/drawingml/2006/main" xmlns:r="http://schemas.openxmlformats.org/officeDocument/2006/relationships" xmlns:p="http://schemas.openxmlformats.org/presentationml/2006/main">
   <p:cSld>
     <p:spTree>
@@ -10357,7 +13626,7 @@
 </p:sld>
 </file>
 
-<file path=ppt/slides/slide6.xml><?xml version="1.0" encoding="utf-8"?>
+<file path=ppt/slides/slide7.xml><?xml version="1.0" encoding="utf-8"?>
 <p:sld xmlns:a="http://schemas.openxmlformats.org/drawingml/2006/main" xmlns:r="http://schemas.openxmlformats.org/officeDocument/2006/relationships" xmlns:p="http://schemas.openxmlformats.org/presentationml/2006/main">
   <p:cSld>
     <p:spTree>
@@ -10798,7 +14067,7 @@
 </p:sld>
 </file>
 
-<file path=ppt/slides/slide7.xml><?xml version="1.0" encoding="utf-8"?>
+<file path=ppt/slides/slide8.xml><?xml version="1.0" encoding="utf-8"?>
 <p:sld xmlns:a="http://schemas.openxmlformats.org/drawingml/2006/main" xmlns:r="http://schemas.openxmlformats.org/officeDocument/2006/relationships" xmlns:p="http://schemas.openxmlformats.org/presentationml/2006/main">
   <p:cSld>
     <p:spTree>
@@ -10850,7 +14119,7 @@
         <p:spPr/>
         <p:txBody>
           <a:bodyPr>
-            <a:normAutofit fontScale="92500" lnSpcReduction="20000"/>
+            <a:normAutofit/>
           </a:bodyPr>
           <a:lstStyle/>
           <a:p>
@@ -10910,34 +14179,13 @@
             <a:pPr lvl="1"/>
             <a:r>
               <a:rPr lang="en-US" dirty="0"/>
-              <a:t>Code that is being changed currently. Changes based on the branch.</a:t>
-            </a:r>
-          </a:p>
-          <a:p>
-            <a:r>
-              <a:rPr lang="en-US" dirty="0"/>
-              <a:t>Commit</a:t>
-            </a:r>
-          </a:p>
-          <a:p>
-            <a:pPr lvl="1"/>
-            <a:r>
-              <a:rPr lang="en-US" dirty="0"/>
-              <a:t>Save changes to a branch</a:t>
-            </a:r>
-          </a:p>
-          <a:p>
-            <a:r>
-              <a:rPr lang="en-US" dirty="0"/>
-              <a:t>Merge</a:t>
-            </a:r>
-          </a:p>
-          <a:p>
-            <a:pPr lvl="1"/>
-            <a:r>
-              <a:rPr lang="en-US" dirty="0"/>
-              <a:t>Combine branches</a:t>
-            </a:r>
+              <a:t>Code that is being changed currently. Changes based on the branch</a:t>
+            </a:r>
+            <a:r>
+              <a:rPr lang="en-US" dirty="0" smtClean="0"/>
+              <a:t>.</a:t>
+            </a:r>
+            <a:endParaRPr lang="en-US" dirty="0"/>
           </a:p>
         </p:txBody>
       </p:sp>
@@ -11282,166 +14530,6 @@
                       </p:childTnLst>
                     </p:cTn>
                   </p:par>
-                  <p:par>
-                    <p:cTn id="27" fill="hold">
-                      <p:stCondLst>
-                        <p:cond delay="indefinite"/>
-                      </p:stCondLst>
-                      <p:childTnLst>
-                        <p:par>
-                          <p:cTn id="28" fill="hold">
-                            <p:stCondLst>
-                              <p:cond delay="0"/>
-                            </p:stCondLst>
-                            <p:childTnLst>
-                              <p:par>
-                                <p:cTn id="29" presetID="1" presetClass="entr" presetSubtype="0" fill="hold" grpId="0" nodeType="clickEffect">
-                                  <p:stCondLst>
-                                    <p:cond delay="0"/>
-                                  </p:stCondLst>
-                                  <p:childTnLst>
-                                    <p:set>
-                                      <p:cBhvr>
-                                        <p:cTn id="30" dur="1" fill="hold">
-                                          <p:stCondLst>
-                                            <p:cond delay="0"/>
-                                          </p:stCondLst>
-                                        </p:cTn>
-                                        <p:tgtEl>
-                                          <p:spTgt spid="3">
-                                            <p:txEl>
-                                              <p:pRg st="8" end="8"/>
-                                            </p:txEl>
-                                          </p:spTgt>
-                                        </p:tgtEl>
-                                        <p:attrNameLst>
-                                          <p:attrName>style.visibility</p:attrName>
-                                        </p:attrNameLst>
-                                      </p:cBhvr>
-                                      <p:to>
-                                        <p:strVal val="visible"/>
-                                      </p:to>
-                                    </p:set>
-                                  </p:childTnLst>
-                                </p:cTn>
-                              </p:par>
-                              <p:par>
-                                <p:cTn id="31" presetID="1" presetClass="entr" presetSubtype="0" fill="hold" grpId="0" nodeType="withEffect">
-                                  <p:stCondLst>
-                                    <p:cond delay="0"/>
-                                  </p:stCondLst>
-                                  <p:childTnLst>
-                                    <p:set>
-                                      <p:cBhvr>
-                                        <p:cTn id="32" dur="1" fill="hold">
-                                          <p:stCondLst>
-                                            <p:cond delay="0"/>
-                                          </p:stCondLst>
-                                        </p:cTn>
-                                        <p:tgtEl>
-                                          <p:spTgt spid="3">
-                                            <p:txEl>
-                                              <p:pRg st="9" end="9"/>
-                                            </p:txEl>
-                                          </p:spTgt>
-                                        </p:tgtEl>
-                                        <p:attrNameLst>
-                                          <p:attrName>style.visibility</p:attrName>
-                                        </p:attrNameLst>
-                                      </p:cBhvr>
-                                      <p:to>
-                                        <p:strVal val="visible"/>
-                                      </p:to>
-                                    </p:set>
-                                  </p:childTnLst>
-                                </p:cTn>
-                              </p:par>
-                            </p:childTnLst>
-                          </p:cTn>
-                        </p:par>
-                      </p:childTnLst>
-                    </p:cTn>
-                  </p:par>
-                  <p:par>
-                    <p:cTn id="33" fill="hold">
-                      <p:stCondLst>
-                        <p:cond delay="indefinite"/>
-                      </p:stCondLst>
-                      <p:childTnLst>
-                        <p:par>
-                          <p:cTn id="34" fill="hold">
-                            <p:stCondLst>
-                              <p:cond delay="0"/>
-                            </p:stCondLst>
-                            <p:childTnLst>
-                              <p:par>
-                                <p:cTn id="35" presetID="1" presetClass="entr" presetSubtype="0" fill="hold" grpId="0" nodeType="clickEffect">
-                                  <p:stCondLst>
-                                    <p:cond delay="0"/>
-                                  </p:stCondLst>
-                                  <p:childTnLst>
-                                    <p:set>
-                                      <p:cBhvr>
-                                        <p:cTn id="36" dur="1" fill="hold">
-                                          <p:stCondLst>
-                                            <p:cond delay="0"/>
-                                          </p:stCondLst>
-                                        </p:cTn>
-                                        <p:tgtEl>
-                                          <p:spTgt spid="3">
-                                            <p:txEl>
-                                              <p:pRg st="10" end="10"/>
-                                            </p:txEl>
-                                          </p:spTgt>
-                                        </p:tgtEl>
-                                        <p:attrNameLst>
-                                          <p:attrName>style.visibility</p:attrName>
-                                        </p:attrNameLst>
-                                      </p:cBhvr>
-                                      <p:to>
-                                        <p:strVal val="visible"/>
-                                      </p:to>
-                                    </p:set>
-                                  </p:childTnLst>
-                                </p:cTn>
-                              </p:par>
-                              <p:par>
-                                <p:cTn id="37" presetID="1" presetClass="entr" presetSubtype="0" fill="hold" grpId="0" nodeType="withEffect">
-                                  <p:stCondLst>
-                                    <p:cond delay="0"/>
-                                  </p:stCondLst>
-                                  <p:childTnLst>
-                                    <p:set>
-                                      <p:cBhvr>
-                                        <p:cTn id="38" dur="1" fill="hold">
-                                          <p:stCondLst>
-                                            <p:cond delay="0"/>
-                                          </p:stCondLst>
-                                        </p:cTn>
-                                        <p:tgtEl>
-                                          <p:spTgt spid="3">
-                                            <p:txEl>
-                                              <p:pRg st="11" end="11"/>
-                                            </p:txEl>
-                                          </p:spTgt>
-                                        </p:tgtEl>
-                                        <p:attrNameLst>
-                                          <p:attrName>style.visibility</p:attrName>
-                                        </p:attrNameLst>
-                                      </p:cBhvr>
-                                      <p:to>
-                                        <p:strVal val="visible"/>
-                                      </p:to>
-                                    </p:set>
-                                  </p:childTnLst>
-                                </p:cTn>
-                              </p:par>
-                            </p:childTnLst>
-                          </p:cTn>
-                        </p:par>
-                      </p:childTnLst>
-                    </p:cTn>
-                  </p:par>
                 </p:childTnLst>
               </p:cTn>
               <p:prevCondLst>
@@ -11470,346 +14558,6 @@
 </p:sld>
 </file>
 
-<file path=ppt/slides/slide8.xml><?xml version="1.0" encoding="utf-8"?>
-<p:sld xmlns:a="http://schemas.openxmlformats.org/drawingml/2006/main" xmlns:r="http://schemas.openxmlformats.org/officeDocument/2006/relationships" xmlns:p="http://schemas.openxmlformats.org/presentationml/2006/main">
-  <p:cSld>
-    <p:spTree>
-      <p:nvGrpSpPr>
-        <p:cNvPr id="1" name=""/>
-        <p:cNvGrpSpPr/>
-        <p:nvPr/>
-      </p:nvGrpSpPr>
-      <p:grpSpPr>
-        <a:xfrm>
-          <a:off x="0" y="0"/>
-          <a:ext cx="0" cy="0"/>
-          <a:chOff x="0" y="0"/>
-          <a:chExt cx="0" cy="0"/>
-        </a:xfrm>
-      </p:grpSpPr>
-      <p:pic>
-        <p:nvPicPr>
-          <p:cNvPr id="7" name="Picture 6"/>
-          <p:cNvPicPr>
-            <a:picLocks noChangeAspect="1"/>
-          </p:cNvPicPr>
-          <p:nvPr/>
-        </p:nvPicPr>
-        <p:blipFill rotWithShape="1">
-          <a:blip r:embed="rId2"/>
-          <a:srcRect r="40068" b="74129"/>
-          <a:stretch/>
-        </p:blipFill>
-        <p:spPr>
-          <a:xfrm>
-            <a:off x="410294" y="2461261"/>
-            <a:ext cx="10505970" cy="1472938"/>
-          </a:xfrm>
-          <a:prstGeom prst="rect">
-            <a:avLst/>
-          </a:prstGeom>
-        </p:spPr>
-      </p:pic>
-      <p:sp>
-        <p:nvSpPr>
-          <p:cNvPr id="2" name="Title 1"/>
-          <p:cNvSpPr>
-            <a:spLocks noGrp="1"/>
-          </p:cNvSpPr>
-          <p:nvPr>
-            <p:ph type="title"/>
-          </p:nvPr>
-        </p:nvSpPr>
-        <p:spPr/>
-        <p:txBody>
-          <a:bodyPr/>
-          <a:lstStyle/>
-          <a:p>
-            <a:r>
-              <a:rPr lang="en-US" dirty="0"/>
-              <a:t>Some Common Commands Using </a:t>
-            </a:r>
-            <a:r>
-              <a:rPr lang="en-US" dirty="0" err="1"/>
-              <a:t>Git</a:t>
-            </a:r>
-            <a:endParaRPr lang="en-US" dirty="0"/>
-          </a:p>
-        </p:txBody>
-      </p:sp>
-      <p:sp>
-        <p:nvSpPr>
-          <p:cNvPr id="5" name="Rectangle 4"/>
-          <p:cNvSpPr/>
-          <p:nvPr/>
-        </p:nvSpPr>
-        <p:spPr>
-          <a:xfrm>
-            <a:off x="410294" y="3475615"/>
-            <a:ext cx="8004836" cy="379529"/>
-          </a:xfrm>
-          <a:prstGeom prst="rect">
-            <a:avLst/>
-          </a:prstGeom>
-          <a:noFill/>
-          <a:ln>
-            <a:solidFill>
-              <a:srgbClr val="FFC000"/>
-            </a:solidFill>
-          </a:ln>
-        </p:spPr>
-        <p:style>
-          <a:lnRef idx="2">
-            <a:schemeClr val="accent6"/>
-          </a:lnRef>
-          <a:fillRef idx="1">
-            <a:schemeClr val="lt1"/>
-          </a:fillRef>
-          <a:effectRef idx="0">
-            <a:schemeClr val="accent6"/>
-          </a:effectRef>
-          <a:fontRef idx="minor">
-            <a:schemeClr val="dk1"/>
-          </a:fontRef>
-        </p:style>
-        <p:txBody>
-          <a:bodyPr rtlCol="0" anchor="ctr"/>
-          <a:lstStyle/>
-          <a:p>
-            <a:pPr algn="ctr"/>
-            <a:endParaRPr lang="en-US"/>
-          </a:p>
-        </p:txBody>
-      </p:sp>
-      <p:sp>
-        <p:nvSpPr>
-          <p:cNvPr id="6" name="Rectangle 5"/>
-          <p:cNvSpPr/>
-          <p:nvPr/>
-        </p:nvSpPr>
-        <p:spPr>
-          <a:xfrm>
-            <a:off x="8574966" y="3475615"/>
-            <a:ext cx="1589450" cy="392781"/>
-          </a:xfrm>
-          <a:prstGeom prst="rect">
-            <a:avLst/>
-          </a:prstGeom>
-          <a:noFill/>
-          <a:ln>
-            <a:solidFill>
-              <a:srgbClr val="FFC000"/>
-            </a:solidFill>
-          </a:ln>
-        </p:spPr>
-        <p:style>
-          <a:lnRef idx="2">
-            <a:schemeClr val="accent6"/>
-          </a:lnRef>
-          <a:fillRef idx="1">
-            <a:schemeClr val="lt1"/>
-          </a:fillRef>
-          <a:effectRef idx="0">
-            <a:schemeClr val="accent6"/>
-          </a:effectRef>
-          <a:fontRef idx="minor">
-            <a:schemeClr val="dk1"/>
-          </a:fontRef>
-        </p:style>
-        <p:txBody>
-          <a:bodyPr rtlCol="0" anchor="ctr"/>
-          <a:lstStyle/>
-          <a:p>
-            <a:pPr algn="ctr"/>
-            <a:endParaRPr lang="en-US"/>
-          </a:p>
-        </p:txBody>
-      </p:sp>
-    </p:spTree>
-    <p:extLst>
-      <p:ext uri="{BB962C8B-B14F-4D97-AF65-F5344CB8AC3E}">
-        <p14:creationId xmlns:p14="http://schemas.microsoft.com/office/powerpoint/2010/main" val="1067232751"/>
-      </p:ext>
-    </p:extLst>
-  </p:cSld>
-  <p:clrMapOvr>
-    <a:masterClrMapping/>
-  </p:clrMapOvr>
-  <p:transition spd="slow">
-    <p:wipe/>
-  </p:transition>
-  <p:timing>
-    <p:tnLst>
-      <p:par>
-        <p:cTn id="1" dur="indefinite" restart="never" nodeType="tmRoot">
-          <p:childTnLst>
-            <p:seq concurrent="1" nextAc="seek">
-              <p:cTn id="2" dur="indefinite" nodeType="mainSeq">
-                <p:childTnLst>
-                  <p:par>
-                    <p:cTn id="3" fill="hold">
-                      <p:stCondLst>
-                        <p:cond delay="indefinite"/>
-                      </p:stCondLst>
-                      <p:childTnLst>
-                        <p:par>
-                          <p:cTn id="4" fill="hold">
-                            <p:stCondLst>
-                              <p:cond delay="0"/>
-                            </p:stCondLst>
-                            <p:childTnLst>
-                              <p:par>
-                                <p:cTn id="5" presetID="1" presetClass="entr" presetSubtype="0" fill="hold" nodeType="clickEffect">
-                                  <p:stCondLst>
-                                    <p:cond delay="0"/>
-                                  </p:stCondLst>
-                                  <p:childTnLst>
-                                    <p:set>
-                                      <p:cBhvr>
-                                        <p:cTn id="6" dur="1" fill="hold">
-                                          <p:stCondLst>
-                                            <p:cond delay="0"/>
-                                          </p:stCondLst>
-                                        </p:cTn>
-                                        <p:tgtEl>
-                                          <p:spTgt spid="7"/>
-                                        </p:tgtEl>
-                                        <p:attrNameLst>
-                                          <p:attrName>style.visibility</p:attrName>
-                                        </p:attrNameLst>
-                                      </p:cBhvr>
-                                      <p:to>
-                                        <p:strVal val="visible"/>
-                                      </p:to>
-                                    </p:set>
-                                  </p:childTnLst>
-                                </p:cTn>
-                              </p:par>
-                            </p:childTnLst>
-                          </p:cTn>
-                        </p:par>
-                      </p:childTnLst>
-                    </p:cTn>
-                  </p:par>
-                  <p:par>
-                    <p:cTn id="7" fill="hold">
-                      <p:stCondLst>
-                        <p:cond delay="indefinite"/>
-                      </p:stCondLst>
-                      <p:childTnLst>
-                        <p:par>
-                          <p:cTn id="8" fill="hold">
-                            <p:stCondLst>
-                              <p:cond delay="0"/>
-                            </p:stCondLst>
-                            <p:childTnLst>
-                              <p:par>
-                                <p:cTn id="9" presetID="1" presetClass="entr" presetSubtype="0" fill="hold" grpId="0" nodeType="clickEffect">
-                                  <p:stCondLst>
-                                    <p:cond delay="0"/>
-                                  </p:stCondLst>
-                                  <p:childTnLst>
-                                    <p:set>
-                                      <p:cBhvr>
-                                        <p:cTn id="10" dur="1" fill="hold">
-                                          <p:stCondLst>
-                                            <p:cond delay="0"/>
-                                          </p:stCondLst>
-                                        </p:cTn>
-                                        <p:tgtEl>
-                                          <p:spTgt spid="5"/>
-                                        </p:tgtEl>
-                                        <p:attrNameLst>
-                                          <p:attrName>style.visibility</p:attrName>
-                                        </p:attrNameLst>
-                                      </p:cBhvr>
-                                      <p:to>
-                                        <p:strVal val="visible"/>
-                                      </p:to>
-                                    </p:set>
-                                  </p:childTnLst>
-                                </p:cTn>
-                              </p:par>
-                            </p:childTnLst>
-                          </p:cTn>
-                        </p:par>
-                      </p:childTnLst>
-                    </p:cTn>
-                  </p:par>
-                  <p:par>
-                    <p:cTn id="11" fill="hold">
-                      <p:stCondLst>
-                        <p:cond delay="indefinite"/>
-                      </p:stCondLst>
-                      <p:childTnLst>
-                        <p:par>
-                          <p:cTn id="12" fill="hold">
-                            <p:stCondLst>
-                              <p:cond delay="0"/>
-                            </p:stCondLst>
-                            <p:childTnLst>
-                              <p:par>
-                                <p:cTn id="13" presetID="1" presetClass="entr" presetSubtype="0" fill="hold" grpId="0" nodeType="clickEffect">
-                                  <p:stCondLst>
-                                    <p:cond delay="0"/>
-                                  </p:stCondLst>
-                                  <p:childTnLst>
-                                    <p:set>
-                                      <p:cBhvr>
-                                        <p:cTn id="14" dur="1" fill="hold">
-                                          <p:stCondLst>
-                                            <p:cond delay="0"/>
-                                          </p:stCondLst>
-                                        </p:cTn>
-                                        <p:tgtEl>
-                                          <p:spTgt spid="6"/>
-                                        </p:tgtEl>
-                                        <p:attrNameLst>
-                                          <p:attrName>style.visibility</p:attrName>
-                                        </p:attrNameLst>
-                                      </p:cBhvr>
-                                      <p:to>
-                                        <p:strVal val="visible"/>
-                                      </p:to>
-                                    </p:set>
-                                  </p:childTnLst>
-                                </p:cTn>
-                              </p:par>
-                            </p:childTnLst>
-                          </p:cTn>
-                        </p:par>
-                      </p:childTnLst>
-                    </p:cTn>
-                  </p:par>
-                </p:childTnLst>
-              </p:cTn>
-              <p:prevCondLst>
-                <p:cond evt="onPrev" delay="0">
-                  <p:tgtEl>
-                    <p:sldTgt/>
-                  </p:tgtEl>
-                </p:cond>
-              </p:prevCondLst>
-              <p:nextCondLst>
-                <p:cond evt="onNext" delay="0">
-                  <p:tgtEl>
-                    <p:sldTgt/>
-                  </p:tgtEl>
-                </p:cond>
-              </p:nextCondLst>
-            </p:seq>
-          </p:childTnLst>
-        </p:cTn>
-      </p:par>
-    </p:tnLst>
-    <p:bldLst>
-      <p:bldP spid="5" grpId="0" animBg="1"/>
-      <p:bldP spid="6" grpId="0" animBg="1"/>
-    </p:bldLst>
-  </p:timing>
-</p:sld>
-</file>
-
 <file path=ppt/slides/slide9.xml><?xml version="1.0" encoding="utf-8"?>
 <p:sld xmlns:a="http://schemas.openxmlformats.org/drawingml/2006/main" xmlns:r="http://schemas.openxmlformats.org/officeDocument/2006/relationships" xmlns:p="http://schemas.openxmlformats.org/presentationml/2006/main">
   <p:cSld>
@@ -11827,30 +14575,6 @@
           <a:chExt cx="0" cy="0"/>
         </a:xfrm>
       </p:grpSpPr>
-      <p:pic>
-        <p:nvPicPr>
-          <p:cNvPr id="9" name="Picture 8"/>
-          <p:cNvPicPr>
-            <a:picLocks noChangeAspect="1"/>
-          </p:cNvPicPr>
-          <p:nvPr/>
-        </p:nvPicPr>
-        <p:blipFill>
-          <a:blip r:embed="rId2"/>
-          <a:stretch>
-            <a:fillRect/>
-          </a:stretch>
-        </p:blipFill>
-        <p:spPr>
-          <a:xfrm>
-            <a:off x="536437" y="2286003"/>
-            <a:ext cx="11119126" cy="3611220"/>
-          </a:xfrm>
-          <a:prstGeom prst="rect">
-            <a:avLst/>
-          </a:prstGeom>
-        </p:spPr>
-      </p:pic>
       <p:sp>
         <p:nvSpPr>
           <p:cNvPr id="2" name="Title 1"/>
@@ -11868,11 +14592,11 @@
           <a:p>
             <a:r>
               <a:rPr lang="en-US" dirty="0"/>
-              <a:t>Some Common Commands Using </a:t>
-            </a:r>
-            <a:r>
-              <a:rPr lang="en-US" dirty="0" err="1"/>
-              <a:t>Git</a:t>
+              <a:t>Common </a:t>
+            </a:r>
+            <a:r>
+              <a:rPr lang="en-US" dirty="0" smtClean="0"/>
+              <a:t>Terminology (continued)</a:t>
             </a:r>
             <a:endParaRPr lang="en-US" dirty="0"/>
           </a:p>
@@ -11880,377 +14604,66 @@
       </p:sp>
       <p:sp>
         <p:nvSpPr>
-          <p:cNvPr id="5" name="Title 1"/>
-          <p:cNvSpPr txBox="1">
-            <a:spLocks/>
+          <p:cNvPr id="3" name="Content Placeholder 2"/>
+          <p:cNvSpPr>
+            <a:spLocks noGrp="1"/>
           </p:cNvSpPr>
-          <p:nvPr/>
-        </p:nvSpPr>
-        <p:spPr>
-          <a:xfrm>
-            <a:off x="677334" y="1440216"/>
-            <a:ext cx="8596668" cy="1320800"/>
-          </a:xfrm>
-          <a:prstGeom prst="rect">
-            <a:avLst/>
-          </a:prstGeom>
-        </p:spPr>
-        <p:txBody>
-          <a:bodyPr vert="horz" lIns="91440" tIns="45720" rIns="91440" bIns="45720" rtlCol="0" anchor="t">
-            <a:normAutofit/>
-          </a:bodyPr>
-          <a:lstStyle>
-            <a:lvl1pPr algn="l" defTabSz="457200" rtl="0" eaLnBrk="1" latinLnBrk="0" hangingPunct="1">
-              <a:spcBef>
-                <a:spcPct val="0"/>
-              </a:spcBef>
-              <a:buNone/>
-              <a:defRPr sz="3600" kern="1200">
-                <a:solidFill>
-                  <a:schemeClr val="accent1"/>
-                </a:solidFill>
-                <a:latin typeface="+mj-lt"/>
-                <a:ea typeface="+mj-ea"/>
-                <a:cs typeface="+mj-cs"/>
-              </a:defRPr>
-            </a:lvl1pPr>
-            <a:lvl2pPr eaLnBrk="1" hangingPunct="1">
-              <a:defRPr>
-                <a:solidFill>
-                  <a:schemeClr val="tx2"/>
-                </a:solidFill>
-              </a:defRPr>
-            </a:lvl2pPr>
-            <a:lvl3pPr eaLnBrk="1" hangingPunct="1">
-              <a:defRPr>
-                <a:solidFill>
-                  <a:schemeClr val="tx2"/>
-                </a:solidFill>
-              </a:defRPr>
-            </a:lvl3pPr>
-            <a:lvl4pPr eaLnBrk="1" hangingPunct="1">
-              <a:defRPr>
-                <a:solidFill>
-                  <a:schemeClr val="tx2"/>
-                </a:solidFill>
-              </a:defRPr>
-            </a:lvl4pPr>
-            <a:lvl5pPr eaLnBrk="1" hangingPunct="1">
-              <a:defRPr>
-                <a:solidFill>
-                  <a:schemeClr val="tx2"/>
-                </a:solidFill>
-              </a:defRPr>
-            </a:lvl5pPr>
-            <a:lvl6pPr eaLnBrk="1" hangingPunct="1">
-              <a:defRPr>
-                <a:solidFill>
-                  <a:schemeClr val="tx2"/>
-                </a:solidFill>
-              </a:defRPr>
-            </a:lvl6pPr>
-            <a:lvl7pPr eaLnBrk="1" hangingPunct="1">
-              <a:defRPr>
-                <a:solidFill>
-                  <a:schemeClr val="tx2"/>
-                </a:solidFill>
-              </a:defRPr>
-            </a:lvl7pPr>
-            <a:lvl8pPr eaLnBrk="1" hangingPunct="1">
-              <a:defRPr>
-                <a:solidFill>
-                  <a:schemeClr val="tx2"/>
-                </a:solidFill>
-              </a:defRPr>
-            </a:lvl8pPr>
-            <a:lvl9pPr eaLnBrk="1" hangingPunct="1">
-              <a:defRPr>
-                <a:solidFill>
-                  <a:schemeClr val="tx2"/>
-                </a:solidFill>
-              </a:defRPr>
-            </a:lvl9pPr>
-          </a:lstStyle>
-          <a:p>
-            <a:r>
-              <a:rPr lang="en-US" dirty="0" err="1"/>
-              <a:t>git</a:t>
-            </a:r>
+          <p:nvPr>
+            <p:ph idx="1"/>
+          </p:nvPr>
+        </p:nvSpPr>
+        <p:spPr/>
+        <p:txBody>
+          <a:bodyPr/>
+          <a:lstStyle/>
+          <a:p>
             <a:r>
               <a:rPr lang="en-US" dirty="0"/>
-              <a:t> diff</a:t>
-            </a:r>
-          </a:p>
-        </p:txBody>
-      </p:sp>
-      <p:sp>
-        <p:nvSpPr>
-          <p:cNvPr id="6" name="Rectangle 5"/>
-          <p:cNvSpPr/>
-          <p:nvPr/>
-        </p:nvSpPr>
-        <p:spPr>
-          <a:xfrm>
-            <a:off x="5693462" y="2955235"/>
-            <a:ext cx="1012138" cy="231428"/>
-          </a:xfrm>
-          <a:prstGeom prst="rect">
-            <a:avLst/>
-          </a:prstGeom>
-          <a:noFill/>
-          <a:ln>
-            <a:solidFill>
-              <a:srgbClr val="FFC000"/>
-            </a:solidFill>
-          </a:ln>
-        </p:spPr>
-        <p:style>
-          <a:lnRef idx="2">
-            <a:schemeClr val="accent6"/>
-          </a:lnRef>
-          <a:fillRef idx="1">
-            <a:schemeClr val="lt1"/>
-          </a:fillRef>
-          <a:effectRef idx="0">
-            <a:schemeClr val="accent6"/>
-          </a:effectRef>
-          <a:fontRef idx="minor">
-            <a:schemeClr val="dk1"/>
-          </a:fontRef>
-        </p:style>
-        <p:txBody>
-          <a:bodyPr rtlCol="0" anchor="ctr"/>
-          <a:lstStyle/>
-          <a:p>
-            <a:pPr algn="ctr"/>
-            <a:endParaRPr lang="en-US"/>
-          </a:p>
-        </p:txBody>
-      </p:sp>
-      <p:sp>
-        <p:nvSpPr>
-          <p:cNvPr id="7" name="Rectangle 6"/>
-          <p:cNvSpPr/>
-          <p:nvPr/>
-        </p:nvSpPr>
-        <p:spPr>
-          <a:xfrm>
-            <a:off x="1815547" y="3186662"/>
-            <a:ext cx="1934817" cy="182285"/>
-          </a:xfrm>
-          <a:prstGeom prst="rect">
-            <a:avLst/>
-          </a:prstGeom>
-          <a:noFill/>
-          <a:ln>
-            <a:solidFill>
-              <a:srgbClr val="FFC000"/>
-            </a:solidFill>
-          </a:ln>
-        </p:spPr>
-        <p:style>
-          <a:lnRef idx="2">
-            <a:schemeClr val="accent6"/>
-          </a:lnRef>
-          <a:fillRef idx="1">
-            <a:schemeClr val="lt1"/>
-          </a:fillRef>
-          <a:effectRef idx="0">
-            <a:schemeClr val="accent6"/>
-          </a:effectRef>
-          <a:fontRef idx="minor">
-            <a:schemeClr val="dk1"/>
-          </a:fontRef>
-        </p:style>
-        <p:txBody>
-          <a:bodyPr rtlCol="0" anchor="ctr"/>
-          <a:lstStyle/>
-          <a:p>
-            <a:pPr algn="ctr"/>
-            <a:endParaRPr lang="en-US"/>
-          </a:p>
-        </p:txBody>
-      </p:sp>
-      <p:sp>
-        <p:nvSpPr>
-          <p:cNvPr id="8" name="Rectangle 7"/>
-          <p:cNvSpPr/>
-          <p:nvPr/>
-        </p:nvSpPr>
-        <p:spPr>
-          <a:xfrm>
-            <a:off x="589446" y="4061091"/>
-            <a:ext cx="2087493" cy="271697"/>
-          </a:xfrm>
-          <a:prstGeom prst="rect">
-            <a:avLst/>
-          </a:prstGeom>
-          <a:noFill/>
-          <a:ln>
-            <a:solidFill>
-              <a:srgbClr val="FFC000"/>
-            </a:solidFill>
-          </a:ln>
-        </p:spPr>
-        <p:style>
-          <a:lnRef idx="2">
-            <a:schemeClr val="accent6"/>
-          </a:lnRef>
-          <a:fillRef idx="1">
-            <a:schemeClr val="lt1"/>
-          </a:fillRef>
-          <a:effectRef idx="0">
-            <a:schemeClr val="accent6"/>
-          </a:effectRef>
-          <a:fontRef idx="minor">
-            <a:schemeClr val="dk1"/>
-          </a:fontRef>
-        </p:style>
-        <p:txBody>
-          <a:bodyPr rtlCol="0" anchor="ctr"/>
-          <a:lstStyle/>
-          <a:p>
-            <a:pPr algn="ctr"/>
-            <a:endParaRPr lang="en-US"/>
-          </a:p>
-        </p:txBody>
-      </p:sp>
-      <p:sp>
-        <p:nvSpPr>
-          <p:cNvPr id="10" name="Rectangle 9"/>
-          <p:cNvSpPr/>
-          <p:nvPr/>
-        </p:nvSpPr>
-        <p:spPr>
-          <a:xfrm>
-            <a:off x="589446" y="4373100"/>
-            <a:ext cx="4035563" cy="1073543"/>
-          </a:xfrm>
-          <a:prstGeom prst="rect">
-            <a:avLst/>
-          </a:prstGeom>
-          <a:noFill/>
-          <a:ln>
-            <a:solidFill>
-              <a:srgbClr val="FFC000"/>
-            </a:solidFill>
-          </a:ln>
-        </p:spPr>
-        <p:style>
-          <a:lnRef idx="2">
-            <a:schemeClr val="accent6"/>
-          </a:lnRef>
-          <a:fillRef idx="1">
-            <a:schemeClr val="lt1"/>
-          </a:fillRef>
-          <a:effectRef idx="0">
-            <a:schemeClr val="accent6"/>
-          </a:effectRef>
-          <a:fontRef idx="minor">
-            <a:schemeClr val="dk1"/>
-          </a:fontRef>
-        </p:style>
-        <p:txBody>
-          <a:bodyPr rtlCol="0" anchor="ctr"/>
-          <a:lstStyle/>
-          <a:p>
-            <a:pPr algn="ctr"/>
-            <a:endParaRPr lang="en-US"/>
-          </a:p>
-        </p:txBody>
-      </p:sp>
-      <p:sp>
-        <p:nvSpPr>
-          <p:cNvPr id="11" name="Rectangle 10"/>
-          <p:cNvSpPr/>
-          <p:nvPr/>
-        </p:nvSpPr>
-        <p:spPr>
-          <a:xfrm>
-            <a:off x="576194" y="5008626"/>
-            <a:ext cx="2962137" cy="196453"/>
-          </a:xfrm>
-          <a:prstGeom prst="rect">
-            <a:avLst/>
-          </a:prstGeom>
-          <a:noFill/>
-          <a:ln>
-            <a:solidFill>
-              <a:srgbClr val="FFC000"/>
-            </a:solidFill>
-          </a:ln>
-        </p:spPr>
-        <p:style>
-          <a:lnRef idx="2">
-            <a:schemeClr val="accent6"/>
-          </a:lnRef>
-          <a:fillRef idx="1">
-            <a:schemeClr val="lt1"/>
-          </a:fillRef>
-          <a:effectRef idx="0">
-            <a:schemeClr val="accent6"/>
-          </a:effectRef>
-          <a:fontRef idx="minor">
-            <a:schemeClr val="dk1"/>
-          </a:fontRef>
-        </p:style>
-        <p:txBody>
-          <a:bodyPr rtlCol="0" anchor="ctr"/>
-          <a:lstStyle/>
-          <a:p>
-            <a:pPr algn="ctr"/>
-            <a:endParaRPr lang="en-US"/>
-          </a:p>
-        </p:txBody>
-      </p:sp>
-      <p:sp>
-        <p:nvSpPr>
-          <p:cNvPr id="12" name="Rectangle 11"/>
-          <p:cNvSpPr/>
-          <p:nvPr/>
-        </p:nvSpPr>
-        <p:spPr>
-          <a:xfrm>
-            <a:off x="3758645" y="3176246"/>
-            <a:ext cx="1934817" cy="182285"/>
-          </a:xfrm>
-          <a:prstGeom prst="rect">
-            <a:avLst/>
-          </a:prstGeom>
-          <a:noFill/>
-          <a:ln>
-            <a:solidFill>
-              <a:srgbClr val="FFC000"/>
-            </a:solidFill>
-          </a:ln>
-        </p:spPr>
-        <p:style>
-          <a:lnRef idx="2">
-            <a:schemeClr val="accent6"/>
-          </a:lnRef>
-          <a:fillRef idx="1">
-            <a:schemeClr val="lt1"/>
-          </a:fillRef>
-          <a:effectRef idx="0">
-            <a:schemeClr val="accent6"/>
-          </a:effectRef>
-          <a:fontRef idx="minor">
-            <a:schemeClr val="dk1"/>
-          </a:fontRef>
-        </p:style>
-        <p:txBody>
-          <a:bodyPr rtlCol="0" anchor="ctr"/>
-          <a:lstStyle/>
-          <a:p>
-            <a:pPr algn="ctr"/>
-            <a:endParaRPr lang="en-US"/>
+              <a:t>Commit</a:t>
+            </a:r>
+          </a:p>
+          <a:p>
+            <a:pPr lvl="1"/>
+            <a:r>
+              <a:rPr lang="en-US" dirty="0"/>
+              <a:t>Save changes to a branch</a:t>
+            </a:r>
+          </a:p>
+          <a:p>
+            <a:r>
+              <a:rPr lang="en-US" dirty="0"/>
+              <a:t>Merge</a:t>
+            </a:r>
+          </a:p>
+          <a:p>
+            <a:pPr lvl="1"/>
+            <a:r>
+              <a:rPr lang="en-US" dirty="0"/>
+              <a:t>Combine branches</a:t>
+            </a:r>
+          </a:p>
+          <a:p>
+            <a:r>
+              <a:rPr lang="en-US" dirty="0"/>
+              <a:t>Log</a:t>
+            </a:r>
+          </a:p>
+          <a:p>
+            <a:pPr lvl="1"/>
+            <a:r>
+              <a:rPr lang="en-US" dirty="0"/>
+              <a:t>See history</a:t>
+            </a:r>
+          </a:p>
+          <a:p>
+            <a:endParaRPr lang="en-US" dirty="0"/>
           </a:p>
         </p:txBody>
       </p:sp>
     </p:spTree>
     <p:extLst>
       <p:ext uri="{BB962C8B-B14F-4D97-AF65-F5344CB8AC3E}">
-        <p14:creationId xmlns:p14="http://schemas.microsoft.com/office/powerpoint/2010/main" val="1368951064"/>
+        <p14:creationId xmlns:p14="http://schemas.microsoft.com/office/powerpoint/2010/main" val="3859244027"/>
       </p:ext>
     </p:extLst>
   </p:cSld>
@@ -12260,405 +14673,6 @@
   <p:transition spd="slow">
     <p:wipe/>
   </p:transition>
-  <p:timing>
-    <p:tnLst>
-      <p:par>
-        <p:cTn id="1" dur="indefinite" restart="never" nodeType="tmRoot">
-          <p:childTnLst>
-            <p:seq concurrent="1" nextAc="seek">
-              <p:cTn id="2" dur="indefinite" nodeType="mainSeq">
-                <p:childTnLst>
-                  <p:par>
-                    <p:cTn id="3" fill="hold">
-                      <p:stCondLst>
-                        <p:cond delay="indefinite"/>
-                      </p:stCondLst>
-                      <p:childTnLst>
-                        <p:par>
-                          <p:cTn id="4" fill="hold">
-                            <p:stCondLst>
-                              <p:cond delay="0"/>
-                            </p:stCondLst>
-                            <p:childTnLst>
-                              <p:par>
-                                <p:cTn id="5" presetID="1" presetClass="entr" presetSubtype="0" fill="hold" grpId="0" nodeType="clickEffect">
-                                  <p:stCondLst>
-                                    <p:cond delay="0"/>
-                                  </p:stCondLst>
-                                  <p:childTnLst>
-                                    <p:set>
-                                      <p:cBhvr>
-                                        <p:cTn id="6" dur="1" fill="hold">
-                                          <p:stCondLst>
-                                            <p:cond delay="0"/>
-                                          </p:stCondLst>
-                                        </p:cTn>
-                                        <p:tgtEl>
-                                          <p:spTgt spid="5"/>
-                                        </p:tgtEl>
-                                        <p:attrNameLst>
-                                          <p:attrName>style.visibility</p:attrName>
-                                        </p:attrNameLst>
-                                      </p:cBhvr>
-                                      <p:to>
-                                        <p:strVal val="visible"/>
-                                      </p:to>
-                                    </p:set>
-                                  </p:childTnLst>
-                                </p:cTn>
-                              </p:par>
-                            </p:childTnLst>
-                          </p:cTn>
-                        </p:par>
-                      </p:childTnLst>
-                    </p:cTn>
-                  </p:par>
-                  <p:par>
-                    <p:cTn id="7" fill="hold">
-                      <p:stCondLst>
-                        <p:cond delay="indefinite"/>
-                      </p:stCondLst>
-                      <p:childTnLst>
-                        <p:par>
-                          <p:cTn id="8" fill="hold">
-                            <p:stCondLst>
-                              <p:cond delay="0"/>
-                            </p:stCondLst>
-                            <p:childTnLst>
-                              <p:par>
-                                <p:cTn id="9" presetID="1" presetClass="entr" presetSubtype="0" fill="hold" nodeType="clickEffect">
-                                  <p:stCondLst>
-                                    <p:cond delay="0"/>
-                                  </p:stCondLst>
-                                  <p:childTnLst>
-                                    <p:set>
-                                      <p:cBhvr>
-                                        <p:cTn id="10" dur="1" fill="hold">
-                                          <p:stCondLst>
-                                            <p:cond delay="0"/>
-                                          </p:stCondLst>
-                                        </p:cTn>
-                                        <p:tgtEl>
-                                          <p:spTgt spid="9"/>
-                                        </p:tgtEl>
-                                        <p:attrNameLst>
-                                          <p:attrName>style.visibility</p:attrName>
-                                        </p:attrNameLst>
-                                      </p:cBhvr>
-                                      <p:to>
-                                        <p:strVal val="visible"/>
-                                      </p:to>
-                                    </p:set>
-                                  </p:childTnLst>
-                                </p:cTn>
-                              </p:par>
-                            </p:childTnLst>
-                          </p:cTn>
-                        </p:par>
-                      </p:childTnLst>
-                    </p:cTn>
-                  </p:par>
-                  <p:par>
-                    <p:cTn id="11" fill="hold">
-                      <p:stCondLst>
-                        <p:cond delay="indefinite"/>
-                      </p:stCondLst>
-                      <p:childTnLst>
-                        <p:par>
-                          <p:cTn id="12" fill="hold">
-                            <p:stCondLst>
-                              <p:cond delay="0"/>
-                            </p:stCondLst>
-                            <p:childTnLst>
-                              <p:par>
-                                <p:cTn id="13" presetID="1" presetClass="entr" presetSubtype="0" fill="hold" grpId="0" nodeType="clickEffect">
-                                  <p:stCondLst>
-                                    <p:cond delay="0"/>
-                                  </p:stCondLst>
-                                  <p:childTnLst>
-                                    <p:set>
-                                      <p:cBhvr>
-                                        <p:cTn id="14" dur="1" fill="hold">
-                                          <p:stCondLst>
-                                            <p:cond delay="0"/>
-                                          </p:stCondLst>
-                                        </p:cTn>
-                                        <p:tgtEl>
-                                          <p:spTgt spid="6"/>
-                                        </p:tgtEl>
-                                        <p:attrNameLst>
-                                          <p:attrName>style.visibility</p:attrName>
-                                        </p:attrNameLst>
-                                      </p:cBhvr>
-                                      <p:to>
-                                        <p:strVal val="visible"/>
-                                      </p:to>
-                                    </p:set>
-                                  </p:childTnLst>
-                                </p:cTn>
-                              </p:par>
-                            </p:childTnLst>
-                          </p:cTn>
-                        </p:par>
-                      </p:childTnLst>
-                    </p:cTn>
-                  </p:par>
-                  <p:par>
-                    <p:cTn id="15" fill="hold">
-                      <p:stCondLst>
-                        <p:cond delay="indefinite"/>
-                      </p:stCondLst>
-                      <p:childTnLst>
-                        <p:par>
-                          <p:cTn id="16" fill="hold">
-                            <p:stCondLst>
-                              <p:cond delay="0"/>
-                            </p:stCondLst>
-                            <p:childTnLst>
-                              <p:par>
-                                <p:cTn id="17" presetID="1" presetClass="entr" presetSubtype="0" fill="hold" grpId="0" nodeType="clickEffect">
-                                  <p:stCondLst>
-                                    <p:cond delay="0"/>
-                                  </p:stCondLst>
-                                  <p:childTnLst>
-                                    <p:set>
-                                      <p:cBhvr>
-                                        <p:cTn id="18" dur="1" fill="hold">
-                                          <p:stCondLst>
-                                            <p:cond delay="0"/>
-                                          </p:stCondLst>
-                                        </p:cTn>
-                                        <p:tgtEl>
-                                          <p:spTgt spid="7"/>
-                                        </p:tgtEl>
-                                        <p:attrNameLst>
-                                          <p:attrName>style.visibility</p:attrName>
-                                        </p:attrNameLst>
-                                      </p:cBhvr>
-                                      <p:to>
-                                        <p:strVal val="visible"/>
-                                      </p:to>
-                                    </p:set>
-                                  </p:childTnLst>
-                                </p:cTn>
-                              </p:par>
-                            </p:childTnLst>
-                          </p:cTn>
-                        </p:par>
-                      </p:childTnLst>
-                    </p:cTn>
-                  </p:par>
-                  <p:par>
-                    <p:cTn id="19" fill="hold">
-                      <p:stCondLst>
-                        <p:cond delay="indefinite"/>
-                      </p:stCondLst>
-                      <p:childTnLst>
-                        <p:par>
-                          <p:cTn id="20" fill="hold">
-                            <p:stCondLst>
-                              <p:cond delay="0"/>
-                            </p:stCondLst>
-                            <p:childTnLst>
-                              <p:par>
-                                <p:cTn id="21" presetID="1" presetClass="entr" presetSubtype="0" fill="hold" grpId="0" nodeType="clickEffect">
-                                  <p:stCondLst>
-                                    <p:cond delay="0"/>
-                                  </p:stCondLst>
-                                  <p:childTnLst>
-                                    <p:set>
-                                      <p:cBhvr>
-                                        <p:cTn id="22" dur="1" fill="hold">
-                                          <p:stCondLst>
-                                            <p:cond delay="0"/>
-                                          </p:stCondLst>
-                                        </p:cTn>
-                                        <p:tgtEl>
-                                          <p:spTgt spid="12"/>
-                                        </p:tgtEl>
-                                        <p:attrNameLst>
-                                          <p:attrName>style.visibility</p:attrName>
-                                        </p:attrNameLst>
-                                      </p:cBhvr>
-                                      <p:to>
-                                        <p:strVal val="visible"/>
-                                      </p:to>
-                                    </p:set>
-                                  </p:childTnLst>
-                                </p:cTn>
-                              </p:par>
-                            </p:childTnLst>
-                          </p:cTn>
-                        </p:par>
-                      </p:childTnLst>
-                    </p:cTn>
-                  </p:par>
-                  <p:par>
-                    <p:cTn id="23" fill="hold">
-                      <p:stCondLst>
-                        <p:cond delay="indefinite"/>
-                      </p:stCondLst>
-                      <p:childTnLst>
-                        <p:par>
-                          <p:cTn id="24" fill="hold">
-                            <p:stCondLst>
-                              <p:cond delay="0"/>
-                            </p:stCondLst>
-                            <p:childTnLst>
-                              <p:par>
-                                <p:cTn id="25" presetID="1" presetClass="entr" presetSubtype="0" fill="hold" grpId="0" nodeType="clickEffect">
-                                  <p:stCondLst>
-                                    <p:cond delay="0"/>
-                                  </p:stCondLst>
-                                  <p:childTnLst>
-                                    <p:set>
-                                      <p:cBhvr>
-                                        <p:cTn id="26" dur="1" fill="hold">
-                                          <p:stCondLst>
-                                            <p:cond delay="0"/>
-                                          </p:stCondLst>
-                                        </p:cTn>
-                                        <p:tgtEl>
-                                          <p:spTgt spid="8"/>
-                                        </p:tgtEl>
-                                        <p:attrNameLst>
-                                          <p:attrName>style.visibility</p:attrName>
-                                        </p:attrNameLst>
-                                      </p:cBhvr>
-                                      <p:to>
-                                        <p:strVal val="visible"/>
-                                      </p:to>
-                                    </p:set>
-                                  </p:childTnLst>
-                                </p:cTn>
-                              </p:par>
-                            </p:childTnLst>
-                          </p:cTn>
-                        </p:par>
-                      </p:childTnLst>
-                    </p:cTn>
-                  </p:par>
-                  <p:par>
-                    <p:cTn id="27" fill="hold">
-                      <p:stCondLst>
-                        <p:cond delay="indefinite"/>
-                      </p:stCondLst>
-                      <p:childTnLst>
-                        <p:par>
-                          <p:cTn id="28" fill="hold">
-                            <p:stCondLst>
-                              <p:cond delay="0"/>
-                            </p:stCondLst>
-                            <p:childTnLst>
-                              <p:par>
-                                <p:cTn id="29" presetID="1" presetClass="entr" presetSubtype="0" fill="hold" grpId="0" nodeType="clickEffect">
-                                  <p:stCondLst>
-                                    <p:cond delay="0"/>
-                                  </p:stCondLst>
-                                  <p:childTnLst>
-                                    <p:set>
-                                      <p:cBhvr>
-                                        <p:cTn id="30" dur="1" fill="hold">
-                                          <p:stCondLst>
-                                            <p:cond delay="0"/>
-                                          </p:stCondLst>
-                                        </p:cTn>
-                                        <p:tgtEl>
-                                          <p:spTgt spid="10"/>
-                                        </p:tgtEl>
-                                        <p:attrNameLst>
-                                          <p:attrName>style.visibility</p:attrName>
-                                        </p:attrNameLst>
-                                      </p:cBhvr>
-                                      <p:to>
-                                        <p:strVal val="visible"/>
-                                      </p:to>
-                                    </p:set>
-                                  </p:childTnLst>
-                                </p:cTn>
-                              </p:par>
-                            </p:childTnLst>
-                          </p:cTn>
-                        </p:par>
-                      </p:childTnLst>
-                    </p:cTn>
-                  </p:par>
-                  <p:par>
-                    <p:cTn id="31" fill="hold">
-                      <p:stCondLst>
-                        <p:cond delay="indefinite"/>
-                      </p:stCondLst>
-                      <p:childTnLst>
-                        <p:par>
-                          <p:cTn id="32" fill="hold">
-                            <p:stCondLst>
-                              <p:cond delay="0"/>
-                            </p:stCondLst>
-                            <p:childTnLst>
-                              <p:par>
-                                <p:cTn id="33" presetID="1" presetClass="entr" presetSubtype="0" fill="hold" grpId="0" nodeType="clickEffect">
-                                  <p:stCondLst>
-                                    <p:cond delay="0"/>
-                                  </p:stCondLst>
-                                  <p:childTnLst>
-                                    <p:set>
-                                      <p:cBhvr>
-                                        <p:cTn id="34" dur="1" fill="hold">
-                                          <p:stCondLst>
-                                            <p:cond delay="0"/>
-                                          </p:stCondLst>
-                                        </p:cTn>
-                                        <p:tgtEl>
-                                          <p:spTgt spid="11"/>
-                                        </p:tgtEl>
-                                        <p:attrNameLst>
-                                          <p:attrName>style.visibility</p:attrName>
-                                        </p:attrNameLst>
-                                      </p:cBhvr>
-                                      <p:to>
-                                        <p:strVal val="visible"/>
-                                      </p:to>
-                                    </p:set>
-                                  </p:childTnLst>
-                                </p:cTn>
-                              </p:par>
-                            </p:childTnLst>
-                          </p:cTn>
-                        </p:par>
-                      </p:childTnLst>
-                    </p:cTn>
-                  </p:par>
-                </p:childTnLst>
-              </p:cTn>
-              <p:prevCondLst>
-                <p:cond evt="onPrev" delay="0">
-                  <p:tgtEl>
-                    <p:sldTgt/>
-                  </p:tgtEl>
-                </p:cond>
-              </p:prevCondLst>
-              <p:nextCondLst>
-                <p:cond evt="onNext" delay="0">
-                  <p:tgtEl>
-                    <p:sldTgt/>
-                  </p:tgtEl>
-                </p:cond>
-              </p:nextCondLst>
-            </p:seq>
-          </p:childTnLst>
-        </p:cTn>
-      </p:par>
-    </p:tnLst>
-    <p:bldLst>
-      <p:bldP spid="5" grpId="0"/>
-      <p:bldP spid="6" grpId="0" animBg="1"/>
-      <p:bldP spid="7" grpId="0" animBg="1"/>
-      <p:bldP spid="8" grpId="0" animBg="1"/>
-      <p:bldP spid="10" grpId="0" animBg="1"/>
-      <p:bldP spid="11" grpId="0" animBg="1"/>
-      <p:bldP spid="12" grpId="0" animBg="1"/>
-    </p:bldLst>
-  </p:timing>
 </p:sld>
 </file>
 

--- a/Version Control Presentation.pptx
+++ b/Version Control Presentation.pptx
@@ -22,8 +22,11 @@
     <p:sldId id="274" r:id="rId16"/>
     <p:sldId id="276" r:id="rId17"/>
     <p:sldId id="277" r:id="rId18"/>
-    <p:sldId id="265" r:id="rId19"/>
-    <p:sldId id="272" r:id="rId20"/>
+    <p:sldId id="278" r:id="rId19"/>
+    <p:sldId id="279" r:id="rId20"/>
+    <p:sldId id="280" r:id="rId21"/>
+    <p:sldId id="265" r:id="rId22"/>
+    <p:sldId id="272" r:id="rId23"/>
   </p:sldIdLst>
   <p:sldSz cx="12192000" cy="6858000"/>
   <p:notesSz cx="6858000" cy="9144000"/>
@@ -9699,150 +9702,9 @@
           <a:chExt cx="0" cy="0"/>
         </a:xfrm>
       </p:grpSpPr>
-      <p:sp>
-        <p:nvSpPr>
-          <p:cNvPr id="2" name="Title 1"/>
-          <p:cNvSpPr>
-            <a:spLocks noGrp="1"/>
-          </p:cNvSpPr>
-          <p:nvPr>
-            <p:ph type="title"/>
-          </p:nvPr>
-        </p:nvSpPr>
-        <p:spPr/>
-        <p:txBody>
-          <a:bodyPr/>
-          <a:lstStyle/>
-          <a:p>
-            <a:r>
-              <a:rPr lang="en-US" dirty="0"/>
-              <a:t>Some Common Commands Using </a:t>
-            </a:r>
-            <a:r>
-              <a:rPr lang="en-US" dirty="0" err="1"/>
-              <a:t>Git</a:t>
-            </a:r>
-            <a:endParaRPr lang="en-US" dirty="0"/>
-          </a:p>
-        </p:txBody>
-      </p:sp>
-      <p:sp>
-        <p:nvSpPr>
-          <p:cNvPr id="4" name="Title 1"/>
-          <p:cNvSpPr txBox="1">
-            <a:spLocks/>
-          </p:cNvSpPr>
-          <p:nvPr/>
-        </p:nvSpPr>
-        <p:spPr>
-          <a:xfrm>
-            <a:off x="677334" y="1440216"/>
-            <a:ext cx="8596668" cy="1320800"/>
-          </a:xfrm>
-          <a:prstGeom prst="rect">
-            <a:avLst/>
-          </a:prstGeom>
-        </p:spPr>
-        <p:txBody>
-          <a:bodyPr vert="horz" lIns="91440" tIns="45720" rIns="91440" bIns="45720" rtlCol="0" anchor="t">
-            <a:normAutofit/>
-          </a:bodyPr>
-          <a:lstStyle>
-            <a:lvl1pPr algn="l" defTabSz="457200" rtl="0" eaLnBrk="1" latinLnBrk="0" hangingPunct="1">
-              <a:spcBef>
-                <a:spcPct val="0"/>
-              </a:spcBef>
-              <a:buNone/>
-              <a:defRPr sz="3600" kern="1200">
-                <a:solidFill>
-                  <a:schemeClr val="accent1"/>
-                </a:solidFill>
-                <a:latin typeface="+mj-lt"/>
-                <a:ea typeface="+mj-ea"/>
-                <a:cs typeface="+mj-cs"/>
-              </a:defRPr>
-            </a:lvl1pPr>
-            <a:lvl2pPr eaLnBrk="1" hangingPunct="1">
-              <a:defRPr>
-                <a:solidFill>
-                  <a:schemeClr val="tx2"/>
-                </a:solidFill>
-              </a:defRPr>
-            </a:lvl2pPr>
-            <a:lvl3pPr eaLnBrk="1" hangingPunct="1">
-              <a:defRPr>
-                <a:solidFill>
-                  <a:schemeClr val="tx2"/>
-                </a:solidFill>
-              </a:defRPr>
-            </a:lvl3pPr>
-            <a:lvl4pPr eaLnBrk="1" hangingPunct="1">
-              <a:defRPr>
-                <a:solidFill>
-                  <a:schemeClr val="tx2"/>
-                </a:solidFill>
-              </a:defRPr>
-            </a:lvl4pPr>
-            <a:lvl5pPr eaLnBrk="1" hangingPunct="1">
-              <a:defRPr>
-                <a:solidFill>
-                  <a:schemeClr val="tx2"/>
-                </a:solidFill>
-              </a:defRPr>
-            </a:lvl5pPr>
-            <a:lvl6pPr eaLnBrk="1" hangingPunct="1">
-              <a:defRPr>
-                <a:solidFill>
-                  <a:schemeClr val="tx2"/>
-                </a:solidFill>
-              </a:defRPr>
-            </a:lvl6pPr>
-            <a:lvl7pPr eaLnBrk="1" hangingPunct="1">
-              <a:defRPr>
-                <a:solidFill>
-                  <a:schemeClr val="tx2"/>
-                </a:solidFill>
-              </a:defRPr>
-            </a:lvl7pPr>
-            <a:lvl8pPr eaLnBrk="1" hangingPunct="1">
-              <a:defRPr>
-                <a:solidFill>
-                  <a:schemeClr val="tx2"/>
-                </a:solidFill>
-              </a:defRPr>
-            </a:lvl8pPr>
-            <a:lvl9pPr eaLnBrk="1" hangingPunct="1">
-              <a:defRPr>
-                <a:solidFill>
-                  <a:schemeClr val="tx2"/>
-                </a:solidFill>
-              </a:defRPr>
-            </a:lvl9pPr>
-          </a:lstStyle>
-          <a:p>
-            <a:r>
-              <a:rPr lang="en-US" dirty="0" err="1"/>
-              <a:t>git</a:t>
-            </a:r>
-            <a:r>
-              <a:rPr lang="en-US" dirty="0"/>
-              <a:t> </a:t>
-            </a:r>
-            <a:r>
-              <a:rPr lang="en-US" dirty="0" err="1" smtClean="0"/>
-              <a:t>ref</a:t>
-            </a:r>
-            <a:r>
-              <a:rPr lang="en-US" dirty="0" err="1" smtClean="0"/>
-              <a:t>log</a:t>
-            </a:r>
-            <a:endParaRPr lang="en-US" dirty="0"/>
-          </a:p>
-        </p:txBody>
-      </p:sp>
       <p:pic>
         <p:nvPicPr>
-          <p:cNvPr id="5" name="Picture 4"/>
+          <p:cNvPr id="13" name="Picture 12"/>
           <p:cNvPicPr>
             <a:picLocks noChangeAspect="1"/>
           </p:cNvPicPr>
@@ -9856,8 +9718,8 @@
         </p:blipFill>
         <p:spPr>
           <a:xfrm>
-            <a:off x="415752" y="2100616"/>
-            <a:ext cx="11168596" cy="3266514"/>
+            <a:off x="415752" y="2119105"/>
+            <a:ext cx="9457118" cy="4123884"/>
           </a:xfrm>
           <a:prstGeom prst="rect">
             <a:avLst/>
@@ -9866,13 +9728,154 @@
       </p:pic>
       <p:sp>
         <p:nvSpPr>
+          <p:cNvPr id="2" name="Title 1"/>
+          <p:cNvSpPr>
+            <a:spLocks noGrp="1"/>
+          </p:cNvSpPr>
+          <p:nvPr>
+            <p:ph type="title"/>
+          </p:nvPr>
+        </p:nvSpPr>
+        <p:spPr/>
+        <p:txBody>
+          <a:bodyPr/>
+          <a:lstStyle/>
+          <a:p>
+            <a:r>
+              <a:rPr lang="en-US" dirty="0"/>
+              <a:t>Some Common Commands Using </a:t>
+            </a:r>
+            <a:r>
+              <a:rPr lang="en-US" dirty="0" err="1"/>
+              <a:t>Git</a:t>
+            </a:r>
+            <a:endParaRPr lang="en-US" dirty="0"/>
+          </a:p>
+        </p:txBody>
+      </p:sp>
+      <p:sp>
+        <p:nvSpPr>
+          <p:cNvPr id="4" name="Title 1"/>
+          <p:cNvSpPr txBox="1">
+            <a:spLocks/>
+          </p:cNvSpPr>
+          <p:nvPr/>
+        </p:nvSpPr>
+        <p:spPr>
+          <a:xfrm>
+            <a:off x="677334" y="1440216"/>
+            <a:ext cx="8596668" cy="1320800"/>
+          </a:xfrm>
+          <a:prstGeom prst="rect">
+            <a:avLst/>
+          </a:prstGeom>
+        </p:spPr>
+        <p:txBody>
+          <a:bodyPr vert="horz" lIns="91440" tIns="45720" rIns="91440" bIns="45720" rtlCol="0" anchor="t">
+            <a:normAutofit/>
+          </a:bodyPr>
+          <a:lstStyle>
+            <a:lvl1pPr algn="l" defTabSz="457200" rtl="0" eaLnBrk="1" latinLnBrk="0" hangingPunct="1">
+              <a:spcBef>
+                <a:spcPct val="0"/>
+              </a:spcBef>
+              <a:buNone/>
+              <a:defRPr sz="3600" kern="1200">
+                <a:solidFill>
+                  <a:schemeClr val="accent1"/>
+                </a:solidFill>
+                <a:latin typeface="+mj-lt"/>
+                <a:ea typeface="+mj-ea"/>
+                <a:cs typeface="+mj-cs"/>
+              </a:defRPr>
+            </a:lvl1pPr>
+            <a:lvl2pPr eaLnBrk="1" hangingPunct="1">
+              <a:defRPr>
+                <a:solidFill>
+                  <a:schemeClr val="tx2"/>
+                </a:solidFill>
+              </a:defRPr>
+            </a:lvl2pPr>
+            <a:lvl3pPr eaLnBrk="1" hangingPunct="1">
+              <a:defRPr>
+                <a:solidFill>
+                  <a:schemeClr val="tx2"/>
+                </a:solidFill>
+              </a:defRPr>
+            </a:lvl3pPr>
+            <a:lvl4pPr eaLnBrk="1" hangingPunct="1">
+              <a:defRPr>
+                <a:solidFill>
+                  <a:schemeClr val="tx2"/>
+                </a:solidFill>
+              </a:defRPr>
+            </a:lvl4pPr>
+            <a:lvl5pPr eaLnBrk="1" hangingPunct="1">
+              <a:defRPr>
+                <a:solidFill>
+                  <a:schemeClr val="tx2"/>
+                </a:solidFill>
+              </a:defRPr>
+            </a:lvl5pPr>
+            <a:lvl6pPr eaLnBrk="1" hangingPunct="1">
+              <a:defRPr>
+                <a:solidFill>
+                  <a:schemeClr val="tx2"/>
+                </a:solidFill>
+              </a:defRPr>
+            </a:lvl6pPr>
+            <a:lvl7pPr eaLnBrk="1" hangingPunct="1">
+              <a:defRPr>
+                <a:solidFill>
+                  <a:schemeClr val="tx2"/>
+                </a:solidFill>
+              </a:defRPr>
+            </a:lvl7pPr>
+            <a:lvl8pPr eaLnBrk="1" hangingPunct="1">
+              <a:defRPr>
+                <a:solidFill>
+                  <a:schemeClr val="tx2"/>
+                </a:solidFill>
+              </a:defRPr>
+            </a:lvl8pPr>
+            <a:lvl9pPr eaLnBrk="1" hangingPunct="1">
+              <a:defRPr>
+                <a:solidFill>
+                  <a:schemeClr val="tx2"/>
+                </a:solidFill>
+              </a:defRPr>
+            </a:lvl9pPr>
+          </a:lstStyle>
+          <a:p>
+            <a:r>
+              <a:rPr lang="en-US" dirty="0" err="1"/>
+              <a:t>git</a:t>
+            </a:r>
+            <a:r>
+              <a:rPr lang="en-US" dirty="0"/>
+              <a:t> </a:t>
+            </a:r>
+            <a:r>
+              <a:rPr lang="en-US" dirty="0" err="1" smtClean="0"/>
+              <a:t>ref</a:t>
+            </a:r>
+            <a:r>
+              <a:rPr lang="en-US" dirty="0" err="1" smtClean="0"/>
+              <a:t>log</a:t>
+            </a:r>
+            <a:endParaRPr lang="en-US" dirty="0"/>
+          </a:p>
+        </p:txBody>
+      </p:sp>
+      <p:sp>
+        <p:nvSpPr>
           <p:cNvPr id="6" name="Rectangle 5"/>
           <p:cNvSpPr/>
           <p:nvPr/>
         </p:nvSpPr>
         <p:spPr>
           <a:xfrm>
-            <a:off x="4735715" y="2665080"/>
+            <a:off x="4788723" y="2665080"/>
             <a:ext cx="1028981" cy="182401"/>
           </a:xfrm>
           <a:prstGeom prst="rect">
@@ -9916,7 +9919,7 @@
         </p:nvSpPr>
         <p:spPr>
           <a:xfrm>
-            <a:off x="1160149" y="4222210"/>
+            <a:off x="1199905" y="4601679"/>
             <a:ext cx="852245" cy="190764"/>
           </a:xfrm>
           <a:prstGeom prst="rect">
@@ -9960,7 +9963,7 @@
         </p:nvSpPr>
         <p:spPr>
           <a:xfrm>
-            <a:off x="2173357" y="4222210"/>
+            <a:off x="2173357" y="4610461"/>
             <a:ext cx="2562358" cy="190764"/>
           </a:xfrm>
           <a:prstGeom prst="rect">
@@ -10004,7 +10007,7 @@
         </p:nvSpPr>
         <p:spPr>
           <a:xfrm>
-            <a:off x="415752" y="4206896"/>
+            <a:off x="415752" y="4594022"/>
             <a:ext cx="744397" cy="206078"/>
           </a:xfrm>
           <a:prstGeom prst="rect">
@@ -10048,7 +10051,7 @@
         </p:nvSpPr>
         <p:spPr>
           <a:xfrm>
-            <a:off x="2143087" y="4603906"/>
+            <a:off x="2264070" y="4990959"/>
             <a:ext cx="600114" cy="201808"/>
           </a:xfrm>
           <a:prstGeom prst="rect">
@@ -10092,7 +10095,7 @@
         </p:nvSpPr>
         <p:spPr>
           <a:xfrm>
-            <a:off x="2211400" y="4977992"/>
+            <a:off x="2226367" y="5940428"/>
             <a:ext cx="637817" cy="216860"/>
           </a:xfrm>
           <a:prstGeom prst="rect">
@@ -10175,7 +10178,7 @@
                                           </p:stCondLst>
                                         </p:cTn>
                                         <p:tgtEl>
-                                          <p:spTgt spid="5"/>
+                                          <p:spTgt spid="13"/>
                                         </p:tgtEl>
                                         <p:attrNameLst>
                                           <p:attrName>style.visibility</p:attrName>
@@ -10516,7 +10519,7 @@
       </p:grpSpPr>
       <p:pic>
         <p:nvPicPr>
-          <p:cNvPr id="3" name="Picture 2"/>
+          <p:cNvPr id="7" name="Picture 6"/>
           <p:cNvPicPr>
             <a:picLocks noChangeAspect="1"/>
           </p:cNvPicPr>
@@ -10530,8 +10533,8 @@
         </p:blipFill>
         <p:spPr>
           <a:xfrm>
-            <a:off x="415752" y="2300574"/>
-            <a:ext cx="10383338" cy="1356617"/>
+            <a:off x="546859" y="2173356"/>
+            <a:ext cx="11391071" cy="3604591"/>
           </a:xfrm>
           <a:prstGeom prst="rect">
             <a:avLst/>
@@ -10669,7 +10672,7 @@
             </a:r>
             <a:r>
               <a:rPr lang="en-US" dirty="0" smtClean="0"/>
-              <a:t>reset</a:t>
+              <a:t>revert</a:t>
             </a:r>
             <a:endParaRPr lang="en-US" dirty="0"/>
           </a:p>
@@ -10683,7 +10686,7 @@
         </p:nvSpPr>
         <p:spPr>
           <a:xfrm>
-            <a:off x="6657280" y="3129921"/>
+            <a:off x="5583854" y="4839451"/>
             <a:ext cx="2616722" cy="262636"/>
           </a:xfrm>
           <a:prstGeom prst="rect">
@@ -10719,10 +10722,484 @@
           </a:p>
         </p:txBody>
       </p:sp>
+      <p:pic>
+        <p:nvPicPr>
+          <p:cNvPr id="13" name="Picture 12"/>
+          <p:cNvPicPr>
+            <a:picLocks noChangeAspect="1"/>
+          </p:cNvPicPr>
+          <p:nvPr/>
+        </p:nvPicPr>
+        <p:blipFill>
+          <a:blip r:embed="rId3"/>
+          <a:stretch>
+            <a:fillRect/>
+          </a:stretch>
+        </p:blipFill>
+        <p:spPr>
+          <a:xfrm>
+            <a:off x="1560955" y="1527243"/>
+            <a:ext cx="8713948" cy="5019331"/>
+          </a:xfrm>
+          <a:prstGeom prst="rect">
+            <a:avLst/>
+          </a:prstGeom>
+        </p:spPr>
+      </p:pic>
     </p:spTree>
     <p:extLst>
       <p:ext uri="{BB962C8B-B14F-4D97-AF65-F5344CB8AC3E}">
         <p14:creationId xmlns:p14="http://schemas.microsoft.com/office/powerpoint/2010/main" val="4062664340"/>
+      </p:ext>
+    </p:extLst>
+  </p:cSld>
+  <p:clrMapOvr>
+    <a:masterClrMapping/>
+  </p:clrMapOvr>
+  <p:transition spd="slow">
+    <p:wipe/>
+  </p:transition>
+  <p:timing>
+    <p:tnLst>
+      <p:par>
+        <p:cTn id="1" dur="indefinite" restart="never" nodeType="tmRoot">
+          <p:childTnLst>
+            <p:seq concurrent="1" nextAc="seek">
+              <p:cTn id="2" dur="indefinite" nodeType="mainSeq">
+                <p:childTnLst>
+                  <p:par>
+                    <p:cTn id="3" fill="hold">
+                      <p:stCondLst>
+                        <p:cond delay="indefinite"/>
+                      </p:stCondLst>
+                      <p:childTnLst>
+                        <p:par>
+                          <p:cTn id="4" fill="hold">
+                            <p:stCondLst>
+                              <p:cond delay="0"/>
+                            </p:stCondLst>
+                            <p:childTnLst>
+                              <p:par>
+                                <p:cTn id="5" presetID="1" presetClass="entr" presetSubtype="0" fill="hold" nodeType="clickEffect">
+                                  <p:stCondLst>
+                                    <p:cond delay="0"/>
+                                  </p:stCondLst>
+                                  <p:childTnLst>
+                                    <p:set>
+                                      <p:cBhvr>
+                                        <p:cTn id="6" dur="1" fill="hold">
+                                          <p:stCondLst>
+                                            <p:cond delay="0"/>
+                                          </p:stCondLst>
+                                        </p:cTn>
+                                        <p:tgtEl>
+                                          <p:spTgt spid="7"/>
+                                        </p:tgtEl>
+                                        <p:attrNameLst>
+                                          <p:attrName>style.visibility</p:attrName>
+                                        </p:attrNameLst>
+                                      </p:cBhvr>
+                                      <p:to>
+                                        <p:strVal val="visible"/>
+                                      </p:to>
+                                    </p:set>
+                                  </p:childTnLst>
+                                </p:cTn>
+                              </p:par>
+                            </p:childTnLst>
+                          </p:cTn>
+                        </p:par>
+                      </p:childTnLst>
+                    </p:cTn>
+                  </p:par>
+                  <p:par>
+                    <p:cTn id="7" fill="hold">
+                      <p:stCondLst>
+                        <p:cond delay="indefinite"/>
+                      </p:stCondLst>
+                      <p:childTnLst>
+                        <p:par>
+                          <p:cTn id="8" fill="hold">
+                            <p:stCondLst>
+                              <p:cond delay="0"/>
+                            </p:stCondLst>
+                            <p:childTnLst>
+                              <p:par>
+                                <p:cTn id="9" presetID="1" presetClass="entr" presetSubtype="0" fill="hold" grpId="0" nodeType="clickEffect">
+                                  <p:stCondLst>
+                                    <p:cond delay="0"/>
+                                  </p:stCondLst>
+                                  <p:childTnLst>
+                                    <p:set>
+                                      <p:cBhvr>
+                                        <p:cTn id="10" dur="1" fill="hold">
+                                          <p:stCondLst>
+                                            <p:cond delay="0"/>
+                                          </p:stCondLst>
+                                        </p:cTn>
+                                        <p:tgtEl>
+                                          <p:spTgt spid="6"/>
+                                        </p:tgtEl>
+                                        <p:attrNameLst>
+                                          <p:attrName>style.visibility</p:attrName>
+                                        </p:attrNameLst>
+                                      </p:cBhvr>
+                                      <p:to>
+                                        <p:strVal val="visible"/>
+                                      </p:to>
+                                    </p:set>
+                                  </p:childTnLst>
+                                </p:cTn>
+                              </p:par>
+                            </p:childTnLst>
+                          </p:cTn>
+                        </p:par>
+                      </p:childTnLst>
+                    </p:cTn>
+                  </p:par>
+                  <p:par>
+                    <p:cTn id="11" fill="hold">
+                      <p:stCondLst>
+                        <p:cond delay="indefinite"/>
+                      </p:stCondLst>
+                      <p:childTnLst>
+                        <p:par>
+                          <p:cTn id="12" fill="hold">
+                            <p:stCondLst>
+                              <p:cond delay="0"/>
+                            </p:stCondLst>
+                            <p:childTnLst>
+                              <p:par>
+                                <p:cTn id="13" presetID="1" presetClass="entr" presetSubtype="0" fill="hold" nodeType="clickEffect">
+                                  <p:stCondLst>
+                                    <p:cond delay="0"/>
+                                  </p:stCondLst>
+                                  <p:childTnLst>
+                                    <p:set>
+                                      <p:cBhvr>
+                                        <p:cTn id="14" dur="1" fill="hold">
+                                          <p:stCondLst>
+                                            <p:cond delay="0"/>
+                                          </p:stCondLst>
+                                        </p:cTn>
+                                        <p:tgtEl>
+                                          <p:spTgt spid="13"/>
+                                        </p:tgtEl>
+                                        <p:attrNameLst>
+                                          <p:attrName>style.visibility</p:attrName>
+                                        </p:attrNameLst>
+                                      </p:cBhvr>
+                                      <p:to>
+                                        <p:strVal val="visible"/>
+                                      </p:to>
+                                    </p:set>
+                                  </p:childTnLst>
+                                </p:cTn>
+                              </p:par>
+                            </p:childTnLst>
+                          </p:cTn>
+                        </p:par>
+                      </p:childTnLst>
+                    </p:cTn>
+                  </p:par>
+                </p:childTnLst>
+              </p:cTn>
+              <p:prevCondLst>
+                <p:cond evt="onPrev" delay="0">
+                  <p:tgtEl>
+                    <p:sldTgt/>
+                  </p:tgtEl>
+                </p:cond>
+              </p:prevCondLst>
+              <p:nextCondLst>
+                <p:cond evt="onNext" delay="0">
+                  <p:tgtEl>
+                    <p:sldTgt/>
+                  </p:tgtEl>
+                </p:cond>
+              </p:nextCondLst>
+            </p:seq>
+          </p:childTnLst>
+        </p:cTn>
+      </p:par>
+    </p:tnLst>
+    <p:bldLst>
+      <p:bldP spid="6" grpId="0" animBg="1"/>
+    </p:bldLst>
+  </p:timing>
+</p:sld>
+</file>
+
+<file path=ppt/slides/slide18.xml><?xml version="1.0" encoding="utf-8"?>
+<p:sld xmlns:a="http://schemas.openxmlformats.org/drawingml/2006/main" xmlns:r="http://schemas.openxmlformats.org/officeDocument/2006/relationships" xmlns:p="http://schemas.openxmlformats.org/presentationml/2006/main">
+  <p:cSld>
+    <p:spTree>
+      <p:nvGrpSpPr>
+        <p:cNvPr id="1" name=""/>
+        <p:cNvGrpSpPr/>
+        <p:nvPr/>
+      </p:nvGrpSpPr>
+      <p:grpSpPr>
+        <a:xfrm>
+          <a:off x="0" y="0"/>
+          <a:ext cx="0" cy="0"/>
+          <a:chOff x="0" y="0"/>
+          <a:chExt cx="0" cy="0"/>
+        </a:xfrm>
+      </p:grpSpPr>
+      <p:pic>
+        <p:nvPicPr>
+          <p:cNvPr id="3" name="Picture 2"/>
+          <p:cNvPicPr>
+            <a:picLocks noChangeAspect="1"/>
+          </p:cNvPicPr>
+          <p:nvPr/>
+        </p:nvPicPr>
+        <p:blipFill>
+          <a:blip r:embed="rId2"/>
+          <a:stretch>
+            <a:fillRect/>
+          </a:stretch>
+        </p:blipFill>
+        <p:spPr>
+          <a:xfrm>
+            <a:off x="580403" y="2210835"/>
+            <a:ext cx="11400179" cy="3487600"/>
+          </a:xfrm>
+          <a:prstGeom prst="rect">
+            <a:avLst/>
+          </a:prstGeom>
+        </p:spPr>
+      </p:pic>
+      <p:sp>
+        <p:nvSpPr>
+          <p:cNvPr id="2" name="Title 1"/>
+          <p:cNvSpPr>
+            <a:spLocks noGrp="1"/>
+          </p:cNvSpPr>
+          <p:nvPr>
+            <p:ph type="title"/>
+          </p:nvPr>
+        </p:nvSpPr>
+        <p:spPr/>
+        <p:txBody>
+          <a:bodyPr/>
+          <a:lstStyle/>
+          <a:p>
+            <a:r>
+              <a:rPr lang="en-US" dirty="0"/>
+              <a:t>Some Common Commands Using </a:t>
+            </a:r>
+            <a:r>
+              <a:rPr lang="en-US" dirty="0" err="1"/>
+              <a:t>Git</a:t>
+            </a:r>
+            <a:endParaRPr lang="en-US" dirty="0"/>
+          </a:p>
+        </p:txBody>
+      </p:sp>
+      <p:sp>
+        <p:nvSpPr>
+          <p:cNvPr id="4" name="Title 1"/>
+          <p:cNvSpPr txBox="1">
+            <a:spLocks/>
+          </p:cNvSpPr>
+          <p:nvPr/>
+        </p:nvSpPr>
+        <p:spPr>
+          <a:xfrm>
+            <a:off x="677334" y="1440216"/>
+            <a:ext cx="8596668" cy="1320800"/>
+          </a:xfrm>
+          <a:prstGeom prst="rect">
+            <a:avLst/>
+          </a:prstGeom>
+        </p:spPr>
+        <p:txBody>
+          <a:bodyPr vert="horz" lIns="91440" tIns="45720" rIns="91440" bIns="45720" rtlCol="0" anchor="t">
+            <a:normAutofit/>
+          </a:bodyPr>
+          <a:lstStyle>
+            <a:lvl1pPr algn="l" defTabSz="457200" rtl="0" eaLnBrk="1" latinLnBrk="0" hangingPunct="1">
+              <a:spcBef>
+                <a:spcPct val="0"/>
+              </a:spcBef>
+              <a:buNone/>
+              <a:defRPr sz="3600" kern="1200">
+                <a:solidFill>
+                  <a:schemeClr val="accent1"/>
+                </a:solidFill>
+                <a:latin typeface="+mj-lt"/>
+                <a:ea typeface="+mj-ea"/>
+                <a:cs typeface="+mj-cs"/>
+              </a:defRPr>
+            </a:lvl1pPr>
+            <a:lvl2pPr eaLnBrk="1" hangingPunct="1">
+              <a:defRPr>
+                <a:solidFill>
+                  <a:schemeClr val="tx2"/>
+                </a:solidFill>
+              </a:defRPr>
+            </a:lvl2pPr>
+            <a:lvl3pPr eaLnBrk="1" hangingPunct="1">
+              <a:defRPr>
+                <a:solidFill>
+                  <a:schemeClr val="tx2"/>
+                </a:solidFill>
+              </a:defRPr>
+            </a:lvl3pPr>
+            <a:lvl4pPr eaLnBrk="1" hangingPunct="1">
+              <a:defRPr>
+                <a:solidFill>
+                  <a:schemeClr val="tx2"/>
+                </a:solidFill>
+              </a:defRPr>
+            </a:lvl4pPr>
+            <a:lvl5pPr eaLnBrk="1" hangingPunct="1">
+              <a:defRPr>
+                <a:solidFill>
+                  <a:schemeClr val="tx2"/>
+                </a:solidFill>
+              </a:defRPr>
+            </a:lvl5pPr>
+            <a:lvl6pPr eaLnBrk="1" hangingPunct="1">
+              <a:defRPr>
+                <a:solidFill>
+                  <a:schemeClr val="tx2"/>
+                </a:solidFill>
+              </a:defRPr>
+            </a:lvl6pPr>
+            <a:lvl7pPr eaLnBrk="1" hangingPunct="1">
+              <a:defRPr>
+                <a:solidFill>
+                  <a:schemeClr val="tx2"/>
+                </a:solidFill>
+              </a:defRPr>
+            </a:lvl7pPr>
+            <a:lvl8pPr eaLnBrk="1" hangingPunct="1">
+              <a:defRPr>
+                <a:solidFill>
+                  <a:schemeClr val="tx2"/>
+                </a:solidFill>
+              </a:defRPr>
+            </a:lvl8pPr>
+            <a:lvl9pPr eaLnBrk="1" hangingPunct="1">
+              <a:defRPr>
+                <a:solidFill>
+                  <a:schemeClr val="tx2"/>
+                </a:solidFill>
+              </a:defRPr>
+            </a:lvl9pPr>
+          </a:lstStyle>
+          <a:p>
+            <a:r>
+              <a:rPr lang="en-US" dirty="0" err="1"/>
+              <a:t>git</a:t>
+            </a:r>
+            <a:r>
+              <a:rPr lang="en-US" dirty="0"/>
+              <a:t> </a:t>
+            </a:r>
+            <a:r>
+              <a:rPr lang="en-US" dirty="0" smtClean="0"/>
+              <a:t>revert</a:t>
+            </a:r>
+            <a:endParaRPr lang="en-US" dirty="0"/>
+          </a:p>
+        </p:txBody>
+      </p:sp>
+      <p:sp>
+        <p:nvSpPr>
+          <p:cNvPr id="6" name="Rectangle 5"/>
+          <p:cNvSpPr/>
+          <p:nvPr/>
+        </p:nvSpPr>
+        <p:spPr>
+          <a:xfrm>
+            <a:off x="580403" y="5051486"/>
+            <a:ext cx="1844745" cy="262636"/>
+          </a:xfrm>
+          <a:prstGeom prst="rect">
+            <a:avLst/>
+          </a:prstGeom>
+          <a:noFill/>
+          <a:ln>
+            <a:solidFill>
+              <a:srgbClr val="FFC000"/>
+            </a:solidFill>
+          </a:ln>
+        </p:spPr>
+        <p:style>
+          <a:lnRef idx="2">
+            <a:schemeClr val="accent6"/>
+          </a:lnRef>
+          <a:fillRef idx="1">
+            <a:schemeClr val="lt1"/>
+          </a:fillRef>
+          <a:effectRef idx="0">
+            <a:schemeClr val="accent6"/>
+          </a:effectRef>
+          <a:fontRef idx="minor">
+            <a:schemeClr val="dk1"/>
+          </a:fontRef>
+        </p:style>
+        <p:txBody>
+          <a:bodyPr rtlCol="0" anchor="ctr"/>
+          <a:lstStyle/>
+          <a:p>
+            <a:pPr algn="ctr"/>
+            <a:endParaRPr lang="en-US"/>
+          </a:p>
+        </p:txBody>
+      </p:sp>
+      <p:sp>
+        <p:nvSpPr>
+          <p:cNvPr id="8" name="Rectangle 7"/>
+          <p:cNvSpPr/>
+          <p:nvPr/>
+        </p:nvSpPr>
+        <p:spPr>
+          <a:xfrm>
+            <a:off x="2425148" y="5051486"/>
+            <a:ext cx="2968487" cy="262636"/>
+          </a:xfrm>
+          <a:prstGeom prst="rect">
+            <a:avLst/>
+          </a:prstGeom>
+          <a:noFill/>
+          <a:ln>
+            <a:solidFill>
+              <a:srgbClr val="FFC000"/>
+            </a:solidFill>
+          </a:ln>
+        </p:spPr>
+        <p:style>
+          <a:lnRef idx="2">
+            <a:schemeClr val="accent6"/>
+          </a:lnRef>
+          <a:fillRef idx="1">
+            <a:schemeClr val="lt1"/>
+          </a:fillRef>
+          <a:effectRef idx="0">
+            <a:schemeClr val="accent6"/>
+          </a:effectRef>
+          <a:fontRef idx="minor">
+            <a:schemeClr val="dk1"/>
+          </a:fontRef>
+        </p:style>
+        <p:txBody>
+          <a:bodyPr rtlCol="0" anchor="ctr"/>
+          <a:lstStyle/>
+          <a:p>
+            <a:pPr algn="ctr"/>
+            <a:endParaRPr lang="en-US"/>
+          </a:p>
+        </p:txBody>
+      </p:sp>
+    </p:spTree>
+    <p:extLst>
+      <p:ext uri="{BB962C8B-B14F-4D97-AF65-F5344CB8AC3E}">
+        <p14:creationId xmlns:p14="http://schemas.microsoft.com/office/powerpoint/2010/main" val="3345530558"/>
       </p:ext>
     </p:extLst>
   </p:cSld>
@@ -10830,6 +11307,51 @@
                       </p:childTnLst>
                     </p:cTn>
                   </p:par>
+                  <p:par>
+                    <p:cTn id="11" fill="hold">
+                      <p:stCondLst>
+                        <p:cond delay="indefinite"/>
+                      </p:stCondLst>
+                      <p:childTnLst>
+                        <p:par>
+                          <p:cTn id="12" fill="hold">
+                            <p:stCondLst>
+                              <p:cond delay="0"/>
+                            </p:stCondLst>
+                            <p:childTnLst>
+                              <p:par>
+                                <p:cTn id="13" presetID="1" presetClass="entr" presetSubtype="0" fill="hold" grpId="0" nodeType="clickEffect">
+                                  <p:stCondLst>
+                                    <p:cond delay="0"/>
+                                  </p:stCondLst>
+                                  <p:childTnLst>
+                                    <p:set>
+                                      <p:cBhvr>
+                                        <p:cTn id="14" dur="1" fill="hold">
+                                          <p:stCondLst>
+                                            <p:cond delay="0"/>
+                                          </p:stCondLst>
+                                        </p:cTn>
+                                        <p:tgtEl>
+                                          <p:spTgt spid="8"/>
+                                        </p:tgtEl>
+                                        <p:attrNameLst>
+                                          <p:attrName>style.visibility</p:attrName>
+                                        </p:attrNameLst>
+                                      </p:cBhvr>
+                                      <p:to>
+                                        <p:strVal val="visible"/>
+                                      </p:to>
+                                    </p:set>
+                                  </p:childTnLst>
+                                </p:cTn>
+                              </p:par>
+                            </p:childTnLst>
+                          </p:cTn>
+                        </p:par>
+                      </p:childTnLst>
+                    </p:cTn>
+                  </p:par>
                 </p:childTnLst>
               </p:cTn>
               <p:prevCondLst>
@@ -10853,12 +11375,800 @@
     </p:tnLst>
     <p:bldLst>
       <p:bldP spid="6" grpId="0" animBg="1"/>
+      <p:bldP spid="8" grpId="0" animBg="1"/>
     </p:bldLst>
   </p:timing>
 </p:sld>
 </file>
 
-<file path=ppt/slides/slide18.xml><?xml version="1.0" encoding="utf-8"?>
+<file path=ppt/slides/slide19.xml><?xml version="1.0" encoding="utf-8"?>
+<p:sld xmlns:a="http://schemas.openxmlformats.org/drawingml/2006/main" xmlns:r="http://schemas.openxmlformats.org/officeDocument/2006/relationships" xmlns:p="http://schemas.openxmlformats.org/presentationml/2006/main">
+  <p:cSld>
+    <p:spTree>
+      <p:nvGrpSpPr>
+        <p:cNvPr id="1" name=""/>
+        <p:cNvGrpSpPr/>
+        <p:nvPr/>
+      </p:nvGrpSpPr>
+      <p:grpSpPr>
+        <a:xfrm>
+          <a:off x="0" y="0"/>
+          <a:ext cx="0" cy="0"/>
+          <a:chOff x="0" y="0"/>
+          <a:chExt cx="0" cy="0"/>
+        </a:xfrm>
+      </p:grpSpPr>
+      <p:pic>
+        <p:nvPicPr>
+          <p:cNvPr id="5" name="Picture 4"/>
+          <p:cNvPicPr>
+            <a:picLocks noChangeAspect="1"/>
+          </p:cNvPicPr>
+          <p:nvPr/>
+        </p:nvPicPr>
+        <p:blipFill>
+          <a:blip r:embed="rId2"/>
+          <a:stretch>
+            <a:fillRect/>
+          </a:stretch>
+        </p:blipFill>
+        <p:spPr>
+          <a:xfrm>
+            <a:off x="427589" y="2204097"/>
+            <a:ext cx="11573372" cy="3110025"/>
+          </a:xfrm>
+          <a:prstGeom prst="rect">
+            <a:avLst/>
+          </a:prstGeom>
+        </p:spPr>
+      </p:pic>
+      <p:sp>
+        <p:nvSpPr>
+          <p:cNvPr id="2" name="Title 1"/>
+          <p:cNvSpPr>
+            <a:spLocks noGrp="1"/>
+          </p:cNvSpPr>
+          <p:nvPr>
+            <p:ph type="title"/>
+          </p:nvPr>
+        </p:nvSpPr>
+        <p:spPr/>
+        <p:txBody>
+          <a:bodyPr/>
+          <a:lstStyle/>
+          <a:p>
+            <a:r>
+              <a:rPr lang="en-US" dirty="0"/>
+              <a:t>Some Common Commands Using </a:t>
+            </a:r>
+            <a:r>
+              <a:rPr lang="en-US" dirty="0" err="1"/>
+              <a:t>Git</a:t>
+            </a:r>
+            <a:endParaRPr lang="en-US" dirty="0"/>
+          </a:p>
+        </p:txBody>
+      </p:sp>
+      <p:sp>
+        <p:nvSpPr>
+          <p:cNvPr id="4" name="Title 1"/>
+          <p:cNvSpPr txBox="1">
+            <a:spLocks/>
+          </p:cNvSpPr>
+          <p:nvPr/>
+        </p:nvSpPr>
+        <p:spPr>
+          <a:xfrm>
+            <a:off x="677334" y="1440216"/>
+            <a:ext cx="8596668" cy="1320800"/>
+          </a:xfrm>
+          <a:prstGeom prst="rect">
+            <a:avLst/>
+          </a:prstGeom>
+        </p:spPr>
+        <p:txBody>
+          <a:bodyPr vert="horz" lIns="91440" tIns="45720" rIns="91440" bIns="45720" rtlCol="0" anchor="t">
+            <a:normAutofit/>
+          </a:bodyPr>
+          <a:lstStyle>
+            <a:lvl1pPr algn="l" defTabSz="457200" rtl="0" eaLnBrk="1" latinLnBrk="0" hangingPunct="1">
+              <a:spcBef>
+                <a:spcPct val="0"/>
+              </a:spcBef>
+              <a:buNone/>
+              <a:defRPr sz="3600" kern="1200">
+                <a:solidFill>
+                  <a:schemeClr val="accent1"/>
+                </a:solidFill>
+                <a:latin typeface="+mj-lt"/>
+                <a:ea typeface="+mj-ea"/>
+                <a:cs typeface="+mj-cs"/>
+              </a:defRPr>
+            </a:lvl1pPr>
+            <a:lvl2pPr eaLnBrk="1" hangingPunct="1">
+              <a:defRPr>
+                <a:solidFill>
+                  <a:schemeClr val="tx2"/>
+                </a:solidFill>
+              </a:defRPr>
+            </a:lvl2pPr>
+            <a:lvl3pPr eaLnBrk="1" hangingPunct="1">
+              <a:defRPr>
+                <a:solidFill>
+                  <a:schemeClr val="tx2"/>
+                </a:solidFill>
+              </a:defRPr>
+            </a:lvl3pPr>
+            <a:lvl4pPr eaLnBrk="1" hangingPunct="1">
+              <a:defRPr>
+                <a:solidFill>
+                  <a:schemeClr val="tx2"/>
+                </a:solidFill>
+              </a:defRPr>
+            </a:lvl4pPr>
+            <a:lvl5pPr eaLnBrk="1" hangingPunct="1">
+              <a:defRPr>
+                <a:solidFill>
+                  <a:schemeClr val="tx2"/>
+                </a:solidFill>
+              </a:defRPr>
+            </a:lvl5pPr>
+            <a:lvl6pPr eaLnBrk="1" hangingPunct="1">
+              <a:defRPr>
+                <a:solidFill>
+                  <a:schemeClr val="tx2"/>
+                </a:solidFill>
+              </a:defRPr>
+            </a:lvl6pPr>
+            <a:lvl7pPr eaLnBrk="1" hangingPunct="1">
+              <a:defRPr>
+                <a:solidFill>
+                  <a:schemeClr val="tx2"/>
+                </a:solidFill>
+              </a:defRPr>
+            </a:lvl7pPr>
+            <a:lvl8pPr eaLnBrk="1" hangingPunct="1">
+              <a:defRPr>
+                <a:solidFill>
+                  <a:schemeClr val="tx2"/>
+                </a:solidFill>
+              </a:defRPr>
+            </a:lvl8pPr>
+            <a:lvl9pPr eaLnBrk="1" hangingPunct="1">
+              <a:defRPr>
+                <a:solidFill>
+                  <a:schemeClr val="tx2"/>
+                </a:solidFill>
+              </a:defRPr>
+            </a:lvl9pPr>
+          </a:lstStyle>
+          <a:p>
+            <a:r>
+              <a:rPr lang="en-US" dirty="0" err="1"/>
+              <a:t>git</a:t>
+            </a:r>
+            <a:r>
+              <a:rPr lang="en-US" dirty="0"/>
+              <a:t> </a:t>
+            </a:r>
+            <a:r>
+              <a:rPr lang="en-US" dirty="0" smtClean="0"/>
+              <a:t>revert</a:t>
+            </a:r>
+            <a:endParaRPr lang="en-US" dirty="0"/>
+          </a:p>
+        </p:txBody>
+      </p:sp>
+    </p:spTree>
+    <p:extLst>
+      <p:ext uri="{BB962C8B-B14F-4D97-AF65-F5344CB8AC3E}">
+        <p14:creationId xmlns:p14="http://schemas.microsoft.com/office/powerpoint/2010/main" val="912032091"/>
+      </p:ext>
+    </p:extLst>
+  </p:cSld>
+  <p:clrMapOvr>
+    <a:masterClrMapping/>
+  </p:clrMapOvr>
+  <p:transition spd="slow">
+    <p:wipe/>
+  </p:transition>
+  <p:timing>
+    <p:tnLst>
+      <p:par>
+        <p:cTn id="1" dur="indefinite" restart="never" nodeType="tmRoot"/>
+      </p:par>
+    </p:tnLst>
+  </p:timing>
+</p:sld>
+</file>
+
+<file path=ppt/slides/slide2.xml><?xml version="1.0" encoding="utf-8"?>
+<p:sld xmlns:a="http://schemas.openxmlformats.org/drawingml/2006/main" xmlns:r="http://schemas.openxmlformats.org/officeDocument/2006/relationships" xmlns:p="http://schemas.openxmlformats.org/presentationml/2006/main">
+  <p:cSld>
+    <p:spTree>
+      <p:nvGrpSpPr>
+        <p:cNvPr id="1" name=""/>
+        <p:cNvGrpSpPr/>
+        <p:nvPr/>
+      </p:nvGrpSpPr>
+      <p:grpSpPr>
+        <a:xfrm>
+          <a:off x="0" y="0"/>
+          <a:ext cx="0" cy="0"/>
+          <a:chOff x="0" y="0"/>
+          <a:chExt cx="0" cy="0"/>
+        </a:xfrm>
+      </p:grpSpPr>
+      <p:sp>
+        <p:nvSpPr>
+          <p:cNvPr id="2" name="Title 1"/>
+          <p:cNvSpPr>
+            <a:spLocks noGrp="1"/>
+          </p:cNvSpPr>
+          <p:nvPr>
+            <p:ph type="title"/>
+          </p:nvPr>
+        </p:nvSpPr>
+        <p:spPr/>
+        <p:txBody>
+          <a:bodyPr/>
+          <a:lstStyle/>
+          <a:p>
+            <a:r>
+              <a:rPr lang="en-US" dirty="0" smtClean="0"/>
+              <a:t>Summary</a:t>
+            </a:r>
+            <a:endParaRPr lang="en-US" dirty="0"/>
+          </a:p>
+        </p:txBody>
+      </p:sp>
+      <p:sp>
+        <p:nvSpPr>
+          <p:cNvPr id="3" name="Content Placeholder 2"/>
+          <p:cNvSpPr>
+            <a:spLocks noGrp="1"/>
+          </p:cNvSpPr>
+          <p:nvPr>
+            <p:ph idx="1"/>
+          </p:nvPr>
+        </p:nvSpPr>
+        <p:spPr/>
+        <p:txBody>
+          <a:bodyPr/>
+          <a:lstStyle/>
+          <a:p>
+            <a:r>
+              <a:rPr lang="en-US" dirty="0" smtClean="0"/>
+              <a:t>What is Version Control- an example</a:t>
+            </a:r>
+          </a:p>
+          <a:p>
+            <a:r>
+              <a:rPr lang="en-US" dirty="0" smtClean="0"/>
+              <a:t>Common Terminology</a:t>
+            </a:r>
+          </a:p>
+          <a:p>
+            <a:r>
+              <a:rPr lang="en-US" dirty="0" smtClean="0"/>
+              <a:t>Some Common Commands Using </a:t>
+            </a:r>
+            <a:r>
+              <a:rPr lang="en-US" dirty="0" err="1" smtClean="0"/>
+              <a:t>Git</a:t>
+            </a:r>
+            <a:endParaRPr lang="en-US" dirty="0" smtClean="0"/>
+          </a:p>
+          <a:p>
+            <a:r>
+              <a:rPr lang="en-US" dirty="0" smtClean="0"/>
+              <a:t>Wrap Up</a:t>
+            </a:r>
+          </a:p>
+          <a:p>
+            <a:endParaRPr lang="en-US" dirty="0" smtClean="0"/>
+          </a:p>
+        </p:txBody>
+      </p:sp>
+    </p:spTree>
+    <p:extLst>
+      <p:ext uri="{BB962C8B-B14F-4D97-AF65-F5344CB8AC3E}">
+        <p14:creationId xmlns:p14="http://schemas.microsoft.com/office/powerpoint/2010/main" val="2390863131"/>
+      </p:ext>
+    </p:extLst>
+  </p:cSld>
+  <p:clrMapOvr>
+    <a:masterClrMapping/>
+  </p:clrMapOvr>
+  <p:transition spd="slow">
+    <p:wipe/>
+  </p:transition>
+  <p:timing>
+    <p:tnLst>
+      <p:par>
+        <p:cTn id="1" dur="indefinite" restart="never" nodeType="tmRoot"/>
+      </p:par>
+    </p:tnLst>
+  </p:timing>
+</p:sld>
+</file>
+
+<file path=ppt/slides/slide20.xml><?xml version="1.0" encoding="utf-8"?>
+<p:sld xmlns:a="http://schemas.openxmlformats.org/drawingml/2006/main" xmlns:r="http://schemas.openxmlformats.org/officeDocument/2006/relationships" xmlns:p="http://schemas.openxmlformats.org/presentationml/2006/main">
+  <p:cSld>
+    <p:spTree>
+      <p:nvGrpSpPr>
+        <p:cNvPr id="1" name=""/>
+        <p:cNvGrpSpPr/>
+        <p:nvPr/>
+      </p:nvGrpSpPr>
+      <p:grpSpPr>
+        <a:xfrm>
+          <a:off x="0" y="0"/>
+          <a:ext cx="0" cy="0"/>
+          <a:chOff x="0" y="0"/>
+          <a:chExt cx="0" cy="0"/>
+        </a:xfrm>
+      </p:grpSpPr>
+      <p:sp>
+        <p:nvSpPr>
+          <p:cNvPr id="2" name="Title 1"/>
+          <p:cNvSpPr>
+            <a:spLocks noGrp="1"/>
+          </p:cNvSpPr>
+          <p:nvPr>
+            <p:ph type="title"/>
+          </p:nvPr>
+        </p:nvSpPr>
+        <p:spPr/>
+        <p:txBody>
+          <a:bodyPr/>
+          <a:lstStyle/>
+          <a:p>
+            <a:r>
+              <a:rPr lang="en-US" dirty="0"/>
+              <a:t>Some Common Commands Using </a:t>
+            </a:r>
+            <a:r>
+              <a:rPr lang="en-US" dirty="0" err="1"/>
+              <a:t>Git</a:t>
+            </a:r>
+            <a:endParaRPr lang="en-US" dirty="0"/>
+          </a:p>
+        </p:txBody>
+      </p:sp>
+      <p:sp>
+        <p:nvSpPr>
+          <p:cNvPr id="4" name="Title 1"/>
+          <p:cNvSpPr txBox="1">
+            <a:spLocks/>
+          </p:cNvSpPr>
+          <p:nvPr/>
+        </p:nvSpPr>
+        <p:spPr>
+          <a:xfrm>
+            <a:off x="677334" y="1440216"/>
+            <a:ext cx="8596668" cy="1320800"/>
+          </a:xfrm>
+          <a:prstGeom prst="rect">
+            <a:avLst/>
+          </a:prstGeom>
+        </p:spPr>
+        <p:txBody>
+          <a:bodyPr vert="horz" lIns="91440" tIns="45720" rIns="91440" bIns="45720" rtlCol="0" anchor="t">
+            <a:normAutofit/>
+          </a:bodyPr>
+          <a:lstStyle>
+            <a:lvl1pPr algn="l" defTabSz="457200" rtl="0" eaLnBrk="1" latinLnBrk="0" hangingPunct="1">
+              <a:spcBef>
+                <a:spcPct val="0"/>
+              </a:spcBef>
+              <a:buNone/>
+              <a:defRPr sz="3600" kern="1200">
+                <a:solidFill>
+                  <a:schemeClr val="accent1"/>
+                </a:solidFill>
+                <a:latin typeface="+mj-lt"/>
+                <a:ea typeface="+mj-ea"/>
+                <a:cs typeface="+mj-cs"/>
+              </a:defRPr>
+            </a:lvl1pPr>
+            <a:lvl2pPr eaLnBrk="1" hangingPunct="1">
+              <a:defRPr>
+                <a:solidFill>
+                  <a:schemeClr val="tx2"/>
+                </a:solidFill>
+              </a:defRPr>
+            </a:lvl2pPr>
+            <a:lvl3pPr eaLnBrk="1" hangingPunct="1">
+              <a:defRPr>
+                <a:solidFill>
+                  <a:schemeClr val="tx2"/>
+                </a:solidFill>
+              </a:defRPr>
+            </a:lvl3pPr>
+            <a:lvl4pPr eaLnBrk="1" hangingPunct="1">
+              <a:defRPr>
+                <a:solidFill>
+                  <a:schemeClr val="tx2"/>
+                </a:solidFill>
+              </a:defRPr>
+            </a:lvl4pPr>
+            <a:lvl5pPr eaLnBrk="1" hangingPunct="1">
+              <a:defRPr>
+                <a:solidFill>
+                  <a:schemeClr val="tx2"/>
+                </a:solidFill>
+              </a:defRPr>
+            </a:lvl5pPr>
+            <a:lvl6pPr eaLnBrk="1" hangingPunct="1">
+              <a:defRPr>
+                <a:solidFill>
+                  <a:schemeClr val="tx2"/>
+                </a:solidFill>
+              </a:defRPr>
+            </a:lvl6pPr>
+            <a:lvl7pPr eaLnBrk="1" hangingPunct="1">
+              <a:defRPr>
+                <a:solidFill>
+                  <a:schemeClr val="tx2"/>
+                </a:solidFill>
+              </a:defRPr>
+            </a:lvl7pPr>
+            <a:lvl8pPr eaLnBrk="1" hangingPunct="1">
+              <a:defRPr>
+                <a:solidFill>
+                  <a:schemeClr val="tx2"/>
+                </a:solidFill>
+              </a:defRPr>
+            </a:lvl8pPr>
+            <a:lvl9pPr eaLnBrk="1" hangingPunct="1">
+              <a:defRPr>
+                <a:solidFill>
+                  <a:schemeClr val="tx2"/>
+                </a:solidFill>
+              </a:defRPr>
+            </a:lvl9pPr>
+          </a:lstStyle>
+          <a:p>
+            <a:r>
+              <a:rPr lang="en-US" dirty="0" err="1"/>
+              <a:t>git</a:t>
+            </a:r>
+            <a:r>
+              <a:rPr lang="en-US" dirty="0"/>
+              <a:t> </a:t>
+            </a:r>
+            <a:r>
+              <a:rPr lang="en-US" dirty="0" smtClean="0"/>
+              <a:t>reset</a:t>
+            </a:r>
+            <a:endParaRPr lang="en-US" dirty="0"/>
+          </a:p>
+        </p:txBody>
+      </p:sp>
+      <p:pic>
+        <p:nvPicPr>
+          <p:cNvPr id="3" name="Picture 2"/>
+          <p:cNvPicPr>
+            <a:picLocks noChangeAspect="1"/>
+          </p:cNvPicPr>
+          <p:nvPr/>
+        </p:nvPicPr>
+        <p:blipFill>
+          <a:blip r:embed="rId2"/>
+          <a:stretch>
+            <a:fillRect/>
+          </a:stretch>
+        </p:blipFill>
+        <p:spPr>
+          <a:xfrm>
+            <a:off x="349077" y="2100616"/>
+            <a:ext cx="11114053" cy="4708942"/>
+          </a:xfrm>
+          <a:prstGeom prst="rect">
+            <a:avLst/>
+          </a:prstGeom>
+        </p:spPr>
+      </p:pic>
+      <p:sp>
+        <p:nvSpPr>
+          <p:cNvPr id="6" name="Rectangle 5"/>
+          <p:cNvSpPr/>
+          <p:nvPr/>
+        </p:nvSpPr>
+        <p:spPr>
+          <a:xfrm>
+            <a:off x="349077" y="2275156"/>
+            <a:ext cx="6608314" cy="216254"/>
+          </a:xfrm>
+          <a:prstGeom prst="rect">
+            <a:avLst/>
+          </a:prstGeom>
+          <a:noFill/>
+          <a:ln>
+            <a:solidFill>
+              <a:srgbClr val="FFC000"/>
+            </a:solidFill>
+          </a:ln>
+        </p:spPr>
+        <p:style>
+          <a:lnRef idx="2">
+            <a:schemeClr val="accent6"/>
+          </a:lnRef>
+          <a:fillRef idx="1">
+            <a:schemeClr val="lt1"/>
+          </a:fillRef>
+          <a:effectRef idx="0">
+            <a:schemeClr val="accent6"/>
+          </a:effectRef>
+          <a:fontRef idx="minor">
+            <a:schemeClr val="dk1"/>
+          </a:fontRef>
+        </p:style>
+        <p:txBody>
+          <a:bodyPr rtlCol="0" anchor="ctr"/>
+          <a:lstStyle/>
+          <a:p>
+            <a:pPr algn="ctr"/>
+            <a:endParaRPr lang="en-US"/>
+          </a:p>
+        </p:txBody>
+      </p:sp>
+      <p:pic>
+        <p:nvPicPr>
+          <p:cNvPr id="9" name="Picture 8"/>
+          <p:cNvPicPr>
+            <a:picLocks noChangeAspect="1"/>
+          </p:cNvPicPr>
+          <p:nvPr/>
+        </p:nvPicPr>
+        <p:blipFill>
+          <a:blip r:embed="rId3"/>
+          <a:stretch>
+            <a:fillRect/>
+          </a:stretch>
+        </p:blipFill>
+        <p:spPr>
+          <a:xfrm>
+            <a:off x="5563202" y="5930347"/>
+            <a:ext cx="758083" cy="221108"/>
+          </a:xfrm>
+          <a:prstGeom prst="rect">
+            <a:avLst/>
+          </a:prstGeom>
+        </p:spPr>
+      </p:pic>
+      <p:sp>
+        <p:nvSpPr>
+          <p:cNvPr id="8" name="Rectangle 7"/>
+          <p:cNvSpPr/>
+          <p:nvPr/>
+        </p:nvSpPr>
+        <p:spPr>
+          <a:xfrm>
+            <a:off x="4571999" y="5930347"/>
+            <a:ext cx="1749287" cy="192157"/>
+          </a:xfrm>
+          <a:prstGeom prst="rect">
+            <a:avLst/>
+          </a:prstGeom>
+          <a:noFill/>
+          <a:ln>
+            <a:solidFill>
+              <a:srgbClr val="FFC000"/>
+            </a:solidFill>
+          </a:ln>
+        </p:spPr>
+        <p:style>
+          <a:lnRef idx="2">
+            <a:schemeClr val="accent6"/>
+          </a:lnRef>
+          <a:fillRef idx="1">
+            <a:schemeClr val="lt1"/>
+          </a:fillRef>
+          <a:effectRef idx="0">
+            <a:schemeClr val="accent6"/>
+          </a:effectRef>
+          <a:fontRef idx="minor">
+            <a:schemeClr val="dk1"/>
+          </a:fontRef>
+        </p:style>
+        <p:txBody>
+          <a:bodyPr rtlCol="0" anchor="ctr"/>
+          <a:lstStyle/>
+          <a:p>
+            <a:pPr algn="ctr"/>
+            <a:endParaRPr lang="en-US"/>
+          </a:p>
+        </p:txBody>
+      </p:sp>
+    </p:spTree>
+    <p:extLst>
+      <p:ext uri="{BB962C8B-B14F-4D97-AF65-F5344CB8AC3E}">
+        <p14:creationId xmlns:p14="http://schemas.microsoft.com/office/powerpoint/2010/main" val="2639306079"/>
+      </p:ext>
+    </p:extLst>
+  </p:cSld>
+  <p:clrMapOvr>
+    <a:masterClrMapping/>
+  </p:clrMapOvr>
+  <p:transition spd="slow">
+    <p:wipe/>
+  </p:transition>
+  <p:timing>
+    <p:tnLst>
+      <p:par>
+        <p:cTn id="1" dur="indefinite" restart="never" nodeType="tmRoot">
+          <p:childTnLst>
+            <p:seq concurrent="1" nextAc="seek">
+              <p:cTn id="2" dur="indefinite" nodeType="mainSeq">
+                <p:childTnLst>
+                  <p:par>
+                    <p:cTn id="3" fill="hold">
+                      <p:stCondLst>
+                        <p:cond delay="indefinite"/>
+                      </p:stCondLst>
+                      <p:childTnLst>
+                        <p:par>
+                          <p:cTn id="4" fill="hold">
+                            <p:stCondLst>
+                              <p:cond delay="0"/>
+                            </p:stCondLst>
+                            <p:childTnLst>
+                              <p:par>
+                                <p:cTn id="5" presetID="1" presetClass="entr" presetSubtype="0" fill="hold" nodeType="clickEffect">
+                                  <p:stCondLst>
+                                    <p:cond delay="0"/>
+                                  </p:stCondLst>
+                                  <p:childTnLst>
+                                    <p:set>
+                                      <p:cBhvr>
+                                        <p:cTn id="6" dur="1" fill="hold">
+                                          <p:stCondLst>
+                                            <p:cond delay="0"/>
+                                          </p:stCondLst>
+                                        </p:cTn>
+                                        <p:tgtEl>
+                                          <p:spTgt spid="3"/>
+                                        </p:tgtEl>
+                                        <p:attrNameLst>
+                                          <p:attrName>style.visibility</p:attrName>
+                                        </p:attrNameLst>
+                                      </p:cBhvr>
+                                      <p:to>
+                                        <p:strVal val="visible"/>
+                                      </p:to>
+                                    </p:set>
+                                  </p:childTnLst>
+                                </p:cTn>
+                              </p:par>
+                            </p:childTnLst>
+                          </p:cTn>
+                        </p:par>
+                      </p:childTnLst>
+                    </p:cTn>
+                  </p:par>
+                  <p:par>
+                    <p:cTn id="7" fill="hold">
+                      <p:stCondLst>
+                        <p:cond delay="indefinite"/>
+                      </p:stCondLst>
+                      <p:childTnLst>
+                        <p:par>
+                          <p:cTn id="8" fill="hold">
+                            <p:stCondLst>
+                              <p:cond delay="0"/>
+                            </p:stCondLst>
+                            <p:childTnLst>
+                              <p:par>
+                                <p:cTn id="9" presetID="1" presetClass="entr" presetSubtype="0" fill="hold" grpId="0" nodeType="clickEffect">
+                                  <p:stCondLst>
+                                    <p:cond delay="0"/>
+                                  </p:stCondLst>
+                                  <p:childTnLst>
+                                    <p:set>
+                                      <p:cBhvr>
+                                        <p:cTn id="10" dur="1" fill="hold">
+                                          <p:stCondLst>
+                                            <p:cond delay="0"/>
+                                          </p:stCondLst>
+                                        </p:cTn>
+                                        <p:tgtEl>
+                                          <p:spTgt spid="6"/>
+                                        </p:tgtEl>
+                                        <p:attrNameLst>
+                                          <p:attrName>style.visibility</p:attrName>
+                                        </p:attrNameLst>
+                                      </p:cBhvr>
+                                      <p:to>
+                                        <p:strVal val="visible"/>
+                                      </p:to>
+                                    </p:set>
+                                  </p:childTnLst>
+                                </p:cTn>
+                              </p:par>
+                            </p:childTnLst>
+                          </p:cTn>
+                        </p:par>
+                      </p:childTnLst>
+                    </p:cTn>
+                  </p:par>
+                  <p:par>
+                    <p:cTn id="11" fill="hold">
+                      <p:stCondLst>
+                        <p:cond delay="indefinite"/>
+                      </p:stCondLst>
+                      <p:childTnLst>
+                        <p:par>
+                          <p:cTn id="12" fill="hold">
+                            <p:stCondLst>
+                              <p:cond delay="0"/>
+                            </p:stCondLst>
+                            <p:childTnLst>
+                              <p:par>
+                                <p:cTn id="13" presetID="1" presetClass="entr" presetSubtype="0" fill="hold" grpId="0" nodeType="clickEffect">
+                                  <p:stCondLst>
+                                    <p:cond delay="0"/>
+                                  </p:stCondLst>
+                                  <p:childTnLst>
+                                    <p:set>
+                                      <p:cBhvr>
+                                        <p:cTn id="14" dur="1" fill="hold">
+                                          <p:stCondLst>
+                                            <p:cond delay="0"/>
+                                          </p:stCondLst>
+                                        </p:cTn>
+                                        <p:tgtEl>
+                                          <p:spTgt spid="8"/>
+                                        </p:tgtEl>
+                                        <p:attrNameLst>
+                                          <p:attrName>style.visibility</p:attrName>
+                                        </p:attrNameLst>
+                                      </p:cBhvr>
+                                      <p:to>
+                                        <p:strVal val="visible"/>
+                                      </p:to>
+                                    </p:set>
+                                  </p:childTnLst>
+                                </p:cTn>
+                              </p:par>
+                            </p:childTnLst>
+                          </p:cTn>
+                        </p:par>
+                      </p:childTnLst>
+                    </p:cTn>
+                  </p:par>
+                </p:childTnLst>
+              </p:cTn>
+              <p:prevCondLst>
+                <p:cond evt="onPrev" delay="0">
+                  <p:tgtEl>
+                    <p:sldTgt/>
+                  </p:tgtEl>
+                </p:cond>
+              </p:prevCondLst>
+              <p:nextCondLst>
+                <p:cond evt="onNext" delay="0">
+                  <p:tgtEl>
+                    <p:sldTgt/>
+                  </p:tgtEl>
+                </p:cond>
+              </p:nextCondLst>
+            </p:seq>
+          </p:childTnLst>
+        </p:cTn>
+      </p:par>
+    </p:tnLst>
+    <p:bldLst>
+      <p:bldP spid="6" grpId="0" animBg="1"/>
+      <p:bldP spid="8" grpId="0" animBg="1"/>
+    </p:bldLst>
+  </p:timing>
+</p:sld>
+</file>
+
+<file path=ppt/slides/slide21.xml><?xml version="1.0" encoding="utf-8"?>
 <p:sld xmlns:a="http://schemas.openxmlformats.org/drawingml/2006/main" xmlns:r="http://schemas.openxmlformats.org/officeDocument/2006/relationships" xmlns:p="http://schemas.openxmlformats.org/presentationml/2006/main">
   <p:cSld>
     <p:spTree>
@@ -11298,7 +12608,7 @@
 </p:sld>
 </file>
 
-<file path=ppt/slides/slide19.xml><?xml version="1.0" encoding="utf-8"?>
+<file path=ppt/slides/slide22.xml><?xml version="1.0" encoding="utf-8"?>
 <p:sld xmlns:a="http://schemas.openxmlformats.org/drawingml/2006/main" xmlns:r="http://schemas.openxmlformats.org/officeDocument/2006/relationships" xmlns:p="http://schemas.openxmlformats.org/presentationml/2006/main">
   <p:cSld>
     <p:spTree>
@@ -11372,110 +12682,6 @@
       </p:par>
     </p:tnLst>
   </p:timing>
-</p:sld>
-</file>
-
-<file path=ppt/slides/slide2.xml><?xml version="1.0" encoding="utf-8"?>
-<p:sld xmlns:a="http://schemas.openxmlformats.org/drawingml/2006/main" xmlns:r="http://schemas.openxmlformats.org/officeDocument/2006/relationships" xmlns:p="http://schemas.openxmlformats.org/presentationml/2006/main">
-  <p:cSld>
-    <p:spTree>
-      <p:nvGrpSpPr>
-        <p:cNvPr id="1" name=""/>
-        <p:cNvGrpSpPr/>
-        <p:nvPr/>
-      </p:nvGrpSpPr>
-      <p:grpSpPr>
-        <a:xfrm>
-          <a:off x="0" y="0"/>
-          <a:ext cx="0" cy="0"/>
-          <a:chOff x="0" y="0"/>
-          <a:chExt cx="0" cy="0"/>
-        </a:xfrm>
-      </p:grpSpPr>
-      <p:sp>
-        <p:nvSpPr>
-          <p:cNvPr id="2" name="Title 1"/>
-          <p:cNvSpPr>
-            <a:spLocks noGrp="1"/>
-          </p:cNvSpPr>
-          <p:nvPr>
-            <p:ph type="title"/>
-          </p:nvPr>
-        </p:nvSpPr>
-        <p:spPr/>
-        <p:txBody>
-          <a:bodyPr/>
-          <a:lstStyle/>
-          <a:p>
-            <a:r>
-              <a:rPr lang="en-US" dirty="0" smtClean="0"/>
-              <a:t>Summary</a:t>
-            </a:r>
-            <a:endParaRPr lang="en-US" dirty="0"/>
-          </a:p>
-        </p:txBody>
-      </p:sp>
-      <p:sp>
-        <p:nvSpPr>
-          <p:cNvPr id="3" name="Content Placeholder 2"/>
-          <p:cNvSpPr>
-            <a:spLocks noGrp="1"/>
-          </p:cNvSpPr>
-          <p:nvPr>
-            <p:ph idx="1"/>
-          </p:nvPr>
-        </p:nvSpPr>
-        <p:spPr/>
-        <p:txBody>
-          <a:bodyPr/>
-          <a:lstStyle/>
-          <a:p>
-            <a:r>
-              <a:rPr lang="en-US" dirty="0" smtClean="0"/>
-              <a:t>What is Version Control- an example</a:t>
-            </a:r>
-          </a:p>
-          <a:p>
-            <a:r>
-              <a:rPr lang="en-US" dirty="0" smtClean="0"/>
-              <a:t>Common Terminology</a:t>
-            </a:r>
-          </a:p>
-          <a:p>
-            <a:r>
-              <a:rPr lang="en-US" dirty="0" smtClean="0"/>
-              <a:t>Some Common Commands Using </a:t>
-            </a:r>
-            <a:r>
-              <a:rPr lang="en-US" dirty="0" err="1" smtClean="0"/>
-              <a:t>Git</a:t>
-            </a:r>
-            <a:endParaRPr lang="en-US" dirty="0" smtClean="0"/>
-          </a:p>
-          <a:p>
-            <a:r>
-              <a:rPr lang="en-US" dirty="0" smtClean="0"/>
-              <a:t>Wrap Up</a:t>
-            </a:r>
-          </a:p>
-          <a:p>
-            <a:endParaRPr lang="en-US" dirty="0" smtClean="0"/>
-          </a:p>
-        </p:txBody>
-      </p:sp>
-    </p:spTree>
-    <p:extLst>
-      <p:ext uri="{BB962C8B-B14F-4D97-AF65-F5344CB8AC3E}">
-        <p14:creationId xmlns:p14="http://schemas.microsoft.com/office/powerpoint/2010/main" val="2390863131"/>
-      </p:ext>
-    </p:extLst>
-  </p:cSld>
-  <p:clrMapOvr>
-    <a:masterClrMapping/>
-  </p:clrMapOvr>
-  <p:transition spd="slow">
-    <p:wipe/>
-  </p:transition>
 </p:sld>
 </file>
 
@@ -14652,8 +15858,39 @@
             <a:pPr lvl="1"/>
             <a:r>
               <a:rPr lang="en-US" dirty="0"/>
-              <a:t>See history</a:t>
-            </a:r>
+              <a:t>See </a:t>
+            </a:r>
+            <a:r>
+              <a:rPr lang="en-US" dirty="0" smtClean="0"/>
+              <a:t>history</a:t>
+            </a:r>
+          </a:p>
+          <a:p>
+            <a:r>
+              <a:rPr lang="en-US" dirty="0" smtClean="0"/>
+              <a:t>Revert</a:t>
+            </a:r>
+          </a:p>
+          <a:p>
+            <a:pPr lvl="1"/>
+            <a:r>
+              <a:rPr lang="en-US" dirty="0" smtClean="0"/>
+              <a:t>Undo a specified commit</a:t>
+            </a:r>
+          </a:p>
+          <a:p>
+            <a:r>
+              <a:rPr lang="en-US" dirty="0" smtClean="0"/>
+              <a:t>Reset</a:t>
+            </a:r>
+          </a:p>
+          <a:p>
+            <a:pPr lvl="1"/>
+            <a:r>
+              <a:rPr lang="en-US" dirty="0" smtClean="0"/>
+              <a:t>Go back to what the branch looked like at the specified commit</a:t>
+            </a:r>
+            <a:endParaRPr lang="en-US" dirty="0"/>
           </a:p>
           <a:p>
             <a:endParaRPr lang="en-US" dirty="0"/>
@@ -14673,6 +15910,13 @@
   <p:transition spd="slow">
     <p:wipe/>
   </p:transition>
+  <p:timing>
+    <p:tnLst>
+      <p:par>
+        <p:cTn id="1" dur="indefinite" restart="never" nodeType="tmRoot"/>
+      </p:par>
+    </p:tnLst>
+  </p:timing>
 </p:sld>
 </file>
 

--- a/Version Control Presentation.pptx
+++ b/Version Control Presentation.pptx
@@ -12201,8 +12201,12 @@
           <a:lstStyle/>
           <a:p>
             <a:r>
+              <a:rPr lang="en-US" dirty="0" smtClean="0"/>
+              <a:t>Version </a:t>
+            </a:r>
+            <a:r>
               <a:rPr lang="en-US" dirty="0"/>
-              <a:t>Version Control Systems Allow</a:t>
+              <a:t>Control Systems Allow</a:t>
             </a:r>
           </a:p>
         </p:txBody>
